--- a/Dev/7_PhysicsDomainModel/OpenModelica_Tutorials_7_PlantModel_Additional.pptx
+++ b/Dev/7_PhysicsDomainModel/OpenModelica_Tutorials_7_PlantModel_Additional.pptx
@@ -5,7 +5,7 @@
     <p:sldMasterId id="2147483648" r:id="rId1"/>
   </p:sldMasterIdLst>
   <p:notesMasterIdLst>
-    <p:notesMasterId r:id="rId50"/>
+    <p:notesMasterId r:id="rId48"/>
   </p:notesMasterIdLst>
   <p:sldIdLst>
     <p:sldId id="427" r:id="rId2"/>
@@ -53,9 +53,7 @@
     <p:sldId id="343" r:id="rId44"/>
     <p:sldId id="340" r:id="rId45"/>
     <p:sldId id="384" r:id="rId46"/>
-    <p:sldId id="394" r:id="rId47"/>
-    <p:sldId id="409" r:id="rId48"/>
-    <p:sldId id="377" r:id="rId49"/>
+    <p:sldId id="377" r:id="rId47"/>
   </p:sldIdLst>
   <p:sldSz cx="12192000" cy="6858000"/>
   <p:notesSz cx="6858000" cy="9144000"/>
@@ -255,7 +253,7 @@
           <a:p>
             <a:fld id="{C4670700-DA66-4BAD-8F9F-A4A758D36ABA}" type="datetimeFigureOut">
               <a:rPr kumimoji="1" lang="ja-JP" altLang="en-US" smtClean="0"/>
-              <a:t>2019/12/14</a:t>
+              <a:t>2020/9/1</a:t>
             </a:fld>
             <a:endParaRPr kumimoji="1" lang="ja-JP" altLang="en-US"/>
           </a:p>
@@ -701,7 +699,7 @@
           <a:p>
             <a:fld id="{CA2F2FF0-B0E3-4081-A194-5315B26D72C4}" type="datetime1">
               <a:rPr kumimoji="1" lang="ja-JP" altLang="en-US" smtClean="0"/>
-              <a:t>2019/12/14</a:t>
+              <a:t>2020/9/1</a:t>
             </a:fld>
             <a:endParaRPr kumimoji="1" lang="ja-JP" altLang="en-US"/>
           </a:p>
@@ -931,7 +929,7 @@
           <a:p>
             <a:fld id="{AA0CF445-3D47-45EB-B7B9-640298F78945}" type="datetime1">
               <a:rPr kumimoji="1" lang="ja-JP" altLang="en-US" smtClean="0"/>
-              <a:t>2019/12/14</a:t>
+              <a:t>2020/9/1</a:t>
             </a:fld>
             <a:endParaRPr kumimoji="1" lang="ja-JP" altLang="en-US"/>
           </a:p>
@@ -1171,7 +1169,7 @@
           <a:p>
             <a:fld id="{33274D65-32BF-448B-ADBF-66DCA4E8B106}" type="datetime1">
               <a:rPr kumimoji="1" lang="ja-JP" altLang="en-US" smtClean="0"/>
-              <a:t>2019/12/14</a:t>
+              <a:t>2020/9/1</a:t>
             </a:fld>
             <a:endParaRPr kumimoji="1" lang="ja-JP" altLang="en-US"/>
           </a:p>
@@ -1401,7 +1399,7 @@
           <a:p>
             <a:fld id="{852A9B57-A7E8-419F-90A8-90F2DA777A28}" type="datetime1">
               <a:rPr kumimoji="1" lang="ja-JP" altLang="en-US" smtClean="0"/>
-              <a:t>2019/12/14</a:t>
+              <a:t>2020/9/1</a:t>
             </a:fld>
             <a:endParaRPr kumimoji="1" lang="ja-JP" altLang="en-US"/>
           </a:p>
@@ -1676,7 +1674,7 @@
           <a:p>
             <a:fld id="{C90A889C-334E-44BD-8F41-5AC3386FFD37}" type="datetime1">
               <a:rPr kumimoji="1" lang="ja-JP" altLang="en-US" smtClean="0"/>
-              <a:t>2019/12/14</a:t>
+              <a:t>2020/9/1</a:t>
             </a:fld>
             <a:endParaRPr kumimoji="1" lang="ja-JP" altLang="en-US"/>
           </a:p>
@@ -2005,7 +2003,7 @@
           <a:p>
             <a:fld id="{58879D4E-6DF1-4713-B068-9512627C39B0}" type="datetime1">
               <a:rPr kumimoji="1" lang="ja-JP" altLang="en-US" smtClean="0"/>
-              <a:t>2019/12/14</a:t>
+              <a:t>2020/9/1</a:t>
             </a:fld>
             <a:endParaRPr kumimoji="1" lang="ja-JP" altLang="en-US"/>
           </a:p>
@@ -2481,7 +2479,7 @@
           <a:p>
             <a:fld id="{5DD38707-5E34-46C7-88C2-928145620E78}" type="datetime1">
               <a:rPr kumimoji="1" lang="ja-JP" altLang="en-US" smtClean="0"/>
-              <a:t>2019/12/14</a:t>
+              <a:t>2020/9/1</a:t>
             </a:fld>
             <a:endParaRPr kumimoji="1" lang="ja-JP" altLang="en-US"/>
           </a:p>
@@ -2622,7 +2620,7 @@
           <a:p>
             <a:fld id="{C7D5EE7D-C0B7-4B25-8104-5FCD7D2EAEA8}" type="datetime1">
               <a:rPr kumimoji="1" lang="ja-JP" altLang="en-US" smtClean="0"/>
-              <a:t>2019/12/14</a:t>
+              <a:t>2020/9/1</a:t>
             </a:fld>
             <a:endParaRPr kumimoji="1" lang="ja-JP" altLang="en-US"/>
           </a:p>
@@ -2735,7 +2733,7 @@
           <a:p>
             <a:fld id="{AA028A9A-8812-42D8-A8AC-F30CD1F57465}" type="datetime1">
               <a:rPr kumimoji="1" lang="ja-JP" altLang="en-US" smtClean="0"/>
-              <a:t>2019/12/14</a:t>
+              <a:t>2020/9/1</a:t>
             </a:fld>
             <a:endParaRPr kumimoji="1" lang="ja-JP" altLang="en-US"/>
           </a:p>
@@ -3078,7 +3076,7 @@
           <a:p>
             <a:fld id="{3638306A-7D11-4239-9371-3BFB25B5C686}" type="datetime1">
               <a:rPr kumimoji="1" lang="ja-JP" altLang="en-US" smtClean="0"/>
-              <a:t>2019/12/14</a:t>
+              <a:t>2020/9/1</a:t>
             </a:fld>
             <a:endParaRPr kumimoji="1" lang="ja-JP" altLang="en-US"/>
           </a:p>
@@ -3366,7 +3364,7 @@
           <a:p>
             <a:fld id="{25F8348D-66EA-4186-BB0B-99FB286568FF}" type="datetime1">
               <a:rPr kumimoji="1" lang="ja-JP" altLang="en-US" smtClean="0"/>
-              <a:t>2019/12/14</a:t>
+              <a:t>2020/9/1</a:t>
             </a:fld>
             <a:endParaRPr kumimoji="1" lang="ja-JP" altLang="en-US"/>
           </a:p>
@@ -3639,7 +3637,7 @@
           <a:p>
             <a:fld id="{AC9BD3EC-C0C8-40A6-81F1-9BBFA037EF8B}" type="datetime1">
               <a:rPr kumimoji="1" lang="ja-JP" altLang="en-US" smtClean="0"/>
-              <a:t>2019/12/14</a:t>
+              <a:t>2020/9/1</a:t>
             </a:fld>
             <a:endParaRPr kumimoji="1" lang="ja-JP" altLang="en-US"/>
           </a:p>
@@ -5042,7 +5040,7 @@
           </a:ln>
           <a:extLst>
             <a:ext uri="{C572A759-6A51-4108-AA02-DFA0A04FC94B}">
-              <ma14:wrappingTextBoxFlag xmlns="" xmlns:ma14="http://schemas.microsoft.com/office/mac/drawingml/2011/main" val="1"/>
+              <ma14:wrappingTextBoxFlag xmlns:ma14="http://schemas.microsoft.com/office/mac/drawingml/2011/main" xmlns="" val="1"/>
             </a:ext>
           </a:extLst>
         </p:spPr>
@@ -5223,7 +5221,7 @@
           </a:ln>
           <a:extLst>
             <a:ext uri="{C572A759-6A51-4108-AA02-DFA0A04FC94B}">
-              <ma14:wrappingTextBoxFlag xmlns="" xmlns:ma14="http://schemas.microsoft.com/office/mac/drawingml/2011/main" val="1"/>
+              <ma14:wrappingTextBoxFlag xmlns:ma14="http://schemas.microsoft.com/office/mac/drawingml/2011/main" xmlns="" val="1"/>
             </a:ext>
           </a:extLst>
         </p:spPr>
@@ -6508,7 +6506,7 @@
           </a:ln>
           <a:extLst>
             <a:ext uri="{C572A759-6A51-4108-AA02-DFA0A04FC94B}">
-              <ma14:wrappingTextBoxFlag xmlns="" xmlns:ma14="http://schemas.microsoft.com/office/mac/drawingml/2011/main" val="1"/>
+              <ma14:wrappingTextBoxFlag xmlns:ma14="http://schemas.microsoft.com/office/mac/drawingml/2011/main" xmlns="" val="1"/>
             </a:ext>
           </a:extLst>
         </p:spPr>
@@ -7493,7 +7491,7 @@
             <p:nvPr/>
           </p:nvPicPr>
           <p:blipFill>
-            <a:blip r:embed="rId2">
+            <a:blip r:embed="rId2" cstate="hqprint">
               <a:extLst>
                 <a:ext uri="{28A0092B-C50C-407E-A947-70E740481C1C}">
                   <a14:useLocalDpi xmlns:a14="http://schemas.microsoft.com/office/drawing/2010/main" val="0"/>
@@ -7540,7 +7538,7 @@
             <p:nvPr/>
           </p:nvPicPr>
           <p:blipFill>
-            <a:blip r:embed="rId2">
+            <a:blip r:embed="rId2" cstate="hqprint">
               <a:extLst>
                 <a:ext uri="{28A0092B-C50C-407E-A947-70E740481C1C}">
                   <a14:useLocalDpi xmlns:a14="http://schemas.microsoft.com/office/drawing/2010/main" val="0"/>
@@ -7608,7 +7606,7 @@
             <p:nvPr/>
           </p:nvPicPr>
           <p:blipFill>
-            <a:blip r:embed="rId2">
+            <a:blip r:embed="rId2" cstate="hqprint">
               <a:extLst>
                 <a:ext uri="{28A0092B-C50C-407E-A947-70E740481C1C}">
                   <a14:useLocalDpi xmlns:a14="http://schemas.microsoft.com/office/drawing/2010/main" val="0"/>
@@ -7655,7 +7653,7 @@
             <p:nvPr/>
           </p:nvPicPr>
           <p:blipFill>
-            <a:blip r:embed="rId2">
+            <a:blip r:embed="rId2" cstate="hqprint">
               <a:extLst>
                 <a:ext uri="{28A0092B-C50C-407E-A947-70E740481C1C}">
                   <a14:useLocalDpi xmlns:a14="http://schemas.microsoft.com/office/drawing/2010/main" val="0"/>
@@ -7723,7 +7721,7 @@
             <p:nvPr/>
           </p:nvPicPr>
           <p:blipFill>
-            <a:blip r:embed="rId2">
+            <a:blip r:embed="rId2" cstate="hqprint">
               <a:extLst>
                 <a:ext uri="{28A0092B-C50C-407E-A947-70E740481C1C}">
                   <a14:useLocalDpi xmlns:a14="http://schemas.microsoft.com/office/drawing/2010/main" val="0"/>
@@ -7770,7 +7768,7 @@
             <p:nvPr/>
           </p:nvPicPr>
           <p:blipFill>
-            <a:blip r:embed="rId2">
+            <a:blip r:embed="rId2" cstate="hqprint">
               <a:extLst>
                 <a:ext uri="{28A0092B-C50C-407E-A947-70E740481C1C}">
                   <a14:useLocalDpi xmlns:a14="http://schemas.microsoft.com/office/drawing/2010/main" val="0"/>
@@ -7818,7 +7816,7 @@
           <p:nvPr/>
         </p:nvPicPr>
         <p:blipFill>
-          <a:blip r:embed="rId2">
+          <a:blip r:embed="rId2" cstate="hqprint">
             <a:extLst>
               <a:ext uri="{28A0092B-C50C-407E-A947-70E740481C1C}">
                 <a14:useLocalDpi xmlns:a14="http://schemas.microsoft.com/office/drawing/2010/main" val="0"/>
@@ -8342,7 +8340,7 @@
             <p:nvPr/>
           </p:nvPicPr>
           <p:blipFill>
-            <a:blip r:embed="rId2">
+            <a:blip r:embed="rId3" cstate="hqprint">
               <a:biLevel thresh="25000"/>
               <a:extLst>
                 <a:ext uri="{28A0092B-C50C-407E-A947-70E740481C1C}">
@@ -8497,7 +8495,7 @@
           </a:ln>
           <a:extLst>
             <a:ext uri="{C572A759-6A51-4108-AA02-DFA0A04FC94B}">
-              <ma14:wrappingTextBoxFlag xmlns="" xmlns:ma14="http://schemas.microsoft.com/office/mac/drawingml/2011/main" val="1"/>
+              <ma14:wrappingTextBoxFlag xmlns:ma14="http://schemas.microsoft.com/office/mac/drawingml/2011/main" xmlns="" val="1"/>
             </a:ext>
           </a:extLst>
         </p:spPr>
@@ -9356,7 +9354,7 @@
             <p:nvPr/>
           </p:nvPicPr>
           <p:blipFill>
-            <a:blip r:embed="rId2">
+            <a:blip r:embed="rId2" cstate="hqprint">
               <a:extLst>
                 <a:ext uri="{28A0092B-C50C-407E-A947-70E740481C1C}">
                   <a14:useLocalDpi xmlns:a14="http://schemas.microsoft.com/office/drawing/2010/main" val="0"/>
@@ -9403,7 +9401,7 @@
             <p:nvPr/>
           </p:nvPicPr>
           <p:blipFill>
-            <a:blip r:embed="rId2">
+            <a:blip r:embed="rId2" cstate="hqprint">
               <a:extLst>
                 <a:ext uri="{28A0092B-C50C-407E-A947-70E740481C1C}">
                   <a14:useLocalDpi xmlns:a14="http://schemas.microsoft.com/office/drawing/2010/main" val="0"/>
@@ -9471,7 +9469,7 @@
             <p:nvPr/>
           </p:nvPicPr>
           <p:blipFill>
-            <a:blip r:embed="rId2">
+            <a:blip r:embed="rId2" cstate="hqprint">
               <a:extLst>
                 <a:ext uri="{28A0092B-C50C-407E-A947-70E740481C1C}">
                   <a14:useLocalDpi xmlns:a14="http://schemas.microsoft.com/office/drawing/2010/main" val="0"/>
@@ -9518,7 +9516,7 @@
             <p:nvPr/>
           </p:nvPicPr>
           <p:blipFill>
-            <a:blip r:embed="rId2">
+            <a:blip r:embed="rId2" cstate="hqprint">
               <a:extLst>
                 <a:ext uri="{28A0092B-C50C-407E-A947-70E740481C1C}">
                   <a14:useLocalDpi xmlns:a14="http://schemas.microsoft.com/office/drawing/2010/main" val="0"/>
@@ -9566,7 +9564,7 @@
           <p:nvPr/>
         </p:nvPicPr>
         <p:blipFill>
-          <a:blip r:embed="rId2">
+          <a:blip r:embed="rId2" cstate="hqprint">
             <a:extLst>
               <a:ext uri="{28A0092B-C50C-407E-A947-70E740481C1C}">
                 <a14:useLocalDpi xmlns:a14="http://schemas.microsoft.com/office/drawing/2010/main" val="0"/>
@@ -10729,7 +10727,7 @@
             <p:nvPr/>
           </p:nvPicPr>
           <p:blipFill>
-            <a:blip r:embed="rId2">
+            <a:blip r:embed="rId2" cstate="hqprint">
               <a:extLst>
                 <a:ext uri="{28A0092B-C50C-407E-A947-70E740481C1C}">
                   <a14:useLocalDpi xmlns:a14="http://schemas.microsoft.com/office/drawing/2010/main" val="0"/>
@@ -10776,7 +10774,7 @@
             <p:nvPr/>
           </p:nvPicPr>
           <p:blipFill>
-            <a:blip r:embed="rId2">
+            <a:blip r:embed="rId2" cstate="hqprint">
               <a:extLst>
                 <a:ext uri="{28A0092B-C50C-407E-A947-70E740481C1C}">
                   <a14:useLocalDpi xmlns:a14="http://schemas.microsoft.com/office/drawing/2010/main" val="0"/>
@@ -10893,7 +10891,7 @@
           </a:ln>
           <a:extLst>
             <a:ext uri="{C572A759-6A51-4108-AA02-DFA0A04FC94B}">
-              <ma14:wrappingTextBoxFlag xmlns="" xmlns:ma14="http://schemas.microsoft.com/office/mac/drawingml/2011/main" val="1"/>
+              <ma14:wrappingTextBoxFlag xmlns:ma14="http://schemas.microsoft.com/office/mac/drawingml/2011/main" xmlns="" val="1"/>
             </a:ext>
           </a:extLst>
         </p:spPr>
@@ -13385,7 +13383,7 @@
           </a:ln>
           <a:extLst>
             <a:ext uri="{C572A759-6A51-4108-AA02-DFA0A04FC94B}">
-              <ma14:wrappingTextBoxFlag xmlns="" xmlns:ma14="http://schemas.microsoft.com/office/mac/drawingml/2011/main" val="1"/>
+              <ma14:wrappingTextBoxFlag xmlns:ma14="http://schemas.microsoft.com/office/mac/drawingml/2011/main" xmlns="" val="1"/>
             </a:ext>
           </a:extLst>
         </p:spPr>
@@ -13872,7 +13870,7 @@
           </a:ln>
           <a:extLst>
             <a:ext uri="{C572A759-6A51-4108-AA02-DFA0A04FC94B}">
-              <ma14:wrappingTextBoxFlag xmlns="" xmlns:ma14="http://schemas.microsoft.com/office/mac/drawingml/2011/main" val="1"/>
+              <ma14:wrappingTextBoxFlag xmlns:ma14="http://schemas.microsoft.com/office/mac/drawingml/2011/main" xmlns="" val="1"/>
             </a:ext>
           </a:extLst>
         </p:spPr>
@@ -14048,7 +14046,7 @@
           </a:ln>
           <a:extLst>
             <a:ext uri="{C572A759-6A51-4108-AA02-DFA0A04FC94B}">
-              <ma14:wrappingTextBoxFlag xmlns="" xmlns:ma14="http://schemas.microsoft.com/office/mac/drawingml/2011/main" val="1"/>
+              <ma14:wrappingTextBoxFlag xmlns:ma14="http://schemas.microsoft.com/office/mac/drawingml/2011/main" xmlns="" val="1"/>
             </a:ext>
           </a:extLst>
         </p:spPr>
@@ -14204,7 +14202,7 @@
           <p:nvPr/>
         </p:nvPicPr>
         <p:blipFill>
-          <a:blip r:embed="rId2">
+          <a:blip r:embed="rId2" cstate="hqprint">
             <a:extLst>
               <a:ext uri="{28A0092B-C50C-407E-A947-70E740481C1C}">
                 <a14:useLocalDpi xmlns:a14="http://schemas.microsoft.com/office/drawing/2010/main" val="0"/>
@@ -14481,7 +14479,7 @@
           </a:ln>
           <a:extLst>
             <a:ext uri="{C572A759-6A51-4108-AA02-DFA0A04FC94B}">
-              <ma14:wrappingTextBoxFlag xmlns="" xmlns:ma14="http://schemas.microsoft.com/office/mac/drawingml/2011/main" val="1"/>
+              <ma14:wrappingTextBoxFlag xmlns:ma14="http://schemas.microsoft.com/office/mac/drawingml/2011/main" xmlns="" val="1"/>
             </a:ext>
           </a:extLst>
         </p:spPr>
@@ -14832,7 +14830,7 @@
           </a:ln>
           <a:extLst>
             <a:ext uri="{C572A759-6A51-4108-AA02-DFA0A04FC94B}">
-              <ma14:wrappingTextBoxFlag xmlns="" xmlns:ma14="http://schemas.microsoft.com/office/mac/drawingml/2011/main" val="1"/>
+              <ma14:wrappingTextBoxFlag xmlns:ma14="http://schemas.microsoft.com/office/mac/drawingml/2011/main" xmlns="" val="1"/>
             </a:ext>
           </a:extLst>
         </p:spPr>
@@ -14972,7 +14970,7 @@
           </a:ln>
           <a:extLst>
             <a:ext uri="{C572A759-6A51-4108-AA02-DFA0A04FC94B}">
-              <ma14:wrappingTextBoxFlag xmlns="" xmlns:ma14="http://schemas.microsoft.com/office/mac/drawingml/2011/main" val="1"/>
+              <ma14:wrappingTextBoxFlag xmlns:ma14="http://schemas.microsoft.com/office/mac/drawingml/2011/main" xmlns="" val="1"/>
             </a:ext>
           </a:extLst>
         </p:spPr>
@@ -15588,7 +15586,7 @@
           </a:ln>
           <a:extLst>
             <a:ext uri="{C572A759-6A51-4108-AA02-DFA0A04FC94B}">
-              <ma14:wrappingTextBoxFlag xmlns="" xmlns:ma14="http://schemas.microsoft.com/office/mac/drawingml/2011/main" val="1"/>
+              <ma14:wrappingTextBoxFlag xmlns:ma14="http://schemas.microsoft.com/office/mac/drawingml/2011/main" xmlns="" val="1"/>
             </a:ext>
           </a:extLst>
         </p:spPr>
@@ -15876,7 +15874,7 @@
           </a:ln>
           <a:extLst>
             <a:ext uri="{C572A759-6A51-4108-AA02-DFA0A04FC94B}">
-              <ma14:wrappingTextBoxFlag xmlns="" xmlns:ma14="http://schemas.microsoft.com/office/mac/drawingml/2011/main" val="1"/>
+              <ma14:wrappingTextBoxFlag xmlns:ma14="http://schemas.microsoft.com/office/mac/drawingml/2011/main" xmlns="" val="1"/>
             </a:ext>
           </a:extLst>
         </p:spPr>
@@ -16197,7 +16195,7 @@
           </a:ln>
           <a:extLst>
             <a:ext uri="{C572A759-6A51-4108-AA02-DFA0A04FC94B}">
-              <ma14:wrappingTextBoxFlag xmlns="" xmlns:ma14="http://schemas.microsoft.com/office/mac/drawingml/2011/main" val="1"/>
+              <ma14:wrappingTextBoxFlag xmlns:ma14="http://schemas.microsoft.com/office/mac/drawingml/2011/main" xmlns="" val="1"/>
             </a:ext>
           </a:extLst>
         </p:spPr>
@@ -16583,7 +16581,7 @@
           </a:ln>
           <a:extLst>
             <a:ext uri="{C572A759-6A51-4108-AA02-DFA0A04FC94B}">
-              <ma14:wrappingTextBoxFlag xmlns="" xmlns:ma14="http://schemas.microsoft.com/office/mac/drawingml/2011/main" val="1"/>
+              <ma14:wrappingTextBoxFlag xmlns:ma14="http://schemas.microsoft.com/office/mac/drawingml/2011/main" xmlns="" val="1"/>
             </a:ext>
           </a:extLst>
         </p:spPr>
@@ -16986,7 +16984,7 @@
           </a:ln>
           <a:extLst>
             <a:ext uri="{C572A759-6A51-4108-AA02-DFA0A04FC94B}">
-              <ma14:wrappingTextBoxFlag xmlns="" xmlns:ma14="http://schemas.microsoft.com/office/mac/drawingml/2011/main" val="1"/>
+              <ma14:wrappingTextBoxFlag xmlns:ma14="http://schemas.microsoft.com/office/mac/drawingml/2011/main" xmlns="" val="1"/>
             </a:ext>
           </a:extLst>
         </p:spPr>
@@ -17389,7 +17387,7 @@
           </a:ln>
           <a:extLst>
             <a:ext uri="{C572A759-6A51-4108-AA02-DFA0A04FC94B}">
-              <ma14:wrappingTextBoxFlag xmlns="" xmlns:ma14="http://schemas.microsoft.com/office/mac/drawingml/2011/main" val="1"/>
+              <ma14:wrappingTextBoxFlag xmlns:ma14="http://schemas.microsoft.com/office/mac/drawingml/2011/main" xmlns="" val="1"/>
             </a:ext>
           </a:extLst>
         </p:spPr>
@@ -17738,7 +17736,7 @@
           </a:ln>
           <a:extLst>
             <a:ext uri="{C572A759-6A51-4108-AA02-DFA0A04FC94B}">
-              <ma14:wrappingTextBoxFlag xmlns="" xmlns:ma14="http://schemas.microsoft.com/office/mac/drawingml/2011/main" val="1"/>
+              <ma14:wrappingTextBoxFlag xmlns:ma14="http://schemas.microsoft.com/office/mac/drawingml/2011/main" xmlns="" val="1"/>
             </a:ext>
           </a:extLst>
         </p:spPr>
@@ -18021,7 +18019,7 @@
           </a:ln>
           <a:extLst>
             <a:ext uri="{C572A759-6A51-4108-AA02-DFA0A04FC94B}">
-              <ma14:wrappingTextBoxFlag xmlns="" xmlns:ma14="http://schemas.microsoft.com/office/mac/drawingml/2011/main" val="1"/>
+              <ma14:wrappingTextBoxFlag xmlns:ma14="http://schemas.microsoft.com/office/mac/drawingml/2011/main" xmlns="" val="1"/>
             </a:ext>
           </a:extLst>
         </p:spPr>
@@ -18529,7 +18527,7 @@
           </a:ln>
           <a:extLst>
             <a:ext uri="{C572A759-6A51-4108-AA02-DFA0A04FC94B}">
-              <ma14:wrappingTextBoxFlag xmlns="" xmlns:ma14="http://schemas.microsoft.com/office/mac/drawingml/2011/main" val="1"/>
+              <ma14:wrappingTextBoxFlag xmlns:ma14="http://schemas.microsoft.com/office/mac/drawingml/2011/main" xmlns="" val="1"/>
             </a:ext>
           </a:extLst>
         </p:spPr>
@@ -18934,7 +18932,7 @@
           </a:ln>
           <a:extLst>
             <a:ext uri="{C572A759-6A51-4108-AA02-DFA0A04FC94B}">
-              <ma14:wrappingTextBoxFlag xmlns="" xmlns:ma14="http://schemas.microsoft.com/office/mac/drawingml/2011/main" val="1"/>
+              <ma14:wrappingTextBoxFlag xmlns:ma14="http://schemas.microsoft.com/office/mac/drawingml/2011/main" xmlns="" val="1"/>
             </a:ext>
           </a:extLst>
         </p:spPr>
@@ -19053,7 +19051,7 @@
           </a:ln>
           <a:extLst>
             <a:ext uri="{C572A759-6A51-4108-AA02-DFA0A04FC94B}">
-              <ma14:wrappingTextBoxFlag xmlns="" xmlns:ma14="http://schemas.microsoft.com/office/mac/drawingml/2011/main" val="1"/>
+              <ma14:wrappingTextBoxFlag xmlns:ma14="http://schemas.microsoft.com/office/mac/drawingml/2011/main" xmlns="" val="1"/>
             </a:ext>
           </a:extLst>
         </p:spPr>
@@ -21353,7 +21351,7 @@
           <p:nvPr/>
         </p:nvPicPr>
         <p:blipFill>
-          <a:blip r:embed="rId2">
+          <a:blip r:embed="rId2" cstate="hqprint">
             <a:extLst>
               <a:ext uri="{28A0092B-C50C-407E-A947-70E740481C1C}">
                 <a14:useLocalDpi xmlns:a14="http://schemas.microsoft.com/office/drawing/2010/main" val="0"/>
@@ -22801,7 +22799,7 @@
           <p:nvPr/>
         </p:nvPicPr>
         <p:blipFill>
-          <a:blip r:embed="rId3">
+          <a:blip r:embed="rId3" cstate="hqprint">
             <a:extLst>
               <a:ext uri="{28A0092B-C50C-407E-A947-70E740481C1C}">
                 <a14:useLocalDpi xmlns:a14="http://schemas.microsoft.com/office/drawing/2010/main" val="0"/>
@@ -26831,7 +26829,7 @@
           <p:nvPr/>
         </p:nvPicPr>
         <p:blipFill>
-          <a:blip r:embed="rId2">
+          <a:blip r:embed="rId2" cstate="hqprint">
             <a:extLst>
               <a:ext uri="{28A0092B-C50C-407E-A947-70E740481C1C}">
                 <a14:useLocalDpi xmlns:a14="http://schemas.microsoft.com/office/drawing/2010/main" val="0"/>
@@ -27241,7 +27239,7 @@
           </a:ln>
           <a:extLst>
             <a:ext uri="{C572A759-6A51-4108-AA02-DFA0A04FC94B}">
-              <ma14:wrappingTextBoxFlag xmlns="" xmlns:ma14="http://schemas.microsoft.com/office/mac/drawingml/2011/main" val="1"/>
+              <ma14:wrappingTextBoxFlag xmlns:ma14="http://schemas.microsoft.com/office/mac/drawingml/2011/main" xmlns="" val="1"/>
             </a:ext>
           </a:extLst>
         </p:spPr>
@@ -29087,7 +29085,7 @@
           </a:ln>
           <a:extLst>
             <a:ext uri="{C572A759-6A51-4108-AA02-DFA0A04FC94B}">
-              <ma14:wrappingTextBoxFlag xmlns="" xmlns:ma14="http://schemas.microsoft.com/office/mac/drawingml/2011/main" val="1"/>
+              <ma14:wrappingTextBoxFlag xmlns:ma14="http://schemas.microsoft.com/office/mac/drawingml/2011/main" xmlns="" val="1"/>
             </a:ext>
           </a:extLst>
         </p:spPr>
@@ -30083,10 +30081,10 @@
       </p:grpSpPr>
       <p:sp>
         <p:nvSpPr>
-          <p:cNvPr id="4" name="スライド番号プレースホルダー 3">
-            <a:extLst>
-              <a:ext uri="{FF2B5EF4-FFF2-40B4-BE49-F238E27FC236}">
-                <a16:creationId xmlns:a16="http://schemas.microsoft.com/office/drawing/2014/main" id="{62C8405B-E1A8-4250-83B4-B3DC73FA8844}"/>
+          <p:cNvPr id="2" name="スライド番号プレースホルダー 1">
+            <a:extLst>
+              <a:ext uri="{FF2B5EF4-FFF2-40B4-BE49-F238E27FC236}">
+                <a16:creationId xmlns:a16="http://schemas.microsoft.com/office/drawing/2014/main" id="{EE2C9BE3-D0C6-4D7D-9E63-4E8652B87CB7}"/>
               </a:ext>
             </a:extLst>
           </p:cNvPr>
@@ -30110,3557 +30108,6 @@
           </a:p>
         </p:txBody>
       </p:sp>
-      <p:sp>
-        <p:nvSpPr>
-          <p:cNvPr id="7" name="Shape 130">
-            <a:extLst>
-              <a:ext uri="{FF2B5EF4-FFF2-40B4-BE49-F238E27FC236}">
-                <a16:creationId xmlns:a16="http://schemas.microsoft.com/office/drawing/2014/main" id="{62311BE2-8146-4C5F-883C-23F48775675B}"/>
-              </a:ext>
-            </a:extLst>
-          </p:cNvPr>
-          <p:cNvSpPr/>
-          <p:nvPr/>
-        </p:nvSpPr>
-        <p:spPr>
-          <a:xfrm>
-            <a:off x="179666" y="87415"/>
-            <a:ext cx="4873129" cy="579646"/>
-          </a:xfrm>
-          <a:prstGeom prst="rect">
-            <a:avLst/>
-          </a:prstGeom>
-          <a:ln w="12700">
-            <a:miter lim="400000"/>
-          </a:ln>
-          <a:extLst>
-            <a:ext uri="{C572A759-6A51-4108-AA02-DFA0A04FC94B}">
-              <ma14:wrappingTextBoxFlag xmlns="" xmlns:ma14="http://schemas.microsoft.com/office/mac/drawingml/2011/main" val="1"/>
-            </a:ext>
-          </a:extLst>
-        </p:spPr>
-        <p:txBody>
-          <a:bodyPr wrap="none" lIns="50800" tIns="50800" rIns="50800" bIns="50800" anchor="ctr">
-            <a:spAutoFit/>
-          </a:bodyPr>
-          <a:lstStyle/>
-          <a:p>
-            <a:pPr>
-              <a:defRPr sz="3100" u="sng">
-                <a:latin typeface="YuMincho Medium"/>
-                <a:ea typeface="YuMincho Medium"/>
-                <a:cs typeface="YuMincho Medium"/>
-                <a:sym typeface="YuMincho Medium"/>
-              </a:defRPr>
-            </a:pPr>
-            <a:r>
-              <a:rPr lang="ja-JP" altLang="en-US" dirty="0"/>
-              <a:t>ポテンシャルと移動量の例</a:t>
-            </a:r>
-            <a:endParaRPr lang="en-US" altLang="ja-JP" dirty="0"/>
-          </a:p>
-        </p:txBody>
-      </p:sp>
-      <p:graphicFrame>
-        <p:nvGraphicFramePr>
-          <p:cNvPr id="3" name="表 2">
-            <a:extLst>
-              <a:ext uri="{FF2B5EF4-FFF2-40B4-BE49-F238E27FC236}">
-                <a16:creationId xmlns:a16="http://schemas.microsoft.com/office/drawing/2014/main" id="{763BF4B9-8A28-48F8-ACDE-C49C7DE647EB}"/>
-              </a:ext>
-            </a:extLst>
-          </p:cNvPr>
-          <p:cNvGraphicFramePr>
-            <a:graphicFrameLocks noGrp="1"/>
-          </p:cNvGraphicFramePr>
-          <p:nvPr>
-            <p:extLst>
-              <p:ext uri="{D42A27DB-BD31-4B8C-83A1-F6EECF244321}">
-                <p14:modId xmlns:p14="http://schemas.microsoft.com/office/powerpoint/2010/main" val="254608101"/>
-              </p:ext>
-            </p:extLst>
-          </p:nvPr>
-        </p:nvGraphicFramePr>
-        <p:xfrm>
-          <a:off x="179666" y="1227675"/>
-          <a:ext cx="8729556" cy="4140168"/>
-        </p:xfrm>
-        <a:graphic>
-          <a:graphicData uri="http://schemas.openxmlformats.org/drawingml/2006/table">
-            <a:tbl>
-              <a:tblPr firstRow="1" bandRow="1">
-                <a:tableStyleId>{5C22544A-7EE6-4342-B048-85BDC9FD1C3A}</a:tableStyleId>
-              </a:tblPr>
-              <a:tblGrid>
-                <a:gridCol w="1075337">
-                  <a:extLst>
-                    <a:ext uri="{9D8B030D-6E8A-4147-A177-3AD203B41FA5}">
-                      <a16:colId xmlns:a16="http://schemas.microsoft.com/office/drawing/2014/main" val="3394673471"/>
-                    </a:ext>
-                  </a:extLst>
-                </a:gridCol>
-                <a:gridCol w="2748482">
-                  <a:extLst>
-                    <a:ext uri="{9D8B030D-6E8A-4147-A177-3AD203B41FA5}">
-                      <a16:colId xmlns:a16="http://schemas.microsoft.com/office/drawing/2014/main" val="2262260087"/>
-                    </a:ext>
-                  </a:extLst>
-                </a:gridCol>
-                <a:gridCol w="1555537">
-                  <a:extLst>
-                    <a:ext uri="{9D8B030D-6E8A-4147-A177-3AD203B41FA5}">
-                      <a16:colId xmlns:a16="http://schemas.microsoft.com/office/drawing/2014/main" val="2888631639"/>
-                    </a:ext>
-                  </a:extLst>
-                </a:gridCol>
-                <a:gridCol w="1297887">
-                  <a:extLst>
-                    <a:ext uri="{9D8B030D-6E8A-4147-A177-3AD203B41FA5}">
-                      <a16:colId xmlns:a16="http://schemas.microsoft.com/office/drawing/2014/main" val="2643629885"/>
-                    </a:ext>
-                  </a:extLst>
-                </a:gridCol>
-                <a:gridCol w="2052313">
-                  <a:extLst>
-                    <a:ext uri="{9D8B030D-6E8A-4147-A177-3AD203B41FA5}">
-                      <a16:colId xmlns:a16="http://schemas.microsoft.com/office/drawing/2014/main" val="2468099448"/>
-                    </a:ext>
-                  </a:extLst>
-                </a:gridCol>
-              </a:tblGrid>
-              <a:tr h="554982">
-                <a:tc>
-                  <a:txBody>
-                    <a:bodyPr/>
-                    <a:lstStyle/>
-                    <a:p>
-                      <a:r>
-                        <a:rPr kumimoji="1" lang="ja-JP" altLang="en-US" sz="1800" dirty="0"/>
-                        <a:t>物理現象</a:t>
-                      </a:r>
-                    </a:p>
-                  </a:txBody>
-                  <a:tcPr/>
-                </a:tc>
-                <a:tc>
-                  <a:txBody>
-                    <a:bodyPr/>
-                    <a:lstStyle/>
-                    <a:p>
-                      <a:r>
-                        <a:rPr kumimoji="1" lang="en-US" altLang="ja-JP" sz="1800" dirty="0"/>
-                        <a:t>MSL</a:t>
-                      </a:r>
-                      <a:endParaRPr kumimoji="1" lang="ja-JP" altLang="en-US" sz="1800" dirty="0"/>
-                    </a:p>
-                  </a:txBody>
-                  <a:tcPr/>
-                </a:tc>
-                <a:tc>
-                  <a:txBody>
-                    <a:bodyPr/>
-                    <a:lstStyle/>
-                    <a:p>
-                      <a:r>
-                        <a:rPr kumimoji="1" lang="ja-JP" altLang="en-US" sz="1800" dirty="0"/>
-                        <a:t>ポテンシャル</a:t>
-                      </a:r>
-                    </a:p>
-                  </a:txBody>
-                  <a:tcPr/>
-                </a:tc>
-                <a:tc>
-                  <a:txBody>
-                    <a:bodyPr/>
-                    <a:lstStyle/>
-                    <a:p>
-                      <a:r>
-                        <a:rPr kumimoji="1" lang="ja-JP" altLang="en-US" sz="1800" dirty="0"/>
-                        <a:t>移動量</a:t>
-                      </a:r>
-                    </a:p>
-                  </a:txBody>
-                  <a:tcPr/>
-                </a:tc>
-                <a:tc>
-                  <a:txBody>
-                    <a:bodyPr/>
-                    <a:lstStyle/>
-                    <a:p>
-                      <a:r>
-                        <a:rPr kumimoji="1" lang="ja-JP" altLang="en-US" sz="1800" dirty="0"/>
-                        <a:t>関係式の例</a:t>
-                      </a:r>
-                      <a:r>
-                        <a:rPr kumimoji="1" lang="en-US" altLang="ja-JP" sz="1800" baseline="30000" dirty="0"/>
-                        <a:t>*</a:t>
-                      </a:r>
-                      <a:endParaRPr kumimoji="1" lang="ja-JP" altLang="en-US" sz="1800" baseline="30000" dirty="0"/>
-                    </a:p>
-                  </a:txBody>
-                  <a:tcPr/>
-                </a:tc>
-                <a:extLst>
-                  <a:ext uri="{0D108BD9-81ED-4DB2-BD59-A6C34878D82A}">
-                    <a16:rowId xmlns:a16="http://schemas.microsoft.com/office/drawing/2014/main" val="3019091978"/>
-                  </a:ext>
-                </a:extLst>
-              </a:tr>
-              <a:tr h="554982">
-                <a:tc>
-                  <a:txBody>
-                    <a:bodyPr/>
-                    <a:lstStyle/>
-                    <a:p>
-                      <a:r>
-                        <a:rPr kumimoji="1" lang="ja-JP" altLang="en-US" sz="1800" dirty="0"/>
-                        <a:t>電気</a:t>
-                      </a:r>
-                    </a:p>
-                  </a:txBody>
-                  <a:tcPr/>
-                </a:tc>
-                <a:tc>
-                  <a:txBody>
-                    <a:bodyPr/>
-                    <a:lstStyle/>
-                    <a:p>
-                      <a:r>
-                        <a:rPr kumimoji="1" lang="en-US" altLang="ja-JP" sz="1800" dirty="0"/>
-                        <a:t>Electrical</a:t>
-                      </a:r>
-                      <a:endParaRPr kumimoji="1" lang="ja-JP" altLang="en-US" sz="1800" dirty="0"/>
-                    </a:p>
-                  </a:txBody>
-                  <a:tcPr/>
-                </a:tc>
-                <a:tc>
-                  <a:txBody>
-                    <a:bodyPr/>
-                    <a:lstStyle/>
-                    <a:p>
-                      <a:r>
-                        <a:rPr kumimoji="1" lang="ja-JP" altLang="en-US" sz="1800" dirty="0"/>
-                        <a:t>電圧</a:t>
-                      </a:r>
-                      <a:r>
-                        <a:rPr kumimoji="1" lang="en-US" altLang="ja-JP" sz="1800" dirty="0"/>
-                        <a:t>V</a:t>
-                      </a:r>
-                      <a:endParaRPr kumimoji="1" lang="ja-JP" altLang="en-US" sz="1800" dirty="0"/>
-                    </a:p>
-                  </a:txBody>
-                  <a:tcPr/>
-                </a:tc>
-                <a:tc>
-                  <a:txBody>
-                    <a:bodyPr/>
-                    <a:lstStyle/>
-                    <a:p>
-                      <a:r>
-                        <a:rPr kumimoji="1" lang="ja-JP" altLang="en-US" sz="1800" dirty="0"/>
-                        <a:t>電流</a:t>
-                      </a:r>
-                      <a:r>
-                        <a:rPr kumimoji="1" lang="en-US" altLang="ja-JP" sz="1800" dirty="0"/>
-                        <a:t>I</a:t>
-                      </a:r>
-                      <a:endParaRPr kumimoji="1" lang="ja-JP" altLang="en-US" sz="1800" dirty="0"/>
-                    </a:p>
-                  </a:txBody>
-                  <a:tcPr/>
-                </a:tc>
-                <a:tc>
-                  <a:txBody>
-                    <a:bodyPr/>
-                    <a:lstStyle/>
-                    <a:p>
-                      <a:r>
-                        <a:rPr kumimoji="1" lang="en-US" altLang="ja-JP" sz="1800" dirty="0"/>
-                        <a:t>V = R×I</a:t>
-                      </a:r>
-                      <a:endParaRPr kumimoji="1" lang="ja-JP" altLang="en-US" sz="1800" dirty="0"/>
-                    </a:p>
-                  </a:txBody>
-                  <a:tcPr/>
-                </a:tc>
-                <a:extLst>
-                  <a:ext uri="{0D108BD9-81ED-4DB2-BD59-A6C34878D82A}">
-                    <a16:rowId xmlns:a16="http://schemas.microsoft.com/office/drawing/2014/main" val="4090347416"/>
-                  </a:ext>
-                </a:extLst>
-              </a:tr>
-              <a:tr h="554982">
-                <a:tc>
-                  <a:txBody>
-                    <a:bodyPr/>
-                    <a:lstStyle/>
-                    <a:p>
-                      <a:r>
-                        <a:rPr kumimoji="1" lang="ja-JP" altLang="en-US" sz="1800" dirty="0"/>
-                        <a:t>熱</a:t>
-                      </a:r>
-                    </a:p>
-                  </a:txBody>
-                  <a:tcPr/>
-                </a:tc>
-                <a:tc>
-                  <a:txBody>
-                    <a:bodyPr/>
-                    <a:lstStyle/>
-                    <a:p>
-                      <a:r>
-                        <a:rPr kumimoji="1" lang="en-US" altLang="ja-JP" sz="1800" dirty="0" err="1"/>
-                        <a:t>Thermal.HeatTransfer</a:t>
-                      </a:r>
-                      <a:endParaRPr kumimoji="1" lang="ja-JP" altLang="en-US" sz="1800" dirty="0"/>
-                    </a:p>
-                  </a:txBody>
-                  <a:tcPr/>
-                </a:tc>
-                <a:tc>
-                  <a:txBody>
-                    <a:bodyPr/>
-                    <a:lstStyle/>
-                    <a:p>
-                      <a:r>
-                        <a:rPr kumimoji="1" lang="ja-JP" altLang="en-US" sz="1800" dirty="0"/>
-                        <a:t>温度</a:t>
-                      </a:r>
-                      <a:r>
-                        <a:rPr kumimoji="1" lang="en-US" altLang="ja-JP" sz="1800" dirty="0"/>
-                        <a:t>T</a:t>
-                      </a:r>
-                      <a:endParaRPr kumimoji="1" lang="ja-JP" altLang="en-US" sz="1800" dirty="0"/>
-                    </a:p>
-                  </a:txBody>
-                  <a:tcPr/>
-                </a:tc>
-                <a:tc>
-                  <a:txBody>
-                    <a:bodyPr/>
-                    <a:lstStyle/>
-                    <a:p>
-                      <a:r>
-                        <a:rPr kumimoji="1" lang="ja-JP" altLang="en-US" sz="1800" dirty="0"/>
-                        <a:t>熱流量</a:t>
-                      </a:r>
-                      <a:r>
-                        <a:rPr kumimoji="1" lang="en-US" altLang="ja-JP" sz="1800" dirty="0"/>
-                        <a:t>Q</a:t>
-                      </a:r>
-                      <a:endParaRPr kumimoji="1" lang="ja-JP" altLang="en-US" sz="1800" dirty="0"/>
-                    </a:p>
-                  </a:txBody>
-                  <a:tcPr/>
-                </a:tc>
-                <a:tc>
-                  <a:txBody>
-                    <a:bodyPr/>
-                    <a:lstStyle/>
-                    <a:p>
-                      <a:r>
-                        <a:rPr kumimoji="1" lang="en-US" altLang="ja-JP" sz="1600" dirty="0"/>
-                        <a:t>Q=G×(T</a:t>
-                      </a:r>
-                      <a:r>
-                        <a:rPr kumimoji="1" lang="en-US" altLang="ja-JP" sz="1600" baseline="-25000" dirty="0"/>
-                        <a:t>a</a:t>
-                      </a:r>
-                      <a:r>
-                        <a:rPr kumimoji="1" lang="en-US" altLang="ja-JP" sz="1600" dirty="0"/>
-                        <a:t>-T</a:t>
-                      </a:r>
-                      <a:r>
-                        <a:rPr kumimoji="1" lang="en-US" altLang="ja-JP" sz="1600" baseline="-25000" dirty="0"/>
-                        <a:t>b</a:t>
-                      </a:r>
-                      <a:r>
-                        <a:rPr kumimoji="1" lang="en-US" altLang="ja-JP" sz="1600" dirty="0"/>
-                        <a:t>)/L</a:t>
-                      </a:r>
-                      <a:endParaRPr kumimoji="1" lang="ja-JP" altLang="en-US" sz="1600" dirty="0"/>
-                    </a:p>
-                  </a:txBody>
-                  <a:tcPr/>
-                </a:tc>
-                <a:extLst>
-                  <a:ext uri="{0D108BD9-81ED-4DB2-BD59-A6C34878D82A}">
-                    <a16:rowId xmlns:a16="http://schemas.microsoft.com/office/drawing/2014/main" val="1994560438"/>
-                  </a:ext>
-                </a:extLst>
-              </a:tr>
-              <a:tr h="554982">
-                <a:tc>
-                  <a:txBody>
-                    <a:bodyPr/>
-                    <a:lstStyle/>
-                    <a:p>
-                      <a:r>
-                        <a:rPr kumimoji="1" lang="ja-JP" altLang="en-US" sz="1800" dirty="0"/>
-                        <a:t>流体</a:t>
-                      </a:r>
-                    </a:p>
-                  </a:txBody>
-                  <a:tcPr/>
-                </a:tc>
-                <a:tc>
-                  <a:txBody>
-                    <a:bodyPr/>
-                    <a:lstStyle/>
-                    <a:p>
-                      <a:r>
-                        <a:rPr kumimoji="1" lang="en-US" altLang="ja-JP" sz="1800" dirty="0" err="1"/>
-                        <a:t>Thermal.FluidHeatFlow</a:t>
-                      </a:r>
-                      <a:endParaRPr kumimoji="1" lang="ja-JP" altLang="en-US" sz="1800" dirty="0"/>
-                    </a:p>
-                  </a:txBody>
-                  <a:tcPr/>
-                </a:tc>
-                <a:tc>
-                  <a:txBody>
-                    <a:bodyPr/>
-                    <a:lstStyle/>
-                    <a:p>
-                      <a:r>
-                        <a:rPr kumimoji="1" lang="ja-JP" altLang="en-US" sz="1800" dirty="0"/>
-                        <a:t>圧力</a:t>
-                      </a:r>
-                      <a:r>
-                        <a:rPr kumimoji="1" lang="en-US" altLang="ja-JP" sz="1800" dirty="0"/>
-                        <a:t>p</a:t>
-                      </a:r>
-                      <a:endParaRPr kumimoji="1" lang="ja-JP" altLang="en-US" sz="1800" dirty="0"/>
-                    </a:p>
-                  </a:txBody>
-                  <a:tcPr/>
-                </a:tc>
-                <a:tc>
-                  <a:txBody>
-                    <a:bodyPr/>
-                    <a:lstStyle/>
-                    <a:p>
-                      <a:r>
-                        <a:rPr kumimoji="1" lang="ja-JP" altLang="en-US" sz="1800" dirty="0"/>
-                        <a:t>質量流量</a:t>
-                      </a:r>
-                      <a:r>
-                        <a:rPr kumimoji="1" lang="en-US" altLang="ja-JP" sz="1800" dirty="0"/>
-                        <a:t>m</a:t>
-                      </a:r>
-                      <a:endParaRPr kumimoji="1" lang="ja-JP" altLang="en-US" sz="1800" dirty="0"/>
-                    </a:p>
-                  </a:txBody>
-                  <a:tcPr/>
-                </a:tc>
-                <a:tc>
-                  <a:txBody>
-                    <a:bodyPr/>
-                    <a:lstStyle/>
-                    <a:p>
-                      <a:r>
-                        <a:rPr kumimoji="1" lang="en-US" altLang="ja-JP" sz="1800" dirty="0" err="1"/>
-                        <a:t>Δp</a:t>
-                      </a:r>
-                      <a:r>
-                        <a:rPr kumimoji="1" lang="en-US" altLang="ja-JP" sz="1800" dirty="0"/>
-                        <a:t>=</a:t>
-                      </a:r>
-                      <a:r>
-                        <a:rPr kumimoji="1" lang="en-US" altLang="ja-JP" sz="1800" dirty="0" err="1"/>
-                        <a:t>k×m</a:t>
-                      </a:r>
-                      <a:r>
-                        <a:rPr kumimoji="1" lang="en-US" altLang="ja-JP" sz="1800" dirty="0"/>
-                        <a:t>/ρ</a:t>
-                      </a:r>
-                      <a:endParaRPr kumimoji="1" lang="ja-JP" altLang="en-US" sz="1800" dirty="0"/>
-                    </a:p>
-                  </a:txBody>
-                  <a:tcPr/>
-                </a:tc>
-                <a:extLst>
-                  <a:ext uri="{0D108BD9-81ED-4DB2-BD59-A6C34878D82A}">
-                    <a16:rowId xmlns:a16="http://schemas.microsoft.com/office/drawing/2014/main" val="526622853"/>
-                  </a:ext>
-                </a:extLst>
-              </a:tr>
-              <a:tr h="554982">
-                <a:tc>
-                  <a:txBody>
-                    <a:bodyPr/>
-                    <a:lstStyle/>
-                    <a:p>
-                      <a:r>
-                        <a:rPr kumimoji="1" lang="ja-JP" altLang="en-US" sz="1800" dirty="0"/>
-                        <a:t>磁場</a:t>
-                      </a:r>
-                    </a:p>
-                  </a:txBody>
-                  <a:tcPr/>
-                </a:tc>
-                <a:tc>
-                  <a:txBody>
-                    <a:bodyPr/>
-                    <a:lstStyle/>
-                    <a:p>
-                      <a:r>
-                        <a:rPr kumimoji="1" lang="en-US" altLang="ja-JP" sz="1800" dirty="0" err="1"/>
-                        <a:t>Magnetic.FluxTubes</a:t>
-                      </a:r>
-                      <a:endParaRPr kumimoji="1" lang="ja-JP" altLang="en-US" sz="1800" dirty="0"/>
-                    </a:p>
-                  </a:txBody>
-                  <a:tcPr/>
-                </a:tc>
-                <a:tc>
-                  <a:txBody>
-                    <a:bodyPr/>
-                    <a:lstStyle/>
-                    <a:p>
-                      <a:r>
-                        <a:rPr kumimoji="1" lang="ja-JP" altLang="en-US" sz="1800" dirty="0"/>
-                        <a:t>磁位</a:t>
-                      </a:r>
-                      <a:r>
-                        <a:rPr kumimoji="1" lang="en-US" altLang="ja-JP" sz="1800" dirty="0" err="1"/>
-                        <a:t>V</a:t>
-                      </a:r>
-                      <a:r>
-                        <a:rPr kumimoji="1" lang="en-US" altLang="ja-JP" sz="1800" baseline="-25000" dirty="0" err="1"/>
-                        <a:t>m</a:t>
-                      </a:r>
-                      <a:endParaRPr kumimoji="1" lang="ja-JP" altLang="en-US" sz="1800" baseline="-25000" dirty="0"/>
-                    </a:p>
-                  </a:txBody>
-                  <a:tcPr/>
-                </a:tc>
-                <a:tc>
-                  <a:txBody>
-                    <a:bodyPr/>
-                    <a:lstStyle/>
-                    <a:p>
-                      <a:r>
-                        <a:rPr kumimoji="1" lang="ja-JP" altLang="en-US" sz="1800" dirty="0"/>
-                        <a:t>磁束</a:t>
-                      </a:r>
-                      <a:r>
-                        <a:rPr kumimoji="1" lang="en-US" altLang="ja-JP" sz="1800" dirty="0"/>
-                        <a:t>φ</a:t>
-                      </a:r>
-                      <a:endParaRPr kumimoji="1" lang="ja-JP" altLang="en-US" sz="1800" dirty="0"/>
-                    </a:p>
-                  </a:txBody>
-                  <a:tcPr/>
-                </a:tc>
-                <a:tc>
-                  <a:txBody>
-                    <a:bodyPr/>
-                    <a:lstStyle/>
-                    <a:p>
-                      <a:r>
-                        <a:rPr kumimoji="1" lang="en-US" altLang="ja-JP" sz="1800" dirty="0" err="1"/>
-                        <a:t>V</a:t>
-                      </a:r>
-                      <a:r>
-                        <a:rPr kumimoji="1" lang="en-US" altLang="ja-JP" sz="1800" baseline="-25000" dirty="0" err="1"/>
-                        <a:t>m</a:t>
-                      </a:r>
-                      <a:r>
-                        <a:rPr kumimoji="1" lang="en-US" altLang="ja-JP" sz="1800" baseline="-25000" dirty="0"/>
-                        <a:t> </a:t>
-                      </a:r>
-                      <a:r>
-                        <a:rPr kumimoji="1" lang="en-US" altLang="ja-JP" sz="1800" dirty="0"/>
-                        <a:t>= </a:t>
-                      </a:r>
-                      <a:r>
-                        <a:rPr kumimoji="1" lang="en-US" altLang="ja-JP" sz="1800" dirty="0" err="1"/>
-                        <a:t>R</a:t>
-                      </a:r>
-                      <a:r>
-                        <a:rPr kumimoji="1" lang="en-US" altLang="ja-JP" sz="1800" baseline="-25000" dirty="0" err="1"/>
-                        <a:t>m</a:t>
-                      </a:r>
-                      <a:r>
-                        <a:rPr kumimoji="1" lang="en-US" altLang="ja-JP" sz="1800" dirty="0" err="1"/>
-                        <a:t>×φ</a:t>
-                      </a:r>
-                      <a:endParaRPr kumimoji="1" lang="ja-JP" altLang="en-US" sz="1800" dirty="0"/>
-                    </a:p>
-                  </a:txBody>
-                  <a:tcPr/>
-                </a:tc>
-                <a:extLst>
-                  <a:ext uri="{0D108BD9-81ED-4DB2-BD59-A6C34878D82A}">
-                    <a16:rowId xmlns:a16="http://schemas.microsoft.com/office/drawing/2014/main" val="601096105"/>
-                  </a:ext>
-                </a:extLst>
-              </a:tr>
-              <a:tr h="554982">
-                <a:tc>
-                  <a:txBody>
-                    <a:bodyPr/>
-                    <a:lstStyle/>
-                    <a:p>
-                      <a:r>
-                        <a:rPr kumimoji="1" lang="ja-JP" altLang="en-US" sz="1800" dirty="0"/>
-                        <a:t>並進運動</a:t>
-                      </a:r>
-                    </a:p>
-                  </a:txBody>
-                  <a:tcPr/>
-                </a:tc>
-                <a:tc>
-                  <a:txBody>
-                    <a:bodyPr/>
-                    <a:lstStyle/>
-                    <a:p>
-                      <a:r>
-                        <a:rPr kumimoji="1" lang="en-US" altLang="ja-JP" sz="1800" dirty="0" err="1"/>
-                        <a:t>Mechanics.Translational</a:t>
-                      </a:r>
-                      <a:endParaRPr kumimoji="1" lang="ja-JP" altLang="en-US" sz="1800" dirty="0"/>
-                    </a:p>
-                  </a:txBody>
-                  <a:tcPr/>
-                </a:tc>
-                <a:tc>
-                  <a:txBody>
-                    <a:bodyPr/>
-                    <a:lstStyle/>
-                    <a:p>
-                      <a:r>
-                        <a:rPr kumimoji="1" lang="ja-JP" altLang="en-US" sz="1800" dirty="0"/>
-                        <a:t>位置</a:t>
-                      </a:r>
-                      <a:r>
-                        <a:rPr kumimoji="1" lang="en-US" altLang="ja-JP" sz="1800" dirty="0"/>
-                        <a:t>s</a:t>
-                      </a:r>
-                      <a:endParaRPr kumimoji="1" lang="ja-JP" altLang="en-US" sz="1800" dirty="0"/>
-                    </a:p>
-                  </a:txBody>
-                  <a:tcPr/>
-                </a:tc>
-                <a:tc>
-                  <a:txBody>
-                    <a:bodyPr/>
-                    <a:lstStyle/>
-                    <a:p>
-                      <a:r>
-                        <a:rPr kumimoji="1" lang="ja-JP" altLang="en-US" sz="1800" dirty="0"/>
-                        <a:t>力</a:t>
-                      </a:r>
-                      <a:r>
-                        <a:rPr kumimoji="1" lang="en-US" altLang="ja-JP" sz="1800" dirty="0"/>
-                        <a:t>F</a:t>
-                      </a:r>
-                      <a:endParaRPr kumimoji="1" lang="ja-JP" altLang="en-US" sz="1800" dirty="0"/>
-                    </a:p>
-                  </a:txBody>
-                  <a:tcPr/>
-                </a:tc>
-                <a:tc>
-                  <a:txBody>
-                    <a:bodyPr/>
-                    <a:lstStyle/>
-                    <a:p>
-                      <a:r>
-                        <a:rPr kumimoji="1" lang="en-US" altLang="ja-JP" sz="1600" dirty="0"/>
-                        <a:t>F = c×(</a:t>
-                      </a:r>
-                      <a:r>
-                        <a:rPr kumimoji="1" lang="en-US" altLang="ja-JP" sz="1600" dirty="0" err="1"/>
-                        <a:t>s</a:t>
-                      </a:r>
-                      <a:r>
-                        <a:rPr kumimoji="1" lang="en-US" altLang="ja-JP" sz="1600" baseline="-25000" dirty="0" err="1"/>
-                        <a:t>a</a:t>
-                      </a:r>
-                      <a:r>
-                        <a:rPr kumimoji="1" lang="en-US" altLang="ja-JP" sz="1600" dirty="0"/>
-                        <a:t>-s</a:t>
-                      </a:r>
-                      <a:r>
-                        <a:rPr kumimoji="1" lang="en-US" altLang="ja-JP" sz="1600" baseline="-25000" dirty="0"/>
-                        <a:t>b</a:t>
-                      </a:r>
-                      <a:r>
-                        <a:rPr kumimoji="1" lang="en-US" altLang="ja-JP" sz="1600" dirty="0"/>
-                        <a:t>)</a:t>
-                      </a:r>
-                      <a:endParaRPr kumimoji="1" lang="ja-JP" altLang="en-US" sz="1800" dirty="0"/>
-                    </a:p>
-                  </a:txBody>
-                  <a:tcPr/>
-                </a:tc>
-                <a:extLst>
-                  <a:ext uri="{0D108BD9-81ED-4DB2-BD59-A6C34878D82A}">
-                    <a16:rowId xmlns:a16="http://schemas.microsoft.com/office/drawing/2014/main" val="3243361607"/>
-                  </a:ext>
-                </a:extLst>
-              </a:tr>
-              <a:tr h="554982">
-                <a:tc>
-                  <a:txBody>
-                    <a:bodyPr/>
-                    <a:lstStyle/>
-                    <a:p>
-                      <a:r>
-                        <a:rPr kumimoji="1" lang="ja-JP" altLang="en-US" sz="1800" dirty="0"/>
-                        <a:t>回転運動</a:t>
-                      </a:r>
-                    </a:p>
-                  </a:txBody>
-                  <a:tcPr/>
-                </a:tc>
-                <a:tc>
-                  <a:txBody>
-                    <a:bodyPr/>
-                    <a:lstStyle/>
-                    <a:p>
-                      <a:r>
-                        <a:rPr kumimoji="1" lang="en-US" altLang="ja-JP" sz="1800" dirty="0" err="1"/>
-                        <a:t>Mechanics.Rotational</a:t>
-                      </a:r>
-                      <a:endParaRPr kumimoji="1" lang="ja-JP" altLang="en-US" sz="1800" dirty="0"/>
-                    </a:p>
-                  </a:txBody>
-                  <a:tcPr/>
-                </a:tc>
-                <a:tc>
-                  <a:txBody>
-                    <a:bodyPr/>
-                    <a:lstStyle/>
-                    <a:p>
-                      <a:r>
-                        <a:rPr kumimoji="1" lang="ja-JP" altLang="en-US" sz="1800" dirty="0"/>
-                        <a:t>回転角度</a:t>
-                      </a:r>
-                      <a:r>
-                        <a:rPr kumimoji="1" lang="en-US" altLang="ja-JP" sz="1800" dirty="0"/>
-                        <a:t>φ</a:t>
-                      </a:r>
-                      <a:endParaRPr kumimoji="1" lang="ja-JP" altLang="en-US" sz="1800" dirty="0"/>
-                    </a:p>
-                  </a:txBody>
-                  <a:tcPr/>
-                </a:tc>
-                <a:tc>
-                  <a:txBody>
-                    <a:bodyPr/>
-                    <a:lstStyle/>
-                    <a:p>
-                      <a:r>
-                        <a:rPr kumimoji="1" lang="ja-JP" altLang="en-US" sz="1800" dirty="0"/>
-                        <a:t>トルク</a:t>
-                      </a:r>
-                      <a:r>
-                        <a:rPr kumimoji="1" lang="en-US" altLang="ja-JP" sz="1800" dirty="0"/>
-                        <a:t>τ</a:t>
-                      </a:r>
-                      <a:endParaRPr kumimoji="1" lang="ja-JP" altLang="en-US" sz="1800" dirty="0"/>
-                    </a:p>
-                  </a:txBody>
-                  <a:tcPr/>
-                </a:tc>
-                <a:tc>
-                  <a:txBody>
-                    <a:bodyPr/>
-                    <a:lstStyle/>
-                    <a:p>
-                      <a:r>
-                        <a:rPr kumimoji="1" lang="en-US" altLang="ja-JP" sz="1800" dirty="0" err="1"/>
-                        <a:t>J×a</a:t>
-                      </a:r>
-                      <a:r>
-                        <a:rPr kumimoji="1" lang="en-US" altLang="ja-JP" sz="1800" dirty="0"/>
-                        <a:t>=</a:t>
-                      </a:r>
-                      <a:r>
-                        <a:rPr kumimoji="1" lang="en-US" altLang="ja-JP" sz="1800" dirty="0" err="1"/>
-                        <a:t>τ</a:t>
-                      </a:r>
-                      <a:r>
-                        <a:rPr kumimoji="1" lang="en-US" altLang="ja-JP" sz="1800" baseline="-25000" dirty="0" err="1"/>
-                        <a:t>a</a:t>
-                      </a:r>
-                      <a:r>
-                        <a:rPr kumimoji="1" lang="en-US" altLang="ja-JP" sz="1800" dirty="0" err="1"/>
-                        <a:t>-τ</a:t>
-                      </a:r>
-                      <a:r>
-                        <a:rPr kumimoji="1" lang="en-US" altLang="ja-JP" sz="1800" baseline="-25000" dirty="0" err="1"/>
-                        <a:t>b</a:t>
-                      </a:r>
-                      <a:endParaRPr kumimoji="1" lang="ja-JP" altLang="en-US" sz="1800" dirty="0"/>
-                    </a:p>
-                  </a:txBody>
-                  <a:tcPr/>
-                </a:tc>
-                <a:extLst>
-                  <a:ext uri="{0D108BD9-81ED-4DB2-BD59-A6C34878D82A}">
-                    <a16:rowId xmlns:a16="http://schemas.microsoft.com/office/drawing/2014/main" val="3238135866"/>
-                  </a:ext>
-                </a:extLst>
-              </a:tr>
-            </a:tbl>
-          </a:graphicData>
-        </a:graphic>
-      </p:graphicFrame>
-      <p:sp>
-        <p:nvSpPr>
-          <p:cNvPr id="12" name="テキスト ボックス 11">
-            <a:extLst>
-              <a:ext uri="{FF2B5EF4-FFF2-40B4-BE49-F238E27FC236}">
-                <a16:creationId xmlns:a16="http://schemas.microsoft.com/office/drawing/2014/main" id="{97F8B9EC-7D02-49F4-8095-2ADCE457E3CE}"/>
-              </a:ext>
-            </a:extLst>
-          </p:cNvPr>
-          <p:cNvSpPr txBox="1"/>
-          <p:nvPr/>
-        </p:nvSpPr>
-        <p:spPr>
-          <a:xfrm>
-            <a:off x="9144000" y="968449"/>
-            <a:ext cx="2868334" cy="4524315"/>
-          </a:xfrm>
-          <a:prstGeom prst="rect">
-            <a:avLst/>
-          </a:prstGeom>
-          <a:solidFill>
-            <a:schemeClr val="accent5">
-              <a:lumMod val="20000"/>
-              <a:lumOff val="80000"/>
-            </a:schemeClr>
-          </a:solidFill>
-        </p:spPr>
-        <p:txBody>
-          <a:bodyPr wrap="square" rtlCol="0">
-            <a:spAutoFit/>
-          </a:bodyPr>
-          <a:lstStyle/>
-          <a:p>
-            <a:pPr algn="l"/>
-            <a:r>
-              <a:rPr kumimoji="1" lang="en-US" altLang="ja-JP" sz="2400" dirty="0"/>
-              <a:t>R : </a:t>
-            </a:r>
-            <a:r>
-              <a:rPr kumimoji="1" lang="ja-JP" altLang="en-US" sz="2400" dirty="0"/>
-              <a:t>電気抵抗</a:t>
-            </a:r>
-            <a:endParaRPr kumimoji="1" lang="en-US" altLang="ja-JP" sz="2400" dirty="0"/>
-          </a:p>
-          <a:p>
-            <a:r>
-              <a:rPr lang="en-US" altLang="ja-JP" sz="2400" dirty="0"/>
-              <a:t>R</a:t>
-            </a:r>
-            <a:r>
-              <a:rPr lang="en-US" altLang="ja-JP" sz="2400" baseline="-25000" dirty="0"/>
-              <a:t>m</a:t>
-            </a:r>
-            <a:r>
-              <a:rPr lang="en-US" altLang="ja-JP" sz="2400" dirty="0"/>
-              <a:t> : </a:t>
-            </a:r>
-            <a:r>
-              <a:rPr lang="ja-JP" altLang="en-US" sz="2400" dirty="0"/>
-              <a:t>磁気抵抗</a:t>
-            </a:r>
-            <a:endParaRPr lang="en-US" altLang="ja-JP" sz="2400" dirty="0"/>
-          </a:p>
-          <a:p>
-            <a:r>
-              <a:rPr kumimoji="1" lang="en-US" altLang="ja-JP" sz="2400" dirty="0"/>
-              <a:t>G : </a:t>
-            </a:r>
-            <a:r>
-              <a:rPr kumimoji="1" lang="ja-JP" altLang="en-US" sz="2400" dirty="0"/>
-              <a:t>コンダクタンス</a:t>
-            </a:r>
-            <a:endParaRPr kumimoji="1" lang="en-US" altLang="ja-JP" sz="2400" dirty="0"/>
-          </a:p>
-          <a:p>
-            <a:r>
-              <a:rPr lang="en-US" altLang="ja-JP" sz="2400" dirty="0"/>
-              <a:t>L : </a:t>
-            </a:r>
-            <a:r>
-              <a:rPr lang="ja-JP" altLang="en-US" sz="2400" dirty="0"/>
-              <a:t>距離</a:t>
-            </a:r>
-            <a:endParaRPr lang="en-US" altLang="ja-JP" sz="2400" dirty="0"/>
-          </a:p>
-          <a:p>
-            <a:r>
-              <a:rPr kumimoji="1" lang="en-US" altLang="ja-JP" sz="2400" dirty="0"/>
-              <a:t>k : </a:t>
-            </a:r>
-            <a:r>
-              <a:rPr kumimoji="1" lang="ja-JP" altLang="en-US" sz="2400" dirty="0"/>
-              <a:t>損失係数</a:t>
-            </a:r>
-            <a:endParaRPr kumimoji="1" lang="en-US" altLang="ja-JP" sz="2400" dirty="0"/>
-          </a:p>
-          <a:p>
-            <a:r>
-              <a:rPr lang="en-US" altLang="ja-JP" sz="2400" dirty="0"/>
-              <a:t>ρ : </a:t>
-            </a:r>
-            <a:r>
-              <a:rPr lang="ja-JP" altLang="en-US" sz="2400" dirty="0"/>
-              <a:t>密度</a:t>
-            </a:r>
-            <a:endParaRPr lang="en-US" altLang="ja-JP" sz="2400" dirty="0"/>
-          </a:p>
-          <a:p>
-            <a:r>
-              <a:rPr kumimoji="1" lang="en-US" altLang="ja-JP" sz="2400" dirty="0" err="1"/>
-              <a:t>Δp</a:t>
-            </a:r>
-            <a:r>
-              <a:rPr kumimoji="1" lang="en-US" altLang="ja-JP" sz="2400" dirty="0"/>
-              <a:t> : </a:t>
-            </a:r>
-            <a:r>
-              <a:rPr kumimoji="1" lang="ja-JP" altLang="en-US" sz="2400" dirty="0"/>
-              <a:t>圧力降下</a:t>
-            </a:r>
-            <a:endParaRPr kumimoji="1" lang="en-US" altLang="ja-JP" sz="2400" dirty="0"/>
-          </a:p>
-          <a:p>
-            <a:r>
-              <a:rPr kumimoji="1" lang="en-US" altLang="ja-JP" sz="2400" dirty="0"/>
-              <a:t>c : </a:t>
-            </a:r>
-            <a:r>
-              <a:rPr kumimoji="1" lang="ja-JP" altLang="en-US" sz="2400" dirty="0"/>
-              <a:t>バネ定数</a:t>
-            </a:r>
-            <a:endParaRPr kumimoji="1" lang="en-US" altLang="ja-JP" sz="2400" dirty="0"/>
-          </a:p>
-          <a:p>
-            <a:r>
-              <a:rPr kumimoji="1" lang="en-US" altLang="ja-JP" sz="2400" dirty="0"/>
-              <a:t>J : </a:t>
-            </a:r>
-            <a:r>
-              <a:rPr kumimoji="1" lang="ja-JP" altLang="en-US" sz="2400" dirty="0"/>
-              <a:t>イナーシャ</a:t>
-            </a:r>
-            <a:endParaRPr kumimoji="1" lang="en-US" altLang="ja-JP" sz="2400" dirty="0"/>
-          </a:p>
-          <a:p>
-            <a:r>
-              <a:rPr kumimoji="1" lang="ja-JP" altLang="en-US" sz="2400" dirty="0"/>
-              <a:t>下付き添え字</a:t>
-            </a:r>
-            <a:r>
-              <a:rPr kumimoji="1" lang="en-US" altLang="ja-JP" sz="2400" dirty="0" err="1"/>
-              <a:t>a,b</a:t>
-            </a:r>
-            <a:r>
-              <a:rPr kumimoji="1" lang="en-US" altLang="ja-JP" sz="2400" dirty="0"/>
-              <a:t> : </a:t>
-            </a:r>
-            <a:r>
-              <a:rPr kumimoji="1" lang="ja-JP" altLang="en-US" sz="2400" dirty="0"/>
-              <a:t>ポート</a:t>
-            </a:r>
-            <a:r>
-              <a:rPr kumimoji="1" lang="en-US" altLang="ja-JP" sz="2400" dirty="0" err="1"/>
-              <a:t>a,b</a:t>
-            </a:r>
-            <a:r>
-              <a:rPr kumimoji="1" lang="ja-JP" altLang="en-US" sz="2400" dirty="0"/>
-              <a:t>での値</a:t>
-            </a:r>
-            <a:endParaRPr kumimoji="1" lang="en-US" altLang="ja-JP" sz="2400" dirty="0"/>
-          </a:p>
-          <a:p>
-            <a:r>
-              <a:rPr kumimoji="1" lang="en-US" altLang="ja-JP" sz="2400" dirty="0"/>
-              <a:t>a : </a:t>
-            </a:r>
-            <a:r>
-              <a:rPr kumimoji="1" lang="ja-JP" altLang="en-US" sz="2400" dirty="0"/>
-              <a:t>角加速度</a:t>
-            </a:r>
-          </a:p>
-        </p:txBody>
-      </p:sp>
-    </p:spTree>
-    <p:extLst>
-      <p:ext uri="{BB962C8B-B14F-4D97-AF65-F5344CB8AC3E}">
-        <p14:creationId xmlns:p14="http://schemas.microsoft.com/office/powerpoint/2010/main" val="3136405544"/>
-      </p:ext>
-    </p:extLst>
-  </p:cSld>
-  <p:clrMapOvr>
-    <a:masterClrMapping/>
-  </p:clrMapOvr>
-</p:sld>
-</file>
-
-<file path=ppt/slides/slide47.xml><?xml version="1.0" encoding="utf-8"?>
-<p:sld xmlns:a="http://schemas.openxmlformats.org/drawingml/2006/main" xmlns:r="http://schemas.openxmlformats.org/officeDocument/2006/relationships" xmlns:p="http://schemas.openxmlformats.org/presentationml/2006/main">
-  <p:cSld>
-    <p:spTree>
-      <p:nvGrpSpPr>
-        <p:cNvPr id="1" name=""/>
-        <p:cNvGrpSpPr/>
-        <p:nvPr/>
-      </p:nvGrpSpPr>
-      <p:grpSpPr>
-        <a:xfrm>
-          <a:off x="0" y="0"/>
-          <a:ext cx="0" cy="0"/>
-          <a:chOff x="0" y="0"/>
-          <a:chExt cx="0" cy="0"/>
-        </a:xfrm>
-      </p:grpSpPr>
-      <p:sp>
-        <p:nvSpPr>
-          <p:cNvPr id="4" name="スライド番号プレースホルダー 3">
-            <a:extLst>
-              <a:ext uri="{FF2B5EF4-FFF2-40B4-BE49-F238E27FC236}">
-                <a16:creationId xmlns:a16="http://schemas.microsoft.com/office/drawing/2014/main" id="{62C8405B-E1A8-4250-83B4-B3DC73FA8844}"/>
-              </a:ext>
-            </a:extLst>
-          </p:cNvPr>
-          <p:cNvSpPr>
-            <a:spLocks noGrp="1"/>
-          </p:cNvSpPr>
-          <p:nvPr>
-            <p:ph type="sldNum" sz="quarter" idx="12"/>
-          </p:nvPr>
-        </p:nvSpPr>
-        <p:spPr/>
-        <p:txBody>
-          <a:bodyPr/>
-          <a:lstStyle/>
-          <a:p>
-            <a:fld id="{D836F367-8F14-4921-8441-15DE2D973248}" type="slidenum">
-              <a:rPr kumimoji="1" lang="ja-JP" altLang="en-US" smtClean="0"/>
-              <a:t>47</a:t>
-            </a:fld>
-            <a:endParaRPr kumimoji="1" lang="ja-JP" altLang="en-US"/>
-          </a:p>
-        </p:txBody>
-      </p:sp>
-      <p:sp>
-        <p:nvSpPr>
-          <p:cNvPr id="7" name="Shape 130">
-            <a:extLst>
-              <a:ext uri="{FF2B5EF4-FFF2-40B4-BE49-F238E27FC236}">
-                <a16:creationId xmlns:a16="http://schemas.microsoft.com/office/drawing/2014/main" id="{62311BE2-8146-4C5F-883C-23F48775675B}"/>
-              </a:ext>
-            </a:extLst>
-          </p:cNvPr>
-          <p:cNvSpPr/>
-          <p:nvPr/>
-        </p:nvSpPr>
-        <p:spPr>
-          <a:xfrm>
-            <a:off x="179666" y="87415"/>
-            <a:ext cx="8630568" cy="579646"/>
-          </a:xfrm>
-          <a:prstGeom prst="rect">
-            <a:avLst/>
-          </a:prstGeom>
-          <a:ln w="12700">
-            <a:miter lim="400000"/>
-          </a:ln>
-          <a:extLst>
-            <a:ext uri="{C572A759-6A51-4108-AA02-DFA0A04FC94B}">
-              <ma14:wrappingTextBoxFlag xmlns="" xmlns:ma14="http://schemas.microsoft.com/office/mac/drawingml/2011/main" val="1"/>
-            </a:ext>
-          </a:extLst>
-        </p:spPr>
-        <p:txBody>
-          <a:bodyPr wrap="none" lIns="50800" tIns="50800" rIns="50800" bIns="50800" anchor="ctr">
-            <a:spAutoFit/>
-          </a:bodyPr>
-          <a:lstStyle/>
-          <a:p>
-            <a:pPr>
-              <a:defRPr sz="3100" u="sng">
-                <a:latin typeface="YuMincho Medium"/>
-                <a:ea typeface="YuMincho Medium"/>
-                <a:cs typeface="YuMincho Medium"/>
-                <a:sym typeface="YuMincho Medium"/>
-              </a:defRPr>
-            </a:pPr>
-            <a:r>
-              <a:rPr lang="ja-JP" altLang="en-US" dirty="0"/>
-              <a:t>物理現象の一般化 ー ポテンシャルとフラックス</a:t>
-            </a:r>
-            <a:endParaRPr lang="en-US" altLang="ja-JP" dirty="0"/>
-          </a:p>
-        </p:txBody>
-      </p:sp>
-      <p:sp>
-        <p:nvSpPr>
-          <p:cNvPr id="9" name="テキスト ボックス 8">
-            <a:extLst>
-              <a:ext uri="{FF2B5EF4-FFF2-40B4-BE49-F238E27FC236}">
-                <a16:creationId xmlns:a16="http://schemas.microsoft.com/office/drawing/2014/main" id="{C5EDB6F2-AC12-4C28-9C6F-CABB2C317D21}"/>
-              </a:ext>
-            </a:extLst>
-          </p:cNvPr>
-          <p:cNvSpPr txBox="1"/>
-          <p:nvPr/>
-        </p:nvSpPr>
-        <p:spPr>
-          <a:xfrm>
-            <a:off x="643371" y="858071"/>
-            <a:ext cx="11380573" cy="461665"/>
-          </a:xfrm>
-          <a:prstGeom prst="rect">
-            <a:avLst/>
-          </a:prstGeom>
-          <a:noFill/>
-        </p:spPr>
-        <p:txBody>
-          <a:bodyPr wrap="square" rtlCol="0">
-            <a:spAutoFit/>
-          </a:bodyPr>
-          <a:lstStyle/>
-          <a:p>
-            <a:r>
-              <a:rPr kumimoji="1" lang="ja-JP" altLang="en-US" sz="2400" dirty="0"/>
-              <a:t>系が分岐する際はポテンシャルとフラックスは以下のように取り扱います。</a:t>
-            </a:r>
-          </a:p>
-        </p:txBody>
-      </p:sp>
-      <p:cxnSp>
-        <p:nvCxnSpPr>
-          <p:cNvPr id="3" name="コネクタ: 曲線 2">
-            <a:extLst>
-              <a:ext uri="{FF2B5EF4-FFF2-40B4-BE49-F238E27FC236}">
-                <a16:creationId xmlns:a16="http://schemas.microsoft.com/office/drawing/2014/main" id="{DCE82C70-F8C9-4E59-A726-477BCDCB08CE}"/>
-              </a:ext>
-            </a:extLst>
-          </p:cNvPr>
-          <p:cNvCxnSpPr/>
-          <p:nvPr/>
-        </p:nvCxnSpPr>
-        <p:spPr>
-          <a:xfrm>
-            <a:off x="899160" y="4495800"/>
-            <a:ext cx="914400" cy="914400"/>
-          </a:xfrm>
-          <a:prstGeom prst="curvedConnector3">
-            <a:avLst/>
-          </a:prstGeom>
-          <a:ln w="28575">
-            <a:solidFill>
-              <a:srgbClr val="FF0000"/>
-            </a:solidFill>
-            <a:headEnd type="none" w="med" len="med"/>
-            <a:tailEnd type="none" w="med" len="med"/>
-          </a:ln>
-        </p:spPr>
-        <p:style>
-          <a:lnRef idx="1">
-            <a:schemeClr val="accent1"/>
-          </a:lnRef>
-          <a:fillRef idx="0">
-            <a:schemeClr val="accent1"/>
-          </a:fillRef>
-          <a:effectRef idx="0">
-            <a:schemeClr val="accent1"/>
-          </a:effectRef>
-          <a:fontRef idx="minor">
-            <a:schemeClr val="tx1"/>
-          </a:fontRef>
-        </p:style>
-      </p:cxnSp>
-      <p:sp>
-        <p:nvSpPr>
-          <p:cNvPr id="5" name="フリーフォーム: 図形 4">
-            <a:extLst>
-              <a:ext uri="{FF2B5EF4-FFF2-40B4-BE49-F238E27FC236}">
-                <a16:creationId xmlns:a16="http://schemas.microsoft.com/office/drawing/2014/main" id="{5AAC00A6-E4B2-4EE7-9418-ECE59406CDB7}"/>
-              </a:ext>
-            </a:extLst>
-          </p:cNvPr>
-          <p:cNvSpPr/>
-          <p:nvPr/>
-        </p:nvSpPr>
-        <p:spPr>
-          <a:xfrm>
-            <a:off x="2651760" y="3962397"/>
-            <a:ext cx="1524000" cy="1439896"/>
-          </a:xfrm>
-          <a:custGeom>
-            <a:avLst/>
-            <a:gdLst>
-              <a:gd name="connsiteX0" fmla="*/ 0 w 1524000"/>
-              <a:gd name="connsiteY0" fmla="*/ 701043 h 1439896"/>
-              <a:gd name="connsiteX1" fmla="*/ 213360 w 1524000"/>
-              <a:gd name="connsiteY1" fmla="*/ 91443 h 1439896"/>
-              <a:gd name="connsiteX2" fmla="*/ 350520 w 1524000"/>
-              <a:gd name="connsiteY2" fmla="*/ 1417323 h 1439896"/>
-              <a:gd name="connsiteX3" fmla="*/ 624840 w 1524000"/>
-              <a:gd name="connsiteY3" fmla="*/ 15243 h 1439896"/>
-              <a:gd name="connsiteX4" fmla="*/ 868680 w 1524000"/>
-              <a:gd name="connsiteY4" fmla="*/ 1417323 h 1439896"/>
-              <a:gd name="connsiteX5" fmla="*/ 1066800 w 1524000"/>
-              <a:gd name="connsiteY5" fmla="*/ 3 h 1439896"/>
-              <a:gd name="connsiteX6" fmla="*/ 1280160 w 1524000"/>
-              <a:gd name="connsiteY6" fmla="*/ 1432563 h 1439896"/>
-              <a:gd name="connsiteX7" fmla="*/ 1508760 w 1524000"/>
-              <a:gd name="connsiteY7" fmla="*/ 594363 h 1439896"/>
-              <a:gd name="connsiteX8" fmla="*/ 1508760 w 1524000"/>
-              <a:gd name="connsiteY8" fmla="*/ 594363 h 1439896"/>
-              <a:gd name="connsiteX9" fmla="*/ 1524000 w 1524000"/>
-              <a:gd name="connsiteY9" fmla="*/ 563883 h 1439896"/>
-            </a:gdLst>
-            <a:ahLst/>
-            <a:cxnLst>
-              <a:cxn ang="0">
-                <a:pos x="connsiteX0" y="connsiteY0"/>
-              </a:cxn>
-              <a:cxn ang="0">
-                <a:pos x="connsiteX1" y="connsiteY1"/>
-              </a:cxn>
-              <a:cxn ang="0">
-                <a:pos x="connsiteX2" y="connsiteY2"/>
-              </a:cxn>
-              <a:cxn ang="0">
-                <a:pos x="connsiteX3" y="connsiteY3"/>
-              </a:cxn>
-              <a:cxn ang="0">
-                <a:pos x="connsiteX4" y="connsiteY4"/>
-              </a:cxn>
-              <a:cxn ang="0">
-                <a:pos x="connsiteX5" y="connsiteY5"/>
-              </a:cxn>
-              <a:cxn ang="0">
-                <a:pos x="connsiteX6" y="connsiteY6"/>
-              </a:cxn>
-              <a:cxn ang="0">
-                <a:pos x="connsiteX7" y="connsiteY7"/>
-              </a:cxn>
-              <a:cxn ang="0">
-                <a:pos x="connsiteX8" y="connsiteY8"/>
-              </a:cxn>
-              <a:cxn ang="0">
-                <a:pos x="connsiteX9" y="connsiteY9"/>
-              </a:cxn>
-            </a:cxnLst>
-            <a:rect l="l" t="t" r="r" b="b"/>
-            <a:pathLst>
-              <a:path w="1524000" h="1439896">
-                <a:moveTo>
-                  <a:pt x="0" y="701043"/>
-                </a:moveTo>
-                <a:cubicBezTo>
-                  <a:pt x="77470" y="336553"/>
-                  <a:pt x="154940" y="-27937"/>
-                  <a:pt x="213360" y="91443"/>
-                </a:cubicBezTo>
-                <a:cubicBezTo>
-                  <a:pt x="271780" y="210823"/>
-                  <a:pt x="281940" y="1430023"/>
-                  <a:pt x="350520" y="1417323"/>
-                </a:cubicBezTo>
-                <a:cubicBezTo>
-                  <a:pt x="419100" y="1404623"/>
-                  <a:pt x="538480" y="15243"/>
-                  <a:pt x="624840" y="15243"/>
-                </a:cubicBezTo>
-                <a:cubicBezTo>
-                  <a:pt x="711200" y="15243"/>
-                  <a:pt x="795020" y="1419863"/>
-                  <a:pt x="868680" y="1417323"/>
-                </a:cubicBezTo>
-                <a:cubicBezTo>
-                  <a:pt x="942340" y="1414783"/>
-                  <a:pt x="998220" y="-2537"/>
-                  <a:pt x="1066800" y="3"/>
-                </a:cubicBezTo>
-                <a:cubicBezTo>
-                  <a:pt x="1135380" y="2543"/>
-                  <a:pt x="1206500" y="1333503"/>
-                  <a:pt x="1280160" y="1432563"/>
-                </a:cubicBezTo>
-                <a:cubicBezTo>
-                  <a:pt x="1353820" y="1531623"/>
-                  <a:pt x="1508760" y="594363"/>
-                  <a:pt x="1508760" y="594363"/>
-                </a:cubicBezTo>
-                <a:lnTo>
-                  <a:pt x="1508760" y="594363"/>
-                </a:lnTo>
-                <a:lnTo>
-                  <a:pt x="1524000" y="563883"/>
-                </a:lnTo>
-              </a:path>
-            </a:pathLst>
-          </a:custGeom>
-          <a:noFill/>
-          <a:ln>
-            <a:solidFill>
-              <a:schemeClr val="tx1"/>
-            </a:solidFill>
-          </a:ln>
-        </p:spPr>
-        <p:style>
-          <a:lnRef idx="2">
-            <a:schemeClr val="accent1">
-              <a:shade val="50000"/>
-            </a:schemeClr>
-          </a:lnRef>
-          <a:fillRef idx="1">
-            <a:schemeClr val="accent1"/>
-          </a:fillRef>
-          <a:effectRef idx="0">
-            <a:schemeClr val="accent1"/>
-          </a:effectRef>
-          <a:fontRef idx="minor">
-            <a:schemeClr val="lt1"/>
-          </a:fontRef>
-        </p:style>
-        <p:txBody>
-          <a:bodyPr rtlCol="0" anchor="ctr"/>
-          <a:lstStyle/>
-          <a:p>
-            <a:pPr algn="ctr"/>
-            <a:endParaRPr kumimoji="1" lang="ja-JP" altLang="en-US"/>
-          </a:p>
-        </p:txBody>
-      </p:sp>
-      <p:cxnSp>
-        <p:nvCxnSpPr>
-          <p:cNvPr id="12" name="直線コネクタ 11">
-            <a:extLst>
-              <a:ext uri="{FF2B5EF4-FFF2-40B4-BE49-F238E27FC236}">
-                <a16:creationId xmlns:a16="http://schemas.microsoft.com/office/drawing/2014/main" id="{738FF8BB-06C9-4631-89A8-8727CF518711}"/>
-              </a:ext>
-            </a:extLst>
-          </p:cNvPr>
-          <p:cNvCxnSpPr>
-            <a:cxnSpLocks/>
-          </p:cNvCxnSpPr>
-          <p:nvPr/>
-        </p:nvCxnSpPr>
-        <p:spPr>
-          <a:xfrm>
-            <a:off x="5669280" y="4518657"/>
-            <a:ext cx="2636520" cy="0"/>
-          </a:xfrm>
-          <a:prstGeom prst="line">
-            <a:avLst/>
-          </a:prstGeom>
-          <a:ln w="28575">
-            <a:solidFill>
-              <a:srgbClr val="FF0000"/>
-            </a:solidFill>
-            <a:headEnd type="none" w="med" len="med"/>
-            <a:tailEnd type="none" w="med" len="med"/>
-          </a:ln>
-        </p:spPr>
-        <p:style>
-          <a:lnRef idx="1">
-            <a:schemeClr val="accent1"/>
-          </a:lnRef>
-          <a:fillRef idx="0">
-            <a:schemeClr val="accent1"/>
-          </a:fillRef>
-          <a:effectRef idx="0">
-            <a:schemeClr val="accent1"/>
-          </a:effectRef>
-          <a:fontRef idx="minor">
-            <a:schemeClr val="tx1"/>
-          </a:fontRef>
-        </p:style>
-      </p:cxnSp>
-      <p:cxnSp>
-        <p:nvCxnSpPr>
-          <p:cNvPr id="18" name="直線コネクタ 17">
-            <a:extLst>
-              <a:ext uri="{FF2B5EF4-FFF2-40B4-BE49-F238E27FC236}">
-                <a16:creationId xmlns:a16="http://schemas.microsoft.com/office/drawing/2014/main" id="{114A6502-0550-4DB7-9CCA-222E5B163649}"/>
-              </a:ext>
-            </a:extLst>
-          </p:cNvPr>
-          <p:cNvCxnSpPr>
-            <a:cxnSpLocks/>
-          </p:cNvCxnSpPr>
-          <p:nvPr/>
-        </p:nvCxnSpPr>
-        <p:spPr>
-          <a:xfrm>
-            <a:off x="5669280" y="3947157"/>
-            <a:ext cx="2667000" cy="0"/>
-          </a:xfrm>
-          <a:prstGeom prst="line">
-            <a:avLst/>
-          </a:prstGeom>
-          <a:ln w="28575">
-            <a:solidFill>
-              <a:srgbClr val="FF0000"/>
-            </a:solidFill>
-            <a:headEnd type="none" w="med" len="med"/>
-            <a:tailEnd type="none" w="med" len="med"/>
-          </a:ln>
-        </p:spPr>
-        <p:style>
-          <a:lnRef idx="1">
-            <a:schemeClr val="accent1"/>
-          </a:lnRef>
-          <a:fillRef idx="0">
-            <a:schemeClr val="accent1"/>
-          </a:fillRef>
-          <a:effectRef idx="0">
-            <a:schemeClr val="accent1"/>
-          </a:effectRef>
-          <a:fontRef idx="minor">
-            <a:schemeClr val="tx1"/>
-          </a:fontRef>
-        </p:style>
-      </p:cxnSp>
-      <p:cxnSp>
-        <p:nvCxnSpPr>
-          <p:cNvPr id="19" name="直線コネクタ 18">
-            <a:extLst>
-              <a:ext uri="{FF2B5EF4-FFF2-40B4-BE49-F238E27FC236}">
-                <a16:creationId xmlns:a16="http://schemas.microsoft.com/office/drawing/2014/main" id="{6156586E-F958-49A2-99D6-C8E69C86F08D}"/>
-              </a:ext>
-            </a:extLst>
-          </p:cNvPr>
-          <p:cNvCxnSpPr>
-            <a:cxnSpLocks/>
-          </p:cNvCxnSpPr>
-          <p:nvPr/>
-        </p:nvCxnSpPr>
-        <p:spPr>
-          <a:xfrm>
-            <a:off x="5669280" y="5090157"/>
-            <a:ext cx="2743200" cy="0"/>
-          </a:xfrm>
-          <a:prstGeom prst="line">
-            <a:avLst/>
-          </a:prstGeom>
-          <a:ln w="28575">
-            <a:solidFill>
-              <a:srgbClr val="FF0000"/>
-            </a:solidFill>
-            <a:headEnd type="none" w="med" len="med"/>
-            <a:tailEnd type="none" w="med" len="med"/>
-          </a:ln>
-        </p:spPr>
-        <p:style>
-          <a:lnRef idx="1">
-            <a:schemeClr val="accent1"/>
-          </a:lnRef>
-          <a:fillRef idx="0">
-            <a:schemeClr val="accent1"/>
-          </a:fillRef>
-          <a:effectRef idx="0">
-            <a:schemeClr val="accent1"/>
-          </a:effectRef>
-          <a:fontRef idx="minor">
-            <a:schemeClr val="tx1"/>
-          </a:fontRef>
-        </p:style>
-      </p:cxnSp>
-      <p:cxnSp>
-        <p:nvCxnSpPr>
-          <p:cNvPr id="20" name="直線コネクタ 19">
-            <a:extLst>
-              <a:ext uri="{FF2B5EF4-FFF2-40B4-BE49-F238E27FC236}">
-                <a16:creationId xmlns:a16="http://schemas.microsoft.com/office/drawing/2014/main" id="{F0C54F31-7040-4CCF-98C6-F74EB33ECC03}"/>
-              </a:ext>
-            </a:extLst>
-          </p:cNvPr>
-          <p:cNvCxnSpPr>
-            <a:cxnSpLocks/>
-          </p:cNvCxnSpPr>
-          <p:nvPr/>
-        </p:nvCxnSpPr>
-        <p:spPr>
-          <a:xfrm>
-            <a:off x="5669280" y="3173728"/>
-            <a:ext cx="0" cy="2644143"/>
-          </a:xfrm>
-          <a:prstGeom prst="line">
-            <a:avLst/>
-          </a:prstGeom>
-          <a:ln w="28575">
-            <a:solidFill>
-              <a:srgbClr val="FF0000"/>
-            </a:solidFill>
-            <a:headEnd type="none" w="med" len="med"/>
-            <a:tailEnd type="none" w="med" len="med"/>
-          </a:ln>
-        </p:spPr>
-        <p:style>
-          <a:lnRef idx="1">
-            <a:schemeClr val="accent1"/>
-          </a:lnRef>
-          <a:fillRef idx="0">
-            <a:schemeClr val="accent1"/>
-          </a:fillRef>
-          <a:effectRef idx="0">
-            <a:schemeClr val="accent1"/>
-          </a:effectRef>
-          <a:fontRef idx="minor">
-            <a:schemeClr val="tx1"/>
-          </a:fontRef>
-        </p:style>
-      </p:cxnSp>
-      <p:cxnSp>
-        <p:nvCxnSpPr>
-          <p:cNvPr id="23" name="直線コネクタ 22">
-            <a:extLst>
-              <a:ext uri="{FF2B5EF4-FFF2-40B4-BE49-F238E27FC236}">
-                <a16:creationId xmlns:a16="http://schemas.microsoft.com/office/drawing/2014/main" id="{FDD7A734-56A8-4E86-AC37-5FCE5037FF33}"/>
-              </a:ext>
-            </a:extLst>
-          </p:cNvPr>
-          <p:cNvCxnSpPr>
-            <a:cxnSpLocks/>
-          </p:cNvCxnSpPr>
-          <p:nvPr/>
-        </p:nvCxnSpPr>
-        <p:spPr>
-          <a:xfrm>
-            <a:off x="7399020" y="3173728"/>
-            <a:ext cx="0" cy="2644143"/>
-          </a:xfrm>
-          <a:prstGeom prst="line">
-            <a:avLst/>
-          </a:prstGeom>
-          <a:ln w="28575">
-            <a:solidFill>
-              <a:srgbClr val="FF0000"/>
-            </a:solidFill>
-            <a:headEnd type="none" w="med" len="med"/>
-            <a:tailEnd type="none" w="med" len="med"/>
-          </a:ln>
-        </p:spPr>
-        <p:style>
-          <a:lnRef idx="1">
-            <a:schemeClr val="accent1"/>
-          </a:lnRef>
-          <a:fillRef idx="0">
-            <a:schemeClr val="accent1"/>
-          </a:fillRef>
-          <a:effectRef idx="0">
-            <a:schemeClr val="accent1"/>
-          </a:effectRef>
-          <a:fontRef idx="minor">
-            <a:schemeClr val="tx1"/>
-          </a:fontRef>
-        </p:style>
-      </p:cxnSp>
-      <p:cxnSp>
-        <p:nvCxnSpPr>
-          <p:cNvPr id="24" name="直線コネクタ 23">
-            <a:extLst>
-              <a:ext uri="{FF2B5EF4-FFF2-40B4-BE49-F238E27FC236}">
-                <a16:creationId xmlns:a16="http://schemas.microsoft.com/office/drawing/2014/main" id="{0DC2401D-187F-43FE-AF25-8B9C1691940F}"/>
-              </a:ext>
-            </a:extLst>
-          </p:cNvPr>
-          <p:cNvCxnSpPr>
-            <a:cxnSpLocks/>
-          </p:cNvCxnSpPr>
-          <p:nvPr/>
-        </p:nvCxnSpPr>
-        <p:spPr>
-          <a:xfrm>
-            <a:off x="6245860" y="3173728"/>
-            <a:ext cx="0" cy="2644143"/>
-          </a:xfrm>
-          <a:prstGeom prst="line">
-            <a:avLst/>
-          </a:prstGeom>
-          <a:ln w="28575">
-            <a:solidFill>
-              <a:srgbClr val="FF0000"/>
-            </a:solidFill>
-            <a:headEnd type="none" w="med" len="med"/>
-            <a:tailEnd type="none" w="med" len="med"/>
-          </a:ln>
-        </p:spPr>
-        <p:style>
-          <a:lnRef idx="1">
-            <a:schemeClr val="accent1"/>
-          </a:lnRef>
-          <a:fillRef idx="0">
-            <a:schemeClr val="accent1"/>
-          </a:fillRef>
-          <a:effectRef idx="0">
-            <a:schemeClr val="accent1"/>
-          </a:effectRef>
-          <a:fontRef idx="minor">
-            <a:schemeClr val="tx1"/>
-          </a:fontRef>
-        </p:style>
-      </p:cxnSp>
-      <p:cxnSp>
-        <p:nvCxnSpPr>
-          <p:cNvPr id="25" name="直線コネクタ 24">
-            <a:extLst>
-              <a:ext uri="{FF2B5EF4-FFF2-40B4-BE49-F238E27FC236}">
-                <a16:creationId xmlns:a16="http://schemas.microsoft.com/office/drawing/2014/main" id="{B720FD86-708D-45F4-B1BC-DD727819D936}"/>
-              </a:ext>
-            </a:extLst>
-          </p:cNvPr>
-          <p:cNvCxnSpPr>
-            <a:cxnSpLocks/>
-          </p:cNvCxnSpPr>
-          <p:nvPr/>
-        </p:nvCxnSpPr>
-        <p:spPr>
-          <a:xfrm>
-            <a:off x="6822440" y="3173728"/>
-            <a:ext cx="0" cy="2644143"/>
-          </a:xfrm>
-          <a:prstGeom prst="line">
-            <a:avLst/>
-          </a:prstGeom>
-          <a:ln w="28575">
-            <a:solidFill>
-              <a:srgbClr val="FF0000"/>
-            </a:solidFill>
-            <a:headEnd type="none" w="med" len="med"/>
-            <a:tailEnd type="none" w="med" len="med"/>
-          </a:ln>
-        </p:spPr>
-        <p:style>
-          <a:lnRef idx="1">
-            <a:schemeClr val="accent1"/>
-          </a:lnRef>
-          <a:fillRef idx="0">
-            <a:schemeClr val="accent1"/>
-          </a:fillRef>
-          <a:effectRef idx="0">
-            <a:schemeClr val="accent1"/>
-          </a:effectRef>
-          <a:fontRef idx="minor">
-            <a:schemeClr val="tx1"/>
-          </a:fontRef>
-        </p:style>
-      </p:cxnSp>
-      <p:cxnSp>
-        <p:nvCxnSpPr>
-          <p:cNvPr id="27" name="直線コネクタ 26">
-            <a:extLst>
-              <a:ext uri="{FF2B5EF4-FFF2-40B4-BE49-F238E27FC236}">
-                <a16:creationId xmlns:a16="http://schemas.microsoft.com/office/drawing/2014/main" id="{EA57C327-9A35-4E3B-803B-A1E541CA76ED}"/>
-              </a:ext>
-            </a:extLst>
-          </p:cNvPr>
-          <p:cNvCxnSpPr>
-            <a:cxnSpLocks/>
-          </p:cNvCxnSpPr>
-          <p:nvPr/>
-        </p:nvCxnSpPr>
-        <p:spPr>
-          <a:xfrm>
-            <a:off x="5957570" y="3173728"/>
-            <a:ext cx="0" cy="2644143"/>
-          </a:xfrm>
-          <a:prstGeom prst="line">
-            <a:avLst/>
-          </a:prstGeom>
-          <a:ln w="28575">
-            <a:solidFill>
-              <a:srgbClr val="FF0000"/>
-            </a:solidFill>
-            <a:headEnd type="none" w="med" len="med"/>
-            <a:tailEnd type="none" w="med" len="med"/>
-          </a:ln>
-        </p:spPr>
-        <p:style>
-          <a:lnRef idx="1">
-            <a:schemeClr val="accent1"/>
-          </a:lnRef>
-          <a:fillRef idx="0">
-            <a:schemeClr val="accent1"/>
-          </a:fillRef>
-          <a:effectRef idx="0">
-            <a:schemeClr val="accent1"/>
-          </a:effectRef>
-          <a:fontRef idx="minor">
-            <a:schemeClr val="tx1"/>
-          </a:fontRef>
-        </p:style>
-      </p:cxnSp>
-      <p:cxnSp>
-        <p:nvCxnSpPr>
-          <p:cNvPr id="28" name="直線コネクタ 27">
-            <a:extLst>
-              <a:ext uri="{FF2B5EF4-FFF2-40B4-BE49-F238E27FC236}">
-                <a16:creationId xmlns:a16="http://schemas.microsoft.com/office/drawing/2014/main" id="{A6EFE18D-51F8-479D-903B-956317CF6833}"/>
-              </a:ext>
-            </a:extLst>
-          </p:cNvPr>
-          <p:cNvCxnSpPr>
-            <a:cxnSpLocks/>
-          </p:cNvCxnSpPr>
-          <p:nvPr/>
-        </p:nvCxnSpPr>
-        <p:spPr>
-          <a:xfrm>
-            <a:off x="6534150" y="3173728"/>
-            <a:ext cx="0" cy="2644143"/>
-          </a:xfrm>
-          <a:prstGeom prst="line">
-            <a:avLst/>
-          </a:prstGeom>
-          <a:ln w="28575">
-            <a:solidFill>
-              <a:srgbClr val="FF0000"/>
-            </a:solidFill>
-            <a:headEnd type="none" w="med" len="med"/>
-            <a:tailEnd type="none" w="med" len="med"/>
-          </a:ln>
-        </p:spPr>
-        <p:style>
-          <a:lnRef idx="1">
-            <a:schemeClr val="accent1"/>
-          </a:lnRef>
-          <a:fillRef idx="0">
-            <a:schemeClr val="accent1"/>
-          </a:fillRef>
-          <a:effectRef idx="0">
-            <a:schemeClr val="accent1"/>
-          </a:effectRef>
-          <a:fontRef idx="minor">
-            <a:schemeClr val="tx1"/>
-          </a:fontRef>
-        </p:style>
-      </p:cxnSp>
-      <p:cxnSp>
-        <p:nvCxnSpPr>
-          <p:cNvPr id="29" name="直線コネクタ 28">
-            <a:extLst>
-              <a:ext uri="{FF2B5EF4-FFF2-40B4-BE49-F238E27FC236}">
-                <a16:creationId xmlns:a16="http://schemas.microsoft.com/office/drawing/2014/main" id="{ECB257ED-13BA-41CC-BC24-F23C27E8F40C}"/>
-              </a:ext>
-            </a:extLst>
-          </p:cNvPr>
-          <p:cNvCxnSpPr>
-            <a:cxnSpLocks/>
-          </p:cNvCxnSpPr>
-          <p:nvPr/>
-        </p:nvCxnSpPr>
-        <p:spPr>
-          <a:xfrm>
-            <a:off x="7110730" y="3173728"/>
-            <a:ext cx="0" cy="2644143"/>
-          </a:xfrm>
-          <a:prstGeom prst="line">
-            <a:avLst/>
-          </a:prstGeom>
-          <a:ln w="28575">
-            <a:solidFill>
-              <a:srgbClr val="FF0000"/>
-            </a:solidFill>
-            <a:headEnd type="none" w="med" len="med"/>
-            <a:tailEnd type="none" w="med" len="med"/>
-          </a:ln>
-        </p:spPr>
-        <p:style>
-          <a:lnRef idx="1">
-            <a:schemeClr val="accent1"/>
-          </a:lnRef>
-          <a:fillRef idx="0">
-            <a:schemeClr val="accent1"/>
-          </a:fillRef>
-          <a:effectRef idx="0">
-            <a:schemeClr val="accent1"/>
-          </a:effectRef>
-          <a:fontRef idx="minor">
-            <a:schemeClr val="tx1"/>
-          </a:fontRef>
-        </p:style>
-      </p:cxnSp>
-      <p:cxnSp>
-        <p:nvCxnSpPr>
-          <p:cNvPr id="31" name="直線コネクタ 30">
-            <a:extLst>
-              <a:ext uri="{FF2B5EF4-FFF2-40B4-BE49-F238E27FC236}">
-                <a16:creationId xmlns:a16="http://schemas.microsoft.com/office/drawing/2014/main" id="{2E373C56-31C2-4F2C-81E7-C372C4CDABDB}"/>
-              </a:ext>
-            </a:extLst>
-          </p:cNvPr>
-          <p:cNvCxnSpPr>
-            <a:cxnSpLocks/>
-          </p:cNvCxnSpPr>
-          <p:nvPr/>
-        </p:nvCxnSpPr>
-        <p:spPr>
-          <a:xfrm>
-            <a:off x="7687310" y="3173728"/>
-            <a:ext cx="0" cy="2644143"/>
-          </a:xfrm>
-          <a:prstGeom prst="line">
-            <a:avLst/>
-          </a:prstGeom>
-          <a:ln w="28575">
-            <a:solidFill>
-              <a:srgbClr val="FF0000"/>
-            </a:solidFill>
-            <a:headEnd type="none" w="med" len="med"/>
-            <a:tailEnd type="none" w="med" len="med"/>
-          </a:ln>
-        </p:spPr>
-        <p:style>
-          <a:lnRef idx="1">
-            <a:schemeClr val="accent1"/>
-          </a:lnRef>
-          <a:fillRef idx="0">
-            <a:schemeClr val="accent1"/>
-          </a:fillRef>
-          <a:effectRef idx="0">
-            <a:schemeClr val="accent1"/>
-          </a:effectRef>
-          <a:fontRef idx="minor">
-            <a:schemeClr val="tx1"/>
-          </a:fontRef>
-        </p:style>
-      </p:cxnSp>
-      <p:cxnSp>
-        <p:nvCxnSpPr>
-          <p:cNvPr id="32" name="直線コネクタ 31">
-            <a:extLst>
-              <a:ext uri="{FF2B5EF4-FFF2-40B4-BE49-F238E27FC236}">
-                <a16:creationId xmlns:a16="http://schemas.microsoft.com/office/drawing/2014/main" id="{7718E2B9-CC67-455F-ACE3-F993C26208ED}"/>
-              </a:ext>
-            </a:extLst>
-          </p:cNvPr>
-          <p:cNvCxnSpPr>
-            <a:cxnSpLocks/>
-          </p:cNvCxnSpPr>
-          <p:nvPr/>
-        </p:nvCxnSpPr>
-        <p:spPr>
-          <a:xfrm>
-            <a:off x="7975600" y="3173728"/>
-            <a:ext cx="0" cy="2644143"/>
-          </a:xfrm>
-          <a:prstGeom prst="line">
-            <a:avLst/>
-          </a:prstGeom>
-          <a:ln w="28575">
-            <a:solidFill>
-              <a:srgbClr val="FF0000"/>
-            </a:solidFill>
-            <a:headEnd type="none" w="med" len="med"/>
-            <a:tailEnd type="none" w="med" len="med"/>
-          </a:ln>
-        </p:spPr>
-        <p:style>
-          <a:lnRef idx="1">
-            <a:schemeClr val="accent1"/>
-          </a:lnRef>
-          <a:fillRef idx="0">
-            <a:schemeClr val="accent1"/>
-          </a:fillRef>
-          <a:effectRef idx="0">
-            <a:schemeClr val="accent1"/>
-          </a:effectRef>
-          <a:fontRef idx="minor">
-            <a:schemeClr val="tx1"/>
-          </a:fontRef>
-        </p:style>
-      </p:cxnSp>
-      <p:grpSp>
-        <p:nvGrpSpPr>
-          <p:cNvPr id="49" name="グループ化 48">
-            <a:extLst>
-              <a:ext uri="{FF2B5EF4-FFF2-40B4-BE49-F238E27FC236}">
-                <a16:creationId xmlns:a16="http://schemas.microsoft.com/office/drawing/2014/main" id="{4316D9F8-D1EE-4038-A8D7-52FF470E69D9}"/>
-              </a:ext>
-            </a:extLst>
-          </p:cNvPr>
-          <p:cNvGrpSpPr/>
-          <p:nvPr/>
-        </p:nvGrpSpPr>
-        <p:grpSpPr>
-          <a:xfrm>
-            <a:off x="9906000" y="4495800"/>
-            <a:ext cx="1386831" cy="609600"/>
-            <a:chOff x="8707032" y="3924300"/>
-            <a:chExt cx="2646768" cy="1181100"/>
-          </a:xfrm>
-        </p:grpSpPr>
-        <p:sp>
-          <p:nvSpPr>
-            <p:cNvPr id="41" name="フリーフォーム: 図形 40">
-              <a:extLst>
-                <a:ext uri="{FF2B5EF4-FFF2-40B4-BE49-F238E27FC236}">
-                  <a16:creationId xmlns:a16="http://schemas.microsoft.com/office/drawing/2014/main" id="{03A5723B-9444-4E46-8DBB-5C4AA8FBED8F}"/>
-                </a:ext>
-              </a:extLst>
-            </p:cNvPr>
-            <p:cNvSpPr/>
-            <p:nvPr/>
-          </p:nvSpPr>
-          <p:spPr>
-            <a:xfrm>
-              <a:off x="8854440" y="3931912"/>
-              <a:ext cx="2316480" cy="1173488"/>
-            </a:xfrm>
-            <a:custGeom>
-              <a:avLst/>
-              <a:gdLst>
-                <a:gd name="connsiteX0" fmla="*/ 0 w 2316480"/>
-                <a:gd name="connsiteY0" fmla="*/ 1143008 h 1173488"/>
-                <a:gd name="connsiteX1" fmla="*/ 289560 w 2316480"/>
-                <a:gd name="connsiteY1" fmla="*/ 8 h 1173488"/>
-                <a:gd name="connsiteX2" fmla="*/ 579120 w 2316480"/>
-                <a:gd name="connsiteY2" fmla="*/ 1158248 h 1173488"/>
-                <a:gd name="connsiteX3" fmla="*/ 883920 w 2316480"/>
-                <a:gd name="connsiteY3" fmla="*/ 15248 h 1173488"/>
-                <a:gd name="connsiteX4" fmla="*/ 1173480 w 2316480"/>
-                <a:gd name="connsiteY4" fmla="*/ 1143008 h 1173488"/>
-                <a:gd name="connsiteX5" fmla="*/ 1478280 w 2316480"/>
-                <a:gd name="connsiteY5" fmla="*/ 15248 h 1173488"/>
-                <a:gd name="connsiteX6" fmla="*/ 1752600 w 2316480"/>
-                <a:gd name="connsiteY6" fmla="*/ 1158248 h 1173488"/>
-                <a:gd name="connsiteX7" fmla="*/ 2026920 w 2316480"/>
-                <a:gd name="connsiteY7" fmla="*/ 15248 h 1173488"/>
-                <a:gd name="connsiteX8" fmla="*/ 2316480 w 2316480"/>
-                <a:gd name="connsiteY8" fmla="*/ 1173488 h 1173488"/>
-              </a:gdLst>
-              <a:ahLst/>
-              <a:cxnLst>
-                <a:cxn ang="0">
-                  <a:pos x="connsiteX0" y="connsiteY0"/>
-                </a:cxn>
-                <a:cxn ang="0">
-                  <a:pos x="connsiteX1" y="connsiteY1"/>
-                </a:cxn>
-                <a:cxn ang="0">
-                  <a:pos x="connsiteX2" y="connsiteY2"/>
-                </a:cxn>
-                <a:cxn ang="0">
-                  <a:pos x="connsiteX3" y="connsiteY3"/>
-                </a:cxn>
-                <a:cxn ang="0">
-                  <a:pos x="connsiteX4" y="connsiteY4"/>
-                </a:cxn>
-                <a:cxn ang="0">
-                  <a:pos x="connsiteX5" y="connsiteY5"/>
-                </a:cxn>
-                <a:cxn ang="0">
-                  <a:pos x="connsiteX6" y="connsiteY6"/>
-                </a:cxn>
-                <a:cxn ang="0">
-                  <a:pos x="connsiteX7" y="connsiteY7"/>
-                </a:cxn>
-                <a:cxn ang="0">
-                  <a:pos x="connsiteX8" y="connsiteY8"/>
-                </a:cxn>
-              </a:cxnLst>
-              <a:rect l="l" t="t" r="r" b="b"/>
-              <a:pathLst>
-                <a:path w="2316480" h="1173488">
-                  <a:moveTo>
-                    <a:pt x="0" y="1143008"/>
-                  </a:moveTo>
-                  <a:cubicBezTo>
-                    <a:pt x="96520" y="570238"/>
-                    <a:pt x="193040" y="-2532"/>
-                    <a:pt x="289560" y="8"/>
-                  </a:cubicBezTo>
-                  <a:cubicBezTo>
-                    <a:pt x="386080" y="2548"/>
-                    <a:pt x="480060" y="1155708"/>
-                    <a:pt x="579120" y="1158248"/>
-                  </a:cubicBezTo>
-                  <a:cubicBezTo>
-                    <a:pt x="678180" y="1160788"/>
-                    <a:pt x="784860" y="17788"/>
-                    <a:pt x="883920" y="15248"/>
-                  </a:cubicBezTo>
-                  <a:cubicBezTo>
-                    <a:pt x="982980" y="12708"/>
-                    <a:pt x="1074420" y="1143008"/>
-                    <a:pt x="1173480" y="1143008"/>
-                  </a:cubicBezTo>
-                  <a:cubicBezTo>
-                    <a:pt x="1272540" y="1143008"/>
-                    <a:pt x="1381760" y="12708"/>
-                    <a:pt x="1478280" y="15248"/>
-                  </a:cubicBezTo>
-                  <a:cubicBezTo>
-                    <a:pt x="1574800" y="17788"/>
-                    <a:pt x="1661160" y="1158248"/>
-                    <a:pt x="1752600" y="1158248"/>
-                  </a:cubicBezTo>
-                  <a:cubicBezTo>
-                    <a:pt x="1844040" y="1158248"/>
-                    <a:pt x="1932940" y="12708"/>
-                    <a:pt x="2026920" y="15248"/>
-                  </a:cubicBezTo>
-                  <a:cubicBezTo>
-                    <a:pt x="2120900" y="17788"/>
-                    <a:pt x="2218690" y="595638"/>
-                    <a:pt x="2316480" y="1173488"/>
-                  </a:cubicBezTo>
-                </a:path>
-              </a:pathLst>
-            </a:custGeom>
-            <a:noFill/>
-            <a:ln>
-              <a:solidFill>
-                <a:schemeClr val="tx1"/>
-              </a:solidFill>
-            </a:ln>
-          </p:spPr>
-          <p:style>
-            <a:lnRef idx="2">
-              <a:schemeClr val="accent1">
-                <a:shade val="50000"/>
-              </a:schemeClr>
-            </a:lnRef>
-            <a:fillRef idx="1">
-              <a:schemeClr val="accent1"/>
-            </a:fillRef>
-            <a:effectRef idx="0">
-              <a:schemeClr val="accent1"/>
-            </a:effectRef>
-            <a:fontRef idx="minor">
-              <a:schemeClr val="lt1"/>
-            </a:fontRef>
-          </p:style>
-          <p:txBody>
-            <a:bodyPr rtlCol="0" anchor="ctr"/>
-            <a:lstStyle/>
-            <a:p>
-              <a:pPr algn="ctr"/>
-              <a:endParaRPr kumimoji="1" lang="ja-JP" altLang="en-US"/>
-            </a:p>
-          </p:txBody>
-        </p:sp>
-        <p:cxnSp>
-          <p:nvCxnSpPr>
-            <p:cNvPr id="45" name="直線コネクタ 44">
-              <a:extLst>
-                <a:ext uri="{FF2B5EF4-FFF2-40B4-BE49-F238E27FC236}">
-                  <a16:creationId xmlns:a16="http://schemas.microsoft.com/office/drawing/2014/main" id="{BD6AC84F-99BB-481D-B8B6-D3EA360C8D8F}"/>
-                </a:ext>
-              </a:extLst>
-            </p:cNvPr>
-            <p:cNvCxnSpPr/>
-            <p:nvPr/>
-          </p:nvCxnSpPr>
-          <p:spPr>
-            <a:xfrm>
-              <a:off x="11186160" y="3947157"/>
-              <a:ext cx="0" cy="1143000"/>
-            </a:xfrm>
-            <a:prstGeom prst="line">
-              <a:avLst/>
-            </a:prstGeom>
-            <a:ln w="28575">
-              <a:solidFill>
-                <a:schemeClr val="tx1"/>
-              </a:solidFill>
-              <a:headEnd type="none" w="med" len="med"/>
-              <a:tailEnd type="none" w="med" len="med"/>
-            </a:ln>
-          </p:spPr>
-          <p:style>
-            <a:lnRef idx="1">
-              <a:schemeClr val="accent1"/>
-            </a:lnRef>
-            <a:fillRef idx="0">
-              <a:schemeClr val="accent1"/>
-            </a:fillRef>
-            <a:effectRef idx="0">
-              <a:schemeClr val="accent1"/>
-            </a:effectRef>
-            <a:fontRef idx="minor">
-              <a:schemeClr val="tx1"/>
-            </a:fontRef>
-          </p:style>
-        </p:cxnSp>
-        <p:cxnSp>
-          <p:nvCxnSpPr>
-            <p:cNvPr id="46" name="直線コネクタ 45">
-              <a:extLst>
-                <a:ext uri="{FF2B5EF4-FFF2-40B4-BE49-F238E27FC236}">
-                  <a16:creationId xmlns:a16="http://schemas.microsoft.com/office/drawing/2014/main" id="{327BFC20-1FBA-495F-8FE0-7825598F61B9}"/>
-                </a:ext>
-              </a:extLst>
-            </p:cNvPr>
-            <p:cNvCxnSpPr/>
-            <p:nvPr/>
-          </p:nvCxnSpPr>
-          <p:spPr>
-            <a:xfrm>
-              <a:off x="8854440" y="3924300"/>
-              <a:ext cx="0" cy="1143000"/>
-            </a:xfrm>
-            <a:prstGeom prst="line">
-              <a:avLst/>
-            </a:prstGeom>
-            <a:ln w="28575">
-              <a:solidFill>
-                <a:schemeClr val="tx1"/>
-              </a:solidFill>
-              <a:headEnd type="none" w="med" len="med"/>
-              <a:tailEnd type="none" w="med" len="med"/>
-            </a:ln>
-          </p:spPr>
-          <p:style>
-            <a:lnRef idx="1">
-              <a:schemeClr val="accent1"/>
-            </a:lnRef>
-            <a:fillRef idx="0">
-              <a:schemeClr val="accent1"/>
-            </a:fillRef>
-            <a:effectRef idx="0">
-              <a:schemeClr val="accent1"/>
-            </a:effectRef>
-            <a:fontRef idx="minor">
-              <a:schemeClr val="tx1"/>
-            </a:fontRef>
-          </p:style>
-        </p:cxnSp>
-        <p:cxnSp>
-          <p:nvCxnSpPr>
-            <p:cNvPr id="48" name="直線コネクタ 47">
-              <a:extLst>
-                <a:ext uri="{FF2B5EF4-FFF2-40B4-BE49-F238E27FC236}">
-                  <a16:creationId xmlns:a16="http://schemas.microsoft.com/office/drawing/2014/main" id="{B199F393-D6DE-4D1A-82EF-71C4798ECC03}"/>
-                </a:ext>
-              </a:extLst>
-            </p:cNvPr>
-            <p:cNvCxnSpPr/>
-            <p:nvPr/>
-          </p:nvCxnSpPr>
-          <p:spPr>
-            <a:xfrm>
-              <a:off x="8707032" y="4495800"/>
-              <a:ext cx="2646768" cy="0"/>
-            </a:xfrm>
-            <a:prstGeom prst="line">
-              <a:avLst/>
-            </a:prstGeom>
-            <a:ln w="9525">
-              <a:solidFill>
-                <a:schemeClr val="tx1"/>
-              </a:solidFill>
-              <a:prstDash val="dashDot"/>
-              <a:headEnd type="none" w="med" len="med"/>
-              <a:tailEnd type="none" w="med" len="med"/>
-            </a:ln>
-          </p:spPr>
-          <p:style>
-            <a:lnRef idx="1">
-              <a:schemeClr val="accent1"/>
-            </a:lnRef>
-            <a:fillRef idx="0">
-              <a:schemeClr val="accent1"/>
-            </a:fillRef>
-            <a:effectRef idx="0">
-              <a:schemeClr val="accent1"/>
-            </a:effectRef>
-            <a:fontRef idx="minor">
-              <a:schemeClr val="tx1"/>
-            </a:fontRef>
-          </p:style>
-        </p:cxnSp>
-      </p:grpSp>
-      <p:grpSp>
-        <p:nvGrpSpPr>
-          <p:cNvPr id="26" name="グループ化 25">
-            <a:extLst>
-              <a:ext uri="{FF2B5EF4-FFF2-40B4-BE49-F238E27FC236}">
-                <a16:creationId xmlns:a16="http://schemas.microsoft.com/office/drawing/2014/main" id="{5064E964-9A9F-43E2-BE86-5EEDD2097123}"/>
-              </a:ext>
-            </a:extLst>
-          </p:cNvPr>
-          <p:cNvGrpSpPr/>
-          <p:nvPr/>
-        </p:nvGrpSpPr>
-        <p:grpSpPr>
-          <a:xfrm>
-            <a:off x="8929307" y="2607114"/>
-            <a:ext cx="3094637" cy="1708134"/>
-            <a:chOff x="1207065" y="3599488"/>
-            <a:chExt cx="3902713" cy="2154164"/>
-          </a:xfrm>
-        </p:grpSpPr>
-        <p:grpSp>
-          <p:nvGrpSpPr>
-            <p:cNvPr id="30" name="グループ化 29">
-              <a:extLst>
-                <a:ext uri="{FF2B5EF4-FFF2-40B4-BE49-F238E27FC236}">
-                  <a16:creationId xmlns:a16="http://schemas.microsoft.com/office/drawing/2014/main" id="{2408614B-E249-4672-8952-A13C37C7916D}"/>
-                </a:ext>
-              </a:extLst>
-            </p:cNvPr>
-            <p:cNvGrpSpPr/>
-            <p:nvPr/>
-          </p:nvGrpSpPr>
-          <p:grpSpPr>
-            <a:xfrm>
-              <a:off x="3221796" y="3625840"/>
-              <a:ext cx="1386831" cy="609600"/>
-              <a:chOff x="8707032" y="3924300"/>
-              <a:chExt cx="2646768" cy="1181100"/>
-            </a:xfrm>
-          </p:grpSpPr>
-          <p:sp>
-            <p:nvSpPr>
-              <p:cNvPr id="58" name="フリーフォーム: 図形 57">
-                <a:extLst>
-                  <a:ext uri="{FF2B5EF4-FFF2-40B4-BE49-F238E27FC236}">
-                    <a16:creationId xmlns:a16="http://schemas.microsoft.com/office/drawing/2014/main" id="{97505885-1333-4681-8291-4F3366CE2E80}"/>
-                  </a:ext>
-                </a:extLst>
-              </p:cNvPr>
-              <p:cNvSpPr/>
-              <p:nvPr/>
-            </p:nvSpPr>
-            <p:spPr>
-              <a:xfrm>
-                <a:off x="8854440" y="3931912"/>
-                <a:ext cx="2316480" cy="1173488"/>
-              </a:xfrm>
-              <a:custGeom>
-                <a:avLst/>
-                <a:gdLst>
-                  <a:gd name="connsiteX0" fmla="*/ 0 w 2316480"/>
-                  <a:gd name="connsiteY0" fmla="*/ 1143008 h 1173488"/>
-                  <a:gd name="connsiteX1" fmla="*/ 289560 w 2316480"/>
-                  <a:gd name="connsiteY1" fmla="*/ 8 h 1173488"/>
-                  <a:gd name="connsiteX2" fmla="*/ 579120 w 2316480"/>
-                  <a:gd name="connsiteY2" fmla="*/ 1158248 h 1173488"/>
-                  <a:gd name="connsiteX3" fmla="*/ 883920 w 2316480"/>
-                  <a:gd name="connsiteY3" fmla="*/ 15248 h 1173488"/>
-                  <a:gd name="connsiteX4" fmla="*/ 1173480 w 2316480"/>
-                  <a:gd name="connsiteY4" fmla="*/ 1143008 h 1173488"/>
-                  <a:gd name="connsiteX5" fmla="*/ 1478280 w 2316480"/>
-                  <a:gd name="connsiteY5" fmla="*/ 15248 h 1173488"/>
-                  <a:gd name="connsiteX6" fmla="*/ 1752600 w 2316480"/>
-                  <a:gd name="connsiteY6" fmla="*/ 1158248 h 1173488"/>
-                  <a:gd name="connsiteX7" fmla="*/ 2026920 w 2316480"/>
-                  <a:gd name="connsiteY7" fmla="*/ 15248 h 1173488"/>
-                  <a:gd name="connsiteX8" fmla="*/ 2316480 w 2316480"/>
-                  <a:gd name="connsiteY8" fmla="*/ 1173488 h 1173488"/>
-                </a:gdLst>
-                <a:ahLst/>
-                <a:cxnLst>
-                  <a:cxn ang="0">
-                    <a:pos x="connsiteX0" y="connsiteY0"/>
-                  </a:cxn>
-                  <a:cxn ang="0">
-                    <a:pos x="connsiteX1" y="connsiteY1"/>
-                  </a:cxn>
-                  <a:cxn ang="0">
-                    <a:pos x="connsiteX2" y="connsiteY2"/>
-                  </a:cxn>
-                  <a:cxn ang="0">
-                    <a:pos x="connsiteX3" y="connsiteY3"/>
-                  </a:cxn>
-                  <a:cxn ang="0">
-                    <a:pos x="connsiteX4" y="connsiteY4"/>
-                  </a:cxn>
-                  <a:cxn ang="0">
-                    <a:pos x="connsiteX5" y="connsiteY5"/>
-                  </a:cxn>
-                  <a:cxn ang="0">
-                    <a:pos x="connsiteX6" y="connsiteY6"/>
-                  </a:cxn>
-                  <a:cxn ang="0">
-                    <a:pos x="connsiteX7" y="connsiteY7"/>
-                  </a:cxn>
-                  <a:cxn ang="0">
-                    <a:pos x="connsiteX8" y="connsiteY8"/>
-                  </a:cxn>
-                </a:cxnLst>
-                <a:rect l="l" t="t" r="r" b="b"/>
-                <a:pathLst>
-                  <a:path w="2316480" h="1173488">
-                    <a:moveTo>
-                      <a:pt x="0" y="1143008"/>
-                    </a:moveTo>
-                    <a:cubicBezTo>
-                      <a:pt x="96520" y="570238"/>
-                      <a:pt x="193040" y="-2532"/>
-                      <a:pt x="289560" y="8"/>
-                    </a:cubicBezTo>
-                    <a:cubicBezTo>
-                      <a:pt x="386080" y="2548"/>
-                      <a:pt x="480060" y="1155708"/>
-                      <a:pt x="579120" y="1158248"/>
-                    </a:cubicBezTo>
-                    <a:cubicBezTo>
-                      <a:pt x="678180" y="1160788"/>
-                      <a:pt x="784860" y="17788"/>
-                      <a:pt x="883920" y="15248"/>
-                    </a:cubicBezTo>
-                    <a:cubicBezTo>
-                      <a:pt x="982980" y="12708"/>
-                      <a:pt x="1074420" y="1143008"/>
-                      <a:pt x="1173480" y="1143008"/>
-                    </a:cubicBezTo>
-                    <a:cubicBezTo>
-                      <a:pt x="1272540" y="1143008"/>
-                      <a:pt x="1381760" y="12708"/>
-                      <a:pt x="1478280" y="15248"/>
-                    </a:cubicBezTo>
-                    <a:cubicBezTo>
-                      <a:pt x="1574800" y="17788"/>
-                      <a:pt x="1661160" y="1158248"/>
-                      <a:pt x="1752600" y="1158248"/>
-                    </a:cubicBezTo>
-                    <a:cubicBezTo>
-                      <a:pt x="1844040" y="1158248"/>
-                      <a:pt x="1932940" y="12708"/>
-                      <a:pt x="2026920" y="15248"/>
-                    </a:cubicBezTo>
-                    <a:cubicBezTo>
-                      <a:pt x="2120900" y="17788"/>
-                      <a:pt x="2218690" y="595638"/>
-                      <a:pt x="2316480" y="1173488"/>
-                    </a:cubicBezTo>
-                  </a:path>
-                </a:pathLst>
-              </a:custGeom>
-              <a:noFill/>
-              <a:ln>
-                <a:solidFill>
-                  <a:schemeClr val="tx1"/>
-                </a:solidFill>
-              </a:ln>
-            </p:spPr>
-            <p:style>
-              <a:lnRef idx="2">
-                <a:schemeClr val="accent1">
-                  <a:shade val="50000"/>
-                </a:schemeClr>
-              </a:lnRef>
-              <a:fillRef idx="1">
-                <a:schemeClr val="accent1"/>
-              </a:fillRef>
-              <a:effectRef idx="0">
-                <a:schemeClr val="accent1"/>
-              </a:effectRef>
-              <a:fontRef idx="minor">
-                <a:schemeClr val="lt1"/>
-              </a:fontRef>
-            </p:style>
-            <p:txBody>
-              <a:bodyPr rtlCol="0" anchor="ctr"/>
-              <a:lstStyle/>
-              <a:p>
-                <a:pPr algn="ctr"/>
-                <a:endParaRPr kumimoji="1" lang="ja-JP" altLang="en-US"/>
-              </a:p>
-            </p:txBody>
-          </p:sp>
-          <p:cxnSp>
-            <p:nvCxnSpPr>
-              <p:cNvPr id="59" name="直線コネクタ 58">
-                <a:extLst>
-                  <a:ext uri="{FF2B5EF4-FFF2-40B4-BE49-F238E27FC236}">
-                    <a16:creationId xmlns:a16="http://schemas.microsoft.com/office/drawing/2014/main" id="{57C04022-3EE3-4400-A147-2C5FFE34B3ED}"/>
-                  </a:ext>
-                </a:extLst>
-              </p:cNvPr>
-              <p:cNvCxnSpPr/>
-              <p:nvPr/>
-            </p:nvCxnSpPr>
-            <p:spPr>
-              <a:xfrm>
-                <a:off x="11186160" y="3947157"/>
-                <a:ext cx="0" cy="1143000"/>
-              </a:xfrm>
-              <a:prstGeom prst="line">
-                <a:avLst/>
-              </a:prstGeom>
-              <a:ln w="28575">
-                <a:solidFill>
-                  <a:schemeClr val="tx1"/>
-                </a:solidFill>
-                <a:headEnd type="none" w="med" len="med"/>
-                <a:tailEnd type="none" w="med" len="med"/>
-              </a:ln>
-            </p:spPr>
-            <p:style>
-              <a:lnRef idx="1">
-                <a:schemeClr val="accent1"/>
-              </a:lnRef>
-              <a:fillRef idx="0">
-                <a:schemeClr val="accent1"/>
-              </a:fillRef>
-              <a:effectRef idx="0">
-                <a:schemeClr val="accent1"/>
-              </a:effectRef>
-              <a:fontRef idx="minor">
-                <a:schemeClr val="tx1"/>
-              </a:fontRef>
-            </p:style>
-          </p:cxnSp>
-          <p:cxnSp>
-            <p:nvCxnSpPr>
-              <p:cNvPr id="60" name="直線コネクタ 59">
-                <a:extLst>
-                  <a:ext uri="{FF2B5EF4-FFF2-40B4-BE49-F238E27FC236}">
-                    <a16:creationId xmlns:a16="http://schemas.microsoft.com/office/drawing/2014/main" id="{71CF94C1-AD5C-45AA-AA47-6D7FB5104557}"/>
-                  </a:ext>
-                </a:extLst>
-              </p:cNvPr>
-              <p:cNvCxnSpPr/>
-              <p:nvPr/>
-            </p:nvCxnSpPr>
-            <p:spPr>
-              <a:xfrm>
-                <a:off x="8854440" y="3924300"/>
-                <a:ext cx="0" cy="1143000"/>
-              </a:xfrm>
-              <a:prstGeom prst="line">
-                <a:avLst/>
-              </a:prstGeom>
-              <a:ln w="28575">
-                <a:solidFill>
-                  <a:schemeClr val="tx1"/>
-                </a:solidFill>
-                <a:headEnd type="none" w="med" len="med"/>
-                <a:tailEnd type="none" w="med" len="med"/>
-              </a:ln>
-            </p:spPr>
-            <p:style>
-              <a:lnRef idx="1">
-                <a:schemeClr val="accent1"/>
-              </a:lnRef>
-              <a:fillRef idx="0">
-                <a:schemeClr val="accent1"/>
-              </a:fillRef>
-              <a:effectRef idx="0">
-                <a:schemeClr val="accent1"/>
-              </a:effectRef>
-              <a:fontRef idx="minor">
-                <a:schemeClr val="tx1"/>
-              </a:fontRef>
-            </p:style>
-          </p:cxnSp>
-          <p:cxnSp>
-            <p:nvCxnSpPr>
-              <p:cNvPr id="61" name="直線コネクタ 60">
-                <a:extLst>
-                  <a:ext uri="{FF2B5EF4-FFF2-40B4-BE49-F238E27FC236}">
-                    <a16:creationId xmlns:a16="http://schemas.microsoft.com/office/drawing/2014/main" id="{E2D8AA7D-95C1-40AD-9593-8B1EF42D9824}"/>
-                  </a:ext>
-                </a:extLst>
-              </p:cNvPr>
-              <p:cNvCxnSpPr/>
-              <p:nvPr/>
-            </p:nvCxnSpPr>
-            <p:spPr>
-              <a:xfrm>
-                <a:off x="8707032" y="4495800"/>
-                <a:ext cx="2646768" cy="0"/>
-              </a:xfrm>
-              <a:prstGeom prst="line">
-                <a:avLst/>
-              </a:prstGeom>
-              <a:ln w="9525">
-                <a:solidFill>
-                  <a:schemeClr val="tx1"/>
-                </a:solidFill>
-                <a:prstDash val="dashDot"/>
-                <a:headEnd type="none" w="med" len="med"/>
-                <a:tailEnd type="none" w="med" len="med"/>
-              </a:ln>
-            </p:spPr>
-            <p:style>
-              <a:lnRef idx="1">
-                <a:schemeClr val="accent1"/>
-              </a:lnRef>
-              <a:fillRef idx="0">
-                <a:schemeClr val="accent1"/>
-              </a:fillRef>
-              <a:effectRef idx="0">
-                <a:schemeClr val="accent1"/>
-              </a:effectRef>
-              <a:fontRef idx="minor">
-                <a:schemeClr val="tx1"/>
-              </a:fontRef>
-            </p:style>
-          </p:cxnSp>
-        </p:grpSp>
-        <p:grpSp>
-          <p:nvGrpSpPr>
-            <p:cNvPr id="33" name="グループ化 32">
-              <a:extLst>
-                <a:ext uri="{FF2B5EF4-FFF2-40B4-BE49-F238E27FC236}">
-                  <a16:creationId xmlns:a16="http://schemas.microsoft.com/office/drawing/2014/main" id="{701CF69E-BADE-498D-8B2A-D2E40BF25C12}"/>
-                </a:ext>
-              </a:extLst>
-            </p:cNvPr>
-            <p:cNvGrpSpPr/>
-            <p:nvPr/>
-          </p:nvGrpSpPr>
-          <p:grpSpPr>
-            <a:xfrm>
-              <a:off x="3212503" y="5144052"/>
-              <a:ext cx="1386831" cy="609600"/>
-              <a:chOff x="8707032" y="3924300"/>
-              <a:chExt cx="2646768" cy="1181100"/>
-            </a:xfrm>
-          </p:grpSpPr>
-          <p:sp>
-            <p:nvSpPr>
-              <p:cNvPr id="54" name="フリーフォーム: 図形 53">
-                <a:extLst>
-                  <a:ext uri="{FF2B5EF4-FFF2-40B4-BE49-F238E27FC236}">
-                    <a16:creationId xmlns:a16="http://schemas.microsoft.com/office/drawing/2014/main" id="{EB3B1794-8C12-4418-825D-1775C3754D47}"/>
-                  </a:ext>
-                </a:extLst>
-              </p:cNvPr>
-              <p:cNvSpPr/>
-              <p:nvPr/>
-            </p:nvSpPr>
-            <p:spPr>
-              <a:xfrm>
-                <a:off x="8854440" y="3931912"/>
-                <a:ext cx="2316480" cy="1173488"/>
-              </a:xfrm>
-              <a:custGeom>
-                <a:avLst/>
-                <a:gdLst>
-                  <a:gd name="connsiteX0" fmla="*/ 0 w 2316480"/>
-                  <a:gd name="connsiteY0" fmla="*/ 1143008 h 1173488"/>
-                  <a:gd name="connsiteX1" fmla="*/ 289560 w 2316480"/>
-                  <a:gd name="connsiteY1" fmla="*/ 8 h 1173488"/>
-                  <a:gd name="connsiteX2" fmla="*/ 579120 w 2316480"/>
-                  <a:gd name="connsiteY2" fmla="*/ 1158248 h 1173488"/>
-                  <a:gd name="connsiteX3" fmla="*/ 883920 w 2316480"/>
-                  <a:gd name="connsiteY3" fmla="*/ 15248 h 1173488"/>
-                  <a:gd name="connsiteX4" fmla="*/ 1173480 w 2316480"/>
-                  <a:gd name="connsiteY4" fmla="*/ 1143008 h 1173488"/>
-                  <a:gd name="connsiteX5" fmla="*/ 1478280 w 2316480"/>
-                  <a:gd name="connsiteY5" fmla="*/ 15248 h 1173488"/>
-                  <a:gd name="connsiteX6" fmla="*/ 1752600 w 2316480"/>
-                  <a:gd name="connsiteY6" fmla="*/ 1158248 h 1173488"/>
-                  <a:gd name="connsiteX7" fmla="*/ 2026920 w 2316480"/>
-                  <a:gd name="connsiteY7" fmla="*/ 15248 h 1173488"/>
-                  <a:gd name="connsiteX8" fmla="*/ 2316480 w 2316480"/>
-                  <a:gd name="connsiteY8" fmla="*/ 1173488 h 1173488"/>
-                </a:gdLst>
-                <a:ahLst/>
-                <a:cxnLst>
-                  <a:cxn ang="0">
-                    <a:pos x="connsiteX0" y="connsiteY0"/>
-                  </a:cxn>
-                  <a:cxn ang="0">
-                    <a:pos x="connsiteX1" y="connsiteY1"/>
-                  </a:cxn>
-                  <a:cxn ang="0">
-                    <a:pos x="connsiteX2" y="connsiteY2"/>
-                  </a:cxn>
-                  <a:cxn ang="0">
-                    <a:pos x="connsiteX3" y="connsiteY3"/>
-                  </a:cxn>
-                  <a:cxn ang="0">
-                    <a:pos x="connsiteX4" y="connsiteY4"/>
-                  </a:cxn>
-                  <a:cxn ang="0">
-                    <a:pos x="connsiteX5" y="connsiteY5"/>
-                  </a:cxn>
-                  <a:cxn ang="0">
-                    <a:pos x="connsiteX6" y="connsiteY6"/>
-                  </a:cxn>
-                  <a:cxn ang="0">
-                    <a:pos x="connsiteX7" y="connsiteY7"/>
-                  </a:cxn>
-                  <a:cxn ang="0">
-                    <a:pos x="connsiteX8" y="connsiteY8"/>
-                  </a:cxn>
-                </a:cxnLst>
-                <a:rect l="l" t="t" r="r" b="b"/>
-                <a:pathLst>
-                  <a:path w="2316480" h="1173488">
-                    <a:moveTo>
-                      <a:pt x="0" y="1143008"/>
-                    </a:moveTo>
-                    <a:cubicBezTo>
-                      <a:pt x="96520" y="570238"/>
-                      <a:pt x="193040" y="-2532"/>
-                      <a:pt x="289560" y="8"/>
-                    </a:cubicBezTo>
-                    <a:cubicBezTo>
-                      <a:pt x="386080" y="2548"/>
-                      <a:pt x="480060" y="1155708"/>
-                      <a:pt x="579120" y="1158248"/>
-                    </a:cubicBezTo>
-                    <a:cubicBezTo>
-                      <a:pt x="678180" y="1160788"/>
-                      <a:pt x="784860" y="17788"/>
-                      <a:pt x="883920" y="15248"/>
-                    </a:cubicBezTo>
-                    <a:cubicBezTo>
-                      <a:pt x="982980" y="12708"/>
-                      <a:pt x="1074420" y="1143008"/>
-                      <a:pt x="1173480" y="1143008"/>
-                    </a:cubicBezTo>
-                    <a:cubicBezTo>
-                      <a:pt x="1272540" y="1143008"/>
-                      <a:pt x="1381760" y="12708"/>
-                      <a:pt x="1478280" y="15248"/>
-                    </a:cubicBezTo>
-                    <a:cubicBezTo>
-                      <a:pt x="1574800" y="17788"/>
-                      <a:pt x="1661160" y="1158248"/>
-                      <a:pt x="1752600" y="1158248"/>
-                    </a:cubicBezTo>
-                    <a:cubicBezTo>
-                      <a:pt x="1844040" y="1158248"/>
-                      <a:pt x="1932940" y="12708"/>
-                      <a:pt x="2026920" y="15248"/>
-                    </a:cubicBezTo>
-                    <a:cubicBezTo>
-                      <a:pt x="2120900" y="17788"/>
-                      <a:pt x="2218690" y="595638"/>
-                      <a:pt x="2316480" y="1173488"/>
-                    </a:cubicBezTo>
-                  </a:path>
-                </a:pathLst>
-              </a:custGeom>
-              <a:noFill/>
-              <a:ln>
-                <a:solidFill>
-                  <a:schemeClr val="tx1"/>
-                </a:solidFill>
-              </a:ln>
-            </p:spPr>
-            <p:style>
-              <a:lnRef idx="2">
-                <a:schemeClr val="accent1">
-                  <a:shade val="50000"/>
-                </a:schemeClr>
-              </a:lnRef>
-              <a:fillRef idx="1">
-                <a:schemeClr val="accent1"/>
-              </a:fillRef>
-              <a:effectRef idx="0">
-                <a:schemeClr val="accent1"/>
-              </a:effectRef>
-              <a:fontRef idx="minor">
-                <a:schemeClr val="lt1"/>
-              </a:fontRef>
-            </p:style>
-            <p:txBody>
-              <a:bodyPr rtlCol="0" anchor="ctr"/>
-              <a:lstStyle/>
-              <a:p>
-                <a:pPr algn="ctr"/>
-                <a:endParaRPr kumimoji="1" lang="ja-JP" altLang="en-US"/>
-              </a:p>
-            </p:txBody>
-          </p:sp>
-          <p:cxnSp>
-            <p:nvCxnSpPr>
-              <p:cNvPr id="55" name="直線コネクタ 54">
-                <a:extLst>
-                  <a:ext uri="{FF2B5EF4-FFF2-40B4-BE49-F238E27FC236}">
-                    <a16:creationId xmlns:a16="http://schemas.microsoft.com/office/drawing/2014/main" id="{B5A9A03F-8112-4169-8A43-045E1DDE48D9}"/>
-                  </a:ext>
-                </a:extLst>
-              </p:cNvPr>
-              <p:cNvCxnSpPr/>
-              <p:nvPr/>
-            </p:nvCxnSpPr>
-            <p:spPr>
-              <a:xfrm>
-                <a:off x="11186160" y="3947157"/>
-                <a:ext cx="0" cy="1143000"/>
-              </a:xfrm>
-              <a:prstGeom prst="line">
-                <a:avLst/>
-              </a:prstGeom>
-              <a:ln w="28575">
-                <a:solidFill>
-                  <a:schemeClr val="tx1"/>
-                </a:solidFill>
-                <a:headEnd type="none" w="med" len="med"/>
-                <a:tailEnd type="none" w="med" len="med"/>
-              </a:ln>
-            </p:spPr>
-            <p:style>
-              <a:lnRef idx="1">
-                <a:schemeClr val="accent1"/>
-              </a:lnRef>
-              <a:fillRef idx="0">
-                <a:schemeClr val="accent1"/>
-              </a:fillRef>
-              <a:effectRef idx="0">
-                <a:schemeClr val="accent1"/>
-              </a:effectRef>
-              <a:fontRef idx="minor">
-                <a:schemeClr val="tx1"/>
-              </a:fontRef>
-            </p:style>
-          </p:cxnSp>
-          <p:cxnSp>
-            <p:nvCxnSpPr>
-              <p:cNvPr id="56" name="直線コネクタ 55">
-                <a:extLst>
-                  <a:ext uri="{FF2B5EF4-FFF2-40B4-BE49-F238E27FC236}">
-                    <a16:creationId xmlns:a16="http://schemas.microsoft.com/office/drawing/2014/main" id="{2B93418E-8C0B-483A-A751-59A630E0CDE4}"/>
-                  </a:ext>
-                </a:extLst>
-              </p:cNvPr>
-              <p:cNvCxnSpPr/>
-              <p:nvPr/>
-            </p:nvCxnSpPr>
-            <p:spPr>
-              <a:xfrm>
-                <a:off x="8854440" y="3924300"/>
-                <a:ext cx="0" cy="1143000"/>
-              </a:xfrm>
-              <a:prstGeom prst="line">
-                <a:avLst/>
-              </a:prstGeom>
-              <a:ln w="28575">
-                <a:solidFill>
-                  <a:schemeClr val="tx1"/>
-                </a:solidFill>
-                <a:headEnd type="none" w="med" len="med"/>
-                <a:tailEnd type="none" w="med" len="med"/>
-              </a:ln>
-            </p:spPr>
-            <p:style>
-              <a:lnRef idx="1">
-                <a:schemeClr val="accent1"/>
-              </a:lnRef>
-              <a:fillRef idx="0">
-                <a:schemeClr val="accent1"/>
-              </a:fillRef>
-              <a:effectRef idx="0">
-                <a:schemeClr val="accent1"/>
-              </a:effectRef>
-              <a:fontRef idx="minor">
-                <a:schemeClr val="tx1"/>
-              </a:fontRef>
-            </p:style>
-          </p:cxnSp>
-          <p:cxnSp>
-            <p:nvCxnSpPr>
-              <p:cNvPr id="57" name="直線コネクタ 56">
-                <a:extLst>
-                  <a:ext uri="{FF2B5EF4-FFF2-40B4-BE49-F238E27FC236}">
-                    <a16:creationId xmlns:a16="http://schemas.microsoft.com/office/drawing/2014/main" id="{58EEC27D-8C06-46FB-9515-916997F68CA1}"/>
-                  </a:ext>
-                </a:extLst>
-              </p:cNvPr>
-              <p:cNvCxnSpPr/>
-              <p:nvPr/>
-            </p:nvCxnSpPr>
-            <p:spPr>
-              <a:xfrm>
-                <a:off x="8707032" y="4495800"/>
-                <a:ext cx="2646768" cy="0"/>
-              </a:xfrm>
-              <a:prstGeom prst="line">
-                <a:avLst/>
-              </a:prstGeom>
-              <a:ln w="9525">
-                <a:solidFill>
-                  <a:schemeClr val="tx1"/>
-                </a:solidFill>
-                <a:prstDash val="dashDot"/>
-                <a:headEnd type="none" w="med" len="med"/>
-                <a:tailEnd type="none" w="med" len="med"/>
-              </a:ln>
-            </p:spPr>
-            <p:style>
-              <a:lnRef idx="1">
-                <a:schemeClr val="accent1"/>
-              </a:lnRef>
-              <a:fillRef idx="0">
-                <a:schemeClr val="accent1"/>
-              </a:fillRef>
-              <a:effectRef idx="0">
-                <a:schemeClr val="accent1"/>
-              </a:effectRef>
-              <a:fontRef idx="minor">
-                <a:schemeClr val="tx1"/>
-              </a:fontRef>
-            </p:style>
-          </p:cxnSp>
-        </p:grpSp>
-        <p:grpSp>
-          <p:nvGrpSpPr>
-            <p:cNvPr id="34" name="グループ化 33">
-              <a:extLst>
-                <a:ext uri="{FF2B5EF4-FFF2-40B4-BE49-F238E27FC236}">
-                  <a16:creationId xmlns:a16="http://schemas.microsoft.com/office/drawing/2014/main" id="{D77E2643-7319-4DC9-834D-1CC3E7777DBC}"/>
-                </a:ext>
-              </a:extLst>
-            </p:cNvPr>
-            <p:cNvGrpSpPr/>
-            <p:nvPr/>
-          </p:nvGrpSpPr>
-          <p:grpSpPr>
-            <a:xfrm>
-              <a:off x="1443505" y="4349232"/>
-              <a:ext cx="1386831" cy="609600"/>
-              <a:chOff x="8707032" y="3924300"/>
-              <a:chExt cx="2646768" cy="1181100"/>
-            </a:xfrm>
-          </p:grpSpPr>
-          <p:sp>
-            <p:nvSpPr>
-              <p:cNvPr id="50" name="フリーフォーム: 図形 49">
-                <a:extLst>
-                  <a:ext uri="{FF2B5EF4-FFF2-40B4-BE49-F238E27FC236}">
-                    <a16:creationId xmlns:a16="http://schemas.microsoft.com/office/drawing/2014/main" id="{7FBE6ABC-27BD-40EE-988B-C4048A8552FA}"/>
-                  </a:ext>
-                </a:extLst>
-              </p:cNvPr>
-              <p:cNvSpPr/>
-              <p:nvPr/>
-            </p:nvSpPr>
-            <p:spPr>
-              <a:xfrm>
-                <a:off x="8854440" y="3931912"/>
-                <a:ext cx="2316480" cy="1173488"/>
-              </a:xfrm>
-              <a:custGeom>
-                <a:avLst/>
-                <a:gdLst>
-                  <a:gd name="connsiteX0" fmla="*/ 0 w 2316480"/>
-                  <a:gd name="connsiteY0" fmla="*/ 1143008 h 1173488"/>
-                  <a:gd name="connsiteX1" fmla="*/ 289560 w 2316480"/>
-                  <a:gd name="connsiteY1" fmla="*/ 8 h 1173488"/>
-                  <a:gd name="connsiteX2" fmla="*/ 579120 w 2316480"/>
-                  <a:gd name="connsiteY2" fmla="*/ 1158248 h 1173488"/>
-                  <a:gd name="connsiteX3" fmla="*/ 883920 w 2316480"/>
-                  <a:gd name="connsiteY3" fmla="*/ 15248 h 1173488"/>
-                  <a:gd name="connsiteX4" fmla="*/ 1173480 w 2316480"/>
-                  <a:gd name="connsiteY4" fmla="*/ 1143008 h 1173488"/>
-                  <a:gd name="connsiteX5" fmla="*/ 1478280 w 2316480"/>
-                  <a:gd name="connsiteY5" fmla="*/ 15248 h 1173488"/>
-                  <a:gd name="connsiteX6" fmla="*/ 1752600 w 2316480"/>
-                  <a:gd name="connsiteY6" fmla="*/ 1158248 h 1173488"/>
-                  <a:gd name="connsiteX7" fmla="*/ 2026920 w 2316480"/>
-                  <a:gd name="connsiteY7" fmla="*/ 15248 h 1173488"/>
-                  <a:gd name="connsiteX8" fmla="*/ 2316480 w 2316480"/>
-                  <a:gd name="connsiteY8" fmla="*/ 1173488 h 1173488"/>
-                </a:gdLst>
-                <a:ahLst/>
-                <a:cxnLst>
-                  <a:cxn ang="0">
-                    <a:pos x="connsiteX0" y="connsiteY0"/>
-                  </a:cxn>
-                  <a:cxn ang="0">
-                    <a:pos x="connsiteX1" y="connsiteY1"/>
-                  </a:cxn>
-                  <a:cxn ang="0">
-                    <a:pos x="connsiteX2" y="connsiteY2"/>
-                  </a:cxn>
-                  <a:cxn ang="0">
-                    <a:pos x="connsiteX3" y="connsiteY3"/>
-                  </a:cxn>
-                  <a:cxn ang="0">
-                    <a:pos x="connsiteX4" y="connsiteY4"/>
-                  </a:cxn>
-                  <a:cxn ang="0">
-                    <a:pos x="connsiteX5" y="connsiteY5"/>
-                  </a:cxn>
-                  <a:cxn ang="0">
-                    <a:pos x="connsiteX6" y="connsiteY6"/>
-                  </a:cxn>
-                  <a:cxn ang="0">
-                    <a:pos x="connsiteX7" y="connsiteY7"/>
-                  </a:cxn>
-                  <a:cxn ang="0">
-                    <a:pos x="connsiteX8" y="connsiteY8"/>
-                  </a:cxn>
-                </a:cxnLst>
-                <a:rect l="l" t="t" r="r" b="b"/>
-                <a:pathLst>
-                  <a:path w="2316480" h="1173488">
-                    <a:moveTo>
-                      <a:pt x="0" y="1143008"/>
-                    </a:moveTo>
-                    <a:cubicBezTo>
-                      <a:pt x="96520" y="570238"/>
-                      <a:pt x="193040" y="-2532"/>
-                      <a:pt x="289560" y="8"/>
-                    </a:cubicBezTo>
-                    <a:cubicBezTo>
-                      <a:pt x="386080" y="2548"/>
-                      <a:pt x="480060" y="1155708"/>
-                      <a:pt x="579120" y="1158248"/>
-                    </a:cubicBezTo>
-                    <a:cubicBezTo>
-                      <a:pt x="678180" y="1160788"/>
-                      <a:pt x="784860" y="17788"/>
-                      <a:pt x="883920" y="15248"/>
-                    </a:cubicBezTo>
-                    <a:cubicBezTo>
-                      <a:pt x="982980" y="12708"/>
-                      <a:pt x="1074420" y="1143008"/>
-                      <a:pt x="1173480" y="1143008"/>
-                    </a:cubicBezTo>
-                    <a:cubicBezTo>
-                      <a:pt x="1272540" y="1143008"/>
-                      <a:pt x="1381760" y="12708"/>
-                      <a:pt x="1478280" y="15248"/>
-                    </a:cubicBezTo>
-                    <a:cubicBezTo>
-                      <a:pt x="1574800" y="17788"/>
-                      <a:pt x="1661160" y="1158248"/>
-                      <a:pt x="1752600" y="1158248"/>
-                    </a:cubicBezTo>
-                    <a:cubicBezTo>
-                      <a:pt x="1844040" y="1158248"/>
-                      <a:pt x="1932940" y="12708"/>
-                      <a:pt x="2026920" y="15248"/>
-                    </a:cubicBezTo>
-                    <a:cubicBezTo>
-                      <a:pt x="2120900" y="17788"/>
-                      <a:pt x="2218690" y="595638"/>
-                      <a:pt x="2316480" y="1173488"/>
-                    </a:cubicBezTo>
-                  </a:path>
-                </a:pathLst>
-              </a:custGeom>
-              <a:noFill/>
-              <a:ln>
-                <a:solidFill>
-                  <a:schemeClr val="tx1"/>
-                </a:solidFill>
-              </a:ln>
-            </p:spPr>
-            <p:style>
-              <a:lnRef idx="2">
-                <a:schemeClr val="accent1">
-                  <a:shade val="50000"/>
-                </a:schemeClr>
-              </a:lnRef>
-              <a:fillRef idx="1">
-                <a:schemeClr val="accent1"/>
-              </a:fillRef>
-              <a:effectRef idx="0">
-                <a:schemeClr val="accent1"/>
-              </a:effectRef>
-              <a:fontRef idx="minor">
-                <a:schemeClr val="lt1"/>
-              </a:fontRef>
-            </p:style>
-            <p:txBody>
-              <a:bodyPr rtlCol="0" anchor="ctr"/>
-              <a:lstStyle/>
-              <a:p>
-                <a:pPr algn="ctr"/>
-                <a:endParaRPr kumimoji="1" lang="ja-JP" altLang="en-US"/>
-              </a:p>
-            </p:txBody>
-          </p:sp>
-          <p:cxnSp>
-            <p:nvCxnSpPr>
-              <p:cNvPr id="51" name="直線コネクタ 50">
-                <a:extLst>
-                  <a:ext uri="{FF2B5EF4-FFF2-40B4-BE49-F238E27FC236}">
-                    <a16:creationId xmlns:a16="http://schemas.microsoft.com/office/drawing/2014/main" id="{AB70B40C-1F22-4D23-B68F-E44AF9A350D4}"/>
-                  </a:ext>
-                </a:extLst>
-              </p:cNvPr>
-              <p:cNvCxnSpPr/>
-              <p:nvPr/>
-            </p:nvCxnSpPr>
-            <p:spPr>
-              <a:xfrm>
-                <a:off x="11186160" y="3947157"/>
-                <a:ext cx="0" cy="1143000"/>
-              </a:xfrm>
-              <a:prstGeom prst="line">
-                <a:avLst/>
-              </a:prstGeom>
-              <a:ln w="28575">
-                <a:solidFill>
-                  <a:schemeClr val="tx1"/>
-                </a:solidFill>
-                <a:headEnd type="none" w="med" len="med"/>
-                <a:tailEnd type="none" w="med" len="med"/>
-              </a:ln>
-            </p:spPr>
-            <p:style>
-              <a:lnRef idx="1">
-                <a:schemeClr val="accent1"/>
-              </a:lnRef>
-              <a:fillRef idx="0">
-                <a:schemeClr val="accent1"/>
-              </a:fillRef>
-              <a:effectRef idx="0">
-                <a:schemeClr val="accent1"/>
-              </a:effectRef>
-              <a:fontRef idx="minor">
-                <a:schemeClr val="tx1"/>
-              </a:fontRef>
-            </p:style>
-          </p:cxnSp>
-          <p:cxnSp>
-            <p:nvCxnSpPr>
-              <p:cNvPr id="52" name="直線コネクタ 51">
-                <a:extLst>
-                  <a:ext uri="{FF2B5EF4-FFF2-40B4-BE49-F238E27FC236}">
-                    <a16:creationId xmlns:a16="http://schemas.microsoft.com/office/drawing/2014/main" id="{C4ECCB57-7228-4DEC-8551-D3659F3FB0EA}"/>
-                  </a:ext>
-                </a:extLst>
-              </p:cNvPr>
-              <p:cNvCxnSpPr/>
-              <p:nvPr/>
-            </p:nvCxnSpPr>
-            <p:spPr>
-              <a:xfrm>
-                <a:off x="8854440" y="3924300"/>
-                <a:ext cx="0" cy="1143000"/>
-              </a:xfrm>
-              <a:prstGeom prst="line">
-                <a:avLst/>
-              </a:prstGeom>
-              <a:ln w="28575">
-                <a:solidFill>
-                  <a:schemeClr val="tx1"/>
-                </a:solidFill>
-                <a:headEnd type="none" w="med" len="med"/>
-                <a:tailEnd type="none" w="med" len="med"/>
-              </a:ln>
-            </p:spPr>
-            <p:style>
-              <a:lnRef idx="1">
-                <a:schemeClr val="accent1"/>
-              </a:lnRef>
-              <a:fillRef idx="0">
-                <a:schemeClr val="accent1"/>
-              </a:fillRef>
-              <a:effectRef idx="0">
-                <a:schemeClr val="accent1"/>
-              </a:effectRef>
-              <a:fontRef idx="minor">
-                <a:schemeClr val="tx1"/>
-              </a:fontRef>
-            </p:style>
-          </p:cxnSp>
-          <p:cxnSp>
-            <p:nvCxnSpPr>
-              <p:cNvPr id="53" name="直線コネクタ 52">
-                <a:extLst>
-                  <a:ext uri="{FF2B5EF4-FFF2-40B4-BE49-F238E27FC236}">
-                    <a16:creationId xmlns:a16="http://schemas.microsoft.com/office/drawing/2014/main" id="{C6E93AFB-9F2E-4D3D-AAE4-B08D450F59B6}"/>
-                  </a:ext>
-                </a:extLst>
-              </p:cNvPr>
-              <p:cNvCxnSpPr/>
-              <p:nvPr/>
-            </p:nvCxnSpPr>
-            <p:spPr>
-              <a:xfrm>
-                <a:off x="8707032" y="4495800"/>
-                <a:ext cx="2646768" cy="0"/>
-              </a:xfrm>
-              <a:prstGeom prst="line">
-                <a:avLst/>
-              </a:prstGeom>
-              <a:ln w="9525">
-                <a:solidFill>
-                  <a:schemeClr val="tx1"/>
-                </a:solidFill>
-                <a:prstDash val="dashDot"/>
-                <a:headEnd type="none" w="med" len="med"/>
-                <a:tailEnd type="none" w="med" len="med"/>
-              </a:ln>
-            </p:spPr>
-            <p:style>
-              <a:lnRef idx="1">
-                <a:schemeClr val="accent1"/>
-              </a:lnRef>
-              <a:fillRef idx="0">
-                <a:schemeClr val="accent1"/>
-              </a:fillRef>
-              <a:effectRef idx="0">
-                <a:schemeClr val="accent1"/>
-              </a:effectRef>
-              <a:fontRef idx="minor">
-                <a:schemeClr val="tx1"/>
-              </a:fontRef>
-            </p:style>
-          </p:cxnSp>
-        </p:grpSp>
-        <p:cxnSp>
-          <p:nvCxnSpPr>
-            <p:cNvPr id="35" name="直線コネクタ 34">
-              <a:extLst>
-                <a:ext uri="{FF2B5EF4-FFF2-40B4-BE49-F238E27FC236}">
-                  <a16:creationId xmlns:a16="http://schemas.microsoft.com/office/drawing/2014/main" id="{128925DE-A35A-45AD-8EB0-FE3DFF9568EE}"/>
-                </a:ext>
-              </a:extLst>
-            </p:cNvPr>
-            <p:cNvCxnSpPr/>
-            <p:nvPr/>
-          </p:nvCxnSpPr>
-          <p:spPr>
-            <a:xfrm>
-              <a:off x="3032567" y="3920808"/>
-              <a:ext cx="0" cy="1518212"/>
-            </a:xfrm>
-            <a:prstGeom prst="line">
-              <a:avLst/>
-            </a:prstGeom>
-            <a:ln w="28575">
-              <a:solidFill>
-                <a:schemeClr val="tx1"/>
-              </a:solidFill>
-              <a:headEnd type="none" w="med" len="med"/>
-              <a:tailEnd type="none" w="med" len="med"/>
-            </a:ln>
-          </p:spPr>
-          <p:style>
-            <a:lnRef idx="1">
-              <a:schemeClr val="accent1"/>
-            </a:lnRef>
-            <a:fillRef idx="0">
-              <a:schemeClr val="accent1"/>
-            </a:fillRef>
-            <a:effectRef idx="0">
-              <a:schemeClr val="accent1"/>
-            </a:effectRef>
-            <a:fontRef idx="minor">
-              <a:schemeClr val="tx1"/>
-            </a:fontRef>
-          </p:style>
-        </p:cxnSp>
-        <p:cxnSp>
-          <p:nvCxnSpPr>
-            <p:cNvPr id="36" name="直線コネクタ 35">
-              <a:extLst>
-                <a:ext uri="{FF2B5EF4-FFF2-40B4-BE49-F238E27FC236}">
-                  <a16:creationId xmlns:a16="http://schemas.microsoft.com/office/drawing/2014/main" id="{525AFD76-939E-4275-A608-89285E353A95}"/>
-                </a:ext>
-              </a:extLst>
-            </p:cNvPr>
-            <p:cNvCxnSpPr/>
-            <p:nvPr/>
-          </p:nvCxnSpPr>
-          <p:spPr>
-            <a:xfrm>
-              <a:off x="2742497" y="4644200"/>
-              <a:ext cx="290070" cy="0"/>
-            </a:xfrm>
-            <a:prstGeom prst="line">
-              <a:avLst/>
-            </a:prstGeom>
-            <a:ln w="28575">
-              <a:solidFill>
-                <a:schemeClr val="tx1"/>
-              </a:solidFill>
-              <a:headEnd type="none" w="med" len="med"/>
-              <a:tailEnd type="none" w="med" len="med"/>
-            </a:ln>
-          </p:spPr>
-          <p:style>
-            <a:lnRef idx="1">
-              <a:schemeClr val="accent1"/>
-            </a:lnRef>
-            <a:fillRef idx="0">
-              <a:schemeClr val="accent1"/>
-            </a:fillRef>
-            <a:effectRef idx="0">
-              <a:schemeClr val="accent1"/>
-            </a:effectRef>
-            <a:fontRef idx="minor">
-              <a:schemeClr val="tx1"/>
-            </a:fontRef>
-          </p:style>
-        </p:cxnSp>
-        <p:cxnSp>
-          <p:nvCxnSpPr>
-            <p:cNvPr id="37" name="直線コネクタ 36">
-              <a:extLst>
-                <a:ext uri="{FF2B5EF4-FFF2-40B4-BE49-F238E27FC236}">
-                  <a16:creationId xmlns:a16="http://schemas.microsoft.com/office/drawing/2014/main" id="{FAC701C3-935E-4103-B69E-45444F157051}"/>
-                </a:ext>
-              </a:extLst>
-            </p:cNvPr>
-            <p:cNvCxnSpPr/>
-            <p:nvPr/>
-          </p:nvCxnSpPr>
-          <p:spPr>
-            <a:xfrm>
-              <a:off x="3032567" y="3920808"/>
-              <a:ext cx="290070" cy="0"/>
-            </a:xfrm>
-            <a:prstGeom prst="line">
-              <a:avLst/>
-            </a:prstGeom>
-            <a:ln w="28575">
-              <a:solidFill>
-                <a:schemeClr val="tx1"/>
-              </a:solidFill>
-              <a:headEnd type="none" w="med" len="med"/>
-              <a:tailEnd type="none" w="med" len="med"/>
-            </a:ln>
-          </p:spPr>
-          <p:style>
-            <a:lnRef idx="1">
-              <a:schemeClr val="accent1"/>
-            </a:lnRef>
-            <a:fillRef idx="0">
-              <a:schemeClr val="accent1"/>
-            </a:fillRef>
-            <a:effectRef idx="0">
-              <a:schemeClr val="accent1"/>
-            </a:effectRef>
-            <a:fontRef idx="minor">
-              <a:schemeClr val="tx1"/>
-            </a:fontRef>
-          </p:style>
-        </p:cxnSp>
-        <p:cxnSp>
-          <p:nvCxnSpPr>
-            <p:cNvPr id="38" name="直線コネクタ 37">
-              <a:extLst>
-                <a:ext uri="{FF2B5EF4-FFF2-40B4-BE49-F238E27FC236}">
-                  <a16:creationId xmlns:a16="http://schemas.microsoft.com/office/drawing/2014/main" id="{27D9FE56-73E9-45B2-8FDC-09C6D83C64AC}"/>
-                </a:ext>
-              </a:extLst>
-            </p:cNvPr>
-            <p:cNvCxnSpPr/>
-            <p:nvPr/>
-          </p:nvCxnSpPr>
-          <p:spPr>
-            <a:xfrm>
-              <a:off x="3032567" y="5439020"/>
-              <a:ext cx="290070" cy="0"/>
-            </a:xfrm>
-            <a:prstGeom prst="line">
-              <a:avLst/>
-            </a:prstGeom>
-            <a:ln w="28575">
-              <a:solidFill>
-                <a:schemeClr val="tx1"/>
-              </a:solidFill>
-              <a:headEnd type="none" w="med" len="med"/>
-              <a:tailEnd type="none" w="med" len="med"/>
-            </a:ln>
-          </p:spPr>
-          <p:style>
-            <a:lnRef idx="1">
-              <a:schemeClr val="accent1"/>
-            </a:lnRef>
-            <a:fillRef idx="0">
-              <a:schemeClr val="accent1"/>
-            </a:fillRef>
-            <a:effectRef idx="0">
-              <a:schemeClr val="accent1"/>
-            </a:effectRef>
-            <a:fontRef idx="minor">
-              <a:schemeClr val="tx1"/>
-            </a:fontRef>
-          </p:style>
-        </p:cxnSp>
-        <p:cxnSp>
-          <p:nvCxnSpPr>
-            <p:cNvPr id="39" name="直線コネクタ 38">
-              <a:extLst>
-                <a:ext uri="{FF2B5EF4-FFF2-40B4-BE49-F238E27FC236}">
-                  <a16:creationId xmlns:a16="http://schemas.microsoft.com/office/drawing/2014/main" id="{5FB85AAC-F6CE-4167-949F-52FE8F83233E}"/>
-                </a:ext>
-              </a:extLst>
-            </p:cNvPr>
-            <p:cNvCxnSpPr/>
-            <p:nvPr/>
-          </p:nvCxnSpPr>
-          <p:spPr>
-            <a:xfrm>
-              <a:off x="1207065" y="4655775"/>
-              <a:ext cx="290070" cy="0"/>
-            </a:xfrm>
-            <a:prstGeom prst="line">
-              <a:avLst/>
-            </a:prstGeom>
-            <a:ln w="28575">
-              <a:solidFill>
-                <a:schemeClr val="tx1"/>
-              </a:solidFill>
-              <a:headEnd type="none" w="med" len="med"/>
-              <a:tailEnd type="none" w="med" len="med"/>
-            </a:ln>
-          </p:spPr>
-          <p:style>
-            <a:lnRef idx="1">
-              <a:schemeClr val="accent1"/>
-            </a:lnRef>
-            <a:fillRef idx="0">
-              <a:schemeClr val="accent1"/>
-            </a:fillRef>
-            <a:effectRef idx="0">
-              <a:schemeClr val="accent1"/>
-            </a:effectRef>
-            <a:fontRef idx="minor">
-              <a:schemeClr val="tx1"/>
-            </a:fontRef>
-          </p:style>
-        </p:cxnSp>
-        <p:cxnSp>
-          <p:nvCxnSpPr>
-            <p:cNvPr id="40" name="直線コネクタ 39">
-              <a:extLst>
-                <a:ext uri="{FF2B5EF4-FFF2-40B4-BE49-F238E27FC236}">
-                  <a16:creationId xmlns:a16="http://schemas.microsoft.com/office/drawing/2014/main" id="{E6889301-9DC8-430A-951D-A8E09FBDADAD}"/>
-                </a:ext>
-              </a:extLst>
-            </p:cNvPr>
-            <p:cNvCxnSpPr/>
-            <p:nvPr/>
-          </p:nvCxnSpPr>
-          <p:spPr>
-            <a:xfrm>
-              <a:off x="4511495" y="3918493"/>
-              <a:ext cx="290070" cy="0"/>
-            </a:xfrm>
-            <a:prstGeom prst="line">
-              <a:avLst/>
-            </a:prstGeom>
-            <a:ln w="28575">
-              <a:solidFill>
-                <a:schemeClr val="tx1"/>
-              </a:solidFill>
-              <a:headEnd type="none" w="med" len="med"/>
-              <a:tailEnd type="none" w="med" len="med"/>
-            </a:ln>
-          </p:spPr>
-          <p:style>
-            <a:lnRef idx="1">
-              <a:schemeClr val="accent1"/>
-            </a:lnRef>
-            <a:fillRef idx="0">
-              <a:schemeClr val="accent1"/>
-            </a:fillRef>
-            <a:effectRef idx="0">
-              <a:schemeClr val="accent1"/>
-            </a:effectRef>
-            <a:fontRef idx="minor">
-              <a:schemeClr val="tx1"/>
-            </a:fontRef>
-          </p:style>
-        </p:cxnSp>
-        <p:cxnSp>
-          <p:nvCxnSpPr>
-            <p:cNvPr id="42" name="直線コネクタ 41">
-              <a:extLst>
-                <a:ext uri="{FF2B5EF4-FFF2-40B4-BE49-F238E27FC236}">
-                  <a16:creationId xmlns:a16="http://schemas.microsoft.com/office/drawing/2014/main" id="{5D149533-19D3-4615-8557-9B477CCAA518}"/>
-                </a:ext>
-              </a:extLst>
-            </p:cNvPr>
-            <p:cNvCxnSpPr/>
-            <p:nvPr/>
-          </p:nvCxnSpPr>
-          <p:spPr>
-            <a:xfrm>
-              <a:off x="4511495" y="5436705"/>
-              <a:ext cx="290070" cy="0"/>
-            </a:xfrm>
-            <a:prstGeom prst="line">
-              <a:avLst/>
-            </a:prstGeom>
-            <a:ln w="28575">
-              <a:solidFill>
-                <a:schemeClr val="tx1"/>
-              </a:solidFill>
-              <a:headEnd type="none" w="med" len="med"/>
-              <a:tailEnd type="none" w="med" len="med"/>
-            </a:ln>
-          </p:spPr>
-          <p:style>
-            <a:lnRef idx="1">
-              <a:schemeClr val="accent1"/>
-            </a:lnRef>
-            <a:fillRef idx="0">
-              <a:schemeClr val="accent1"/>
-            </a:fillRef>
-            <a:effectRef idx="0">
-              <a:schemeClr val="accent1"/>
-            </a:effectRef>
-            <a:fontRef idx="minor">
-              <a:schemeClr val="tx1"/>
-            </a:fontRef>
-          </p:style>
-        </p:cxnSp>
-        <p:cxnSp>
-          <p:nvCxnSpPr>
-            <p:cNvPr id="43" name="直線コネクタ 42">
-              <a:extLst>
-                <a:ext uri="{FF2B5EF4-FFF2-40B4-BE49-F238E27FC236}">
-                  <a16:creationId xmlns:a16="http://schemas.microsoft.com/office/drawing/2014/main" id="{39CFFCD5-00D9-4FF9-B1D7-AF019ECC7839}"/>
-                </a:ext>
-              </a:extLst>
-            </p:cNvPr>
-            <p:cNvCxnSpPr>
-              <a:cxnSpLocks/>
-            </p:cNvCxnSpPr>
-            <p:nvPr/>
-          </p:nvCxnSpPr>
-          <p:spPr>
-            <a:xfrm>
-              <a:off x="4801565" y="3613253"/>
-              <a:ext cx="0" cy="2132531"/>
-            </a:xfrm>
-            <a:prstGeom prst="line">
-              <a:avLst/>
-            </a:prstGeom>
-            <a:ln w="28575">
-              <a:solidFill>
-                <a:schemeClr val="tx1"/>
-              </a:solidFill>
-              <a:headEnd type="none" w="med" len="med"/>
-              <a:tailEnd type="none" w="med" len="med"/>
-            </a:ln>
-          </p:spPr>
-          <p:style>
-            <a:lnRef idx="1">
-              <a:schemeClr val="accent1"/>
-            </a:lnRef>
-            <a:fillRef idx="0">
-              <a:schemeClr val="accent1"/>
-            </a:fillRef>
-            <a:effectRef idx="0">
-              <a:schemeClr val="accent1"/>
-            </a:effectRef>
-            <a:fontRef idx="minor">
-              <a:schemeClr val="tx1"/>
-            </a:fontRef>
-          </p:style>
-        </p:cxnSp>
-        <p:sp>
-          <p:nvSpPr>
-            <p:cNvPr id="47" name="正方形/長方形 46">
-              <a:extLst>
-                <a:ext uri="{FF2B5EF4-FFF2-40B4-BE49-F238E27FC236}">
-                  <a16:creationId xmlns:a16="http://schemas.microsoft.com/office/drawing/2014/main" id="{900A2200-7CB4-4C20-95EB-C4A384C002F7}"/>
-                </a:ext>
-              </a:extLst>
-            </p:cNvPr>
-            <p:cNvSpPr/>
-            <p:nvPr/>
-          </p:nvSpPr>
-          <p:spPr>
-            <a:xfrm>
-              <a:off x="4825835" y="3599488"/>
-              <a:ext cx="283943" cy="2154163"/>
-            </a:xfrm>
-            <a:prstGeom prst="rect">
-              <a:avLst/>
-            </a:prstGeom>
-            <a:solidFill>
-              <a:schemeClr val="bg1">
-                <a:lumMod val="75000"/>
-              </a:schemeClr>
-            </a:solidFill>
-            <a:ln>
-              <a:noFill/>
-            </a:ln>
-          </p:spPr>
-          <p:style>
-            <a:lnRef idx="2">
-              <a:schemeClr val="accent1">
-                <a:shade val="50000"/>
-              </a:schemeClr>
-            </a:lnRef>
-            <a:fillRef idx="1">
-              <a:schemeClr val="accent1"/>
-            </a:fillRef>
-            <a:effectRef idx="0">
-              <a:schemeClr val="accent1"/>
-            </a:effectRef>
-            <a:fontRef idx="minor">
-              <a:schemeClr val="lt1"/>
-            </a:fontRef>
-          </p:style>
-          <p:txBody>
-            <a:bodyPr rtlCol="0" anchor="ctr"/>
-            <a:lstStyle/>
-            <a:p>
-              <a:pPr algn="ctr"/>
-              <a:endParaRPr kumimoji="1" lang="ja-JP" altLang="en-US"/>
-            </a:p>
-          </p:txBody>
-        </p:sp>
-      </p:grpSp>
-    </p:spTree>
-    <p:extLst>
-      <p:ext uri="{BB962C8B-B14F-4D97-AF65-F5344CB8AC3E}">
-        <p14:creationId xmlns:p14="http://schemas.microsoft.com/office/powerpoint/2010/main" val="3757951659"/>
-      </p:ext>
-    </p:extLst>
-  </p:cSld>
-  <p:clrMapOvr>
-    <a:masterClrMapping/>
-  </p:clrMapOvr>
-</p:sld>
-</file>
-
-<file path=ppt/slides/slide48.xml><?xml version="1.0" encoding="utf-8"?>
-<p:sld xmlns:a="http://schemas.openxmlformats.org/drawingml/2006/main" xmlns:r="http://schemas.openxmlformats.org/officeDocument/2006/relationships" xmlns:p="http://schemas.openxmlformats.org/presentationml/2006/main">
-  <p:cSld>
-    <p:spTree>
-      <p:nvGrpSpPr>
-        <p:cNvPr id="1" name=""/>
-        <p:cNvGrpSpPr/>
-        <p:nvPr/>
-      </p:nvGrpSpPr>
-      <p:grpSpPr>
-        <a:xfrm>
-          <a:off x="0" y="0"/>
-          <a:ext cx="0" cy="0"/>
-          <a:chOff x="0" y="0"/>
-          <a:chExt cx="0" cy="0"/>
-        </a:xfrm>
-      </p:grpSpPr>
-      <p:sp>
-        <p:nvSpPr>
-          <p:cNvPr id="2" name="スライド番号プレースホルダー 1">
-            <a:extLst>
-              <a:ext uri="{FF2B5EF4-FFF2-40B4-BE49-F238E27FC236}">
-                <a16:creationId xmlns:a16="http://schemas.microsoft.com/office/drawing/2014/main" id="{EE2C9BE3-D0C6-4D7D-9E63-4E8652B87CB7}"/>
-              </a:ext>
-            </a:extLst>
-          </p:cNvPr>
-          <p:cNvSpPr>
-            <a:spLocks noGrp="1"/>
-          </p:cNvSpPr>
-          <p:nvPr>
-            <p:ph type="sldNum" sz="quarter" idx="12"/>
-          </p:nvPr>
-        </p:nvSpPr>
-        <p:spPr/>
-        <p:txBody>
-          <a:bodyPr/>
-          <a:lstStyle/>
-          <a:p>
-            <a:fld id="{D836F367-8F14-4921-8441-15DE2D973248}" type="slidenum">
-              <a:rPr kumimoji="1" lang="ja-JP" altLang="en-US" smtClean="0"/>
-              <a:t>48</a:t>
-            </a:fld>
-            <a:endParaRPr kumimoji="1" lang="ja-JP" altLang="en-US"/>
-          </a:p>
-        </p:txBody>
-      </p:sp>
       <p:pic>
         <p:nvPicPr>
           <p:cNvPr id="3" name="図 2">
@@ -33676,7 +30123,7 @@
           <p:nvPr/>
         </p:nvPicPr>
         <p:blipFill>
-          <a:blip r:embed="rId2">
+          <a:blip r:embed="rId2" cstate="hqprint">
             <a:extLst>
               <a:ext uri="{28A0092B-C50C-407E-A947-70E740481C1C}">
                 <a14:useLocalDpi xmlns:a14="http://schemas.microsoft.com/office/drawing/2010/main" val="0"/>
@@ -33956,7 +30403,7 @@
           </a:ln>
           <a:extLst>
             <a:ext uri="{C572A759-6A51-4108-AA02-DFA0A04FC94B}">
-              <ma14:wrappingTextBoxFlag xmlns="" xmlns:ma14="http://schemas.microsoft.com/office/mac/drawingml/2011/main" val="1"/>
+              <ma14:wrappingTextBoxFlag xmlns:ma14="http://schemas.microsoft.com/office/mac/drawingml/2011/main" xmlns="" val="1"/>
             </a:ext>
           </a:extLst>
         </p:spPr>
@@ -34464,7 +30911,7 @@
           <p:nvPr/>
         </p:nvPicPr>
         <p:blipFill>
-          <a:blip r:embed="rId2">
+          <a:blip r:embed="rId2" cstate="hqprint">
             <a:extLst>
               <a:ext uri="{28A0092B-C50C-407E-A947-70E740481C1C}">
                 <a14:useLocalDpi xmlns:a14="http://schemas.microsoft.com/office/drawing/2010/main" val="0"/>
@@ -34511,7 +30958,7 @@
           <p:nvPr/>
         </p:nvPicPr>
         <p:blipFill>
-          <a:blip r:embed="rId2">
+          <a:blip r:embed="rId2" cstate="hqprint">
             <a:extLst>
               <a:ext uri="{28A0092B-C50C-407E-A947-70E740481C1C}">
                 <a14:useLocalDpi xmlns:a14="http://schemas.microsoft.com/office/drawing/2010/main" val="0"/>
@@ -35053,7 +31500,7 @@
           </a:ln>
           <a:extLst>
             <a:ext uri="{C572A759-6A51-4108-AA02-DFA0A04FC94B}">
-              <ma14:wrappingTextBoxFlag xmlns="" xmlns:ma14="http://schemas.microsoft.com/office/mac/drawingml/2011/main" val="1"/>
+              <ma14:wrappingTextBoxFlag xmlns:ma14="http://schemas.microsoft.com/office/mac/drawingml/2011/main" xmlns="" val="1"/>
             </a:ext>
           </a:extLst>
         </p:spPr>
@@ -35762,7 +32209,7 @@
           </a:ln>
           <a:extLst>
             <a:ext uri="{C572A759-6A51-4108-AA02-DFA0A04FC94B}">
-              <ma14:wrappingTextBoxFlag xmlns="" xmlns:ma14="http://schemas.microsoft.com/office/mac/drawingml/2011/main" val="1"/>
+              <ma14:wrappingTextBoxFlag xmlns:ma14="http://schemas.microsoft.com/office/mac/drawingml/2011/main" xmlns="" val="1"/>
             </a:ext>
           </a:extLst>
         </p:spPr>
@@ -36223,7 +32670,7 @@
           <p:nvPr/>
         </p:nvPicPr>
         <p:blipFill>
-          <a:blip r:embed="rId2">
+          <a:blip r:embed="rId2" cstate="hqprint">
             <a:extLst>
               <a:ext uri="{28A0092B-C50C-407E-A947-70E740481C1C}">
                 <a14:useLocalDpi xmlns:a14="http://schemas.microsoft.com/office/drawing/2010/main" val="0"/>
@@ -36270,7 +32717,7 @@
           <p:nvPr/>
         </p:nvPicPr>
         <p:blipFill>
-          <a:blip r:embed="rId2">
+          <a:blip r:embed="rId2" cstate="hqprint">
             <a:extLst>
               <a:ext uri="{28A0092B-C50C-407E-A947-70E740481C1C}">
                 <a14:useLocalDpi xmlns:a14="http://schemas.microsoft.com/office/drawing/2010/main" val="0"/>
@@ -36475,7 +32922,7 @@
             <p:nvPr/>
           </p:nvPicPr>
           <p:blipFill>
-            <a:blip r:embed="rId2">
+            <a:blip r:embed="rId2" cstate="hqprint">
               <a:biLevel thresh="25000"/>
               <a:extLst>
                 <a:ext uri="{28A0092B-C50C-407E-A947-70E740481C1C}">
@@ -36581,7 +33028,7 @@
             <p:nvPr/>
           </p:nvPicPr>
           <p:blipFill>
-            <a:blip r:embed="rId2">
+            <a:blip r:embed="rId2" cstate="hqprint">
               <a:biLevel thresh="25000"/>
               <a:extLst>
                 <a:ext uri="{28A0092B-C50C-407E-A947-70E740481C1C}">
@@ -36881,7 +33328,7 @@
           </a:ln>
           <a:extLst>
             <a:ext uri="{C572A759-6A51-4108-AA02-DFA0A04FC94B}">
-              <ma14:wrappingTextBoxFlag xmlns="" xmlns:ma14="http://schemas.microsoft.com/office/mac/drawingml/2011/main" val="1"/>
+              <ma14:wrappingTextBoxFlag xmlns:ma14="http://schemas.microsoft.com/office/mac/drawingml/2011/main" xmlns="" val="1"/>
             </a:ext>
           </a:extLst>
         </p:spPr>
@@ -38015,7 +34462,7 @@
             <p:nvPr/>
           </p:nvPicPr>
           <p:blipFill>
-            <a:blip r:embed="rId2">
+            <a:blip r:embed="rId2" cstate="hqprint">
               <a:extLst>
                 <a:ext uri="{28A0092B-C50C-407E-A947-70E740481C1C}">
                   <a14:useLocalDpi xmlns:a14="http://schemas.microsoft.com/office/drawing/2010/main" val="0"/>
@@ -38062,7 +34509,7 @@
             <p:nvPr/>
           </p:nvPicPr>
           <p:blipFill>
-            <a:blip r:embed="rId2">
+            <a:blip r:embed="rId2" cstate="hqprint">
               <a:extLst>
                 <a:ext uri="{28A0092B-C50C-407E-A947-70E740481C1C}">
                   <a14:useLocalDpi xmlns:a14="http://schemas.microsoft.com/office/drawing/2010/main" val="0"/>
@@ -38451,7 +34898,7 @@
             <p:nvPr/>
           </p:nvPicPr>
           <p:blipFill>
-            <a:blip r:embed="rId2">
+            <a:blip r:embed="rId2" cstate="hqprint">
               <a:extLst>
                 <a:ext uri="{28A0092B-C50C-407E-A947-70E740481C1C}">
                   <a14:useLocalDpi xmlns:a14="http://schemas.microsoft.com/office/drawing/2010/main" val="0"/>
@@ -38498,7 +34945,7 @@
             <p:nvPr/>
           </p:nvPicPr>
           <p:blipFill>
-            <a:blip r:embed="rId2">
+            <a:blip r:embed="rId2" cstate="hqprint">
               <a:extLst>
                 <a:ext uri="{28A0092B-C50C-407E-A947-70E740481C1C}">
                   <a14:useLocalDpi xmlns:a14="http://schemas.microsoft.com/office/drawing/2010/main" val="0"/>
@@ -39120,7 +35567,7 @@
           </a:ln>
           <a:extLst>
             <a:ext uri="{C572A759-6A51-4108-AA02-DFA0A04FC94B}">
-              <ma14:wrappingTextBoxFlag xmlns="" xmlns:ma14="http://schemas.microsoft.com/office/mac/drawingml/2011/main" val="1"/>
+              <ma14:wrappingTextBoxFlag xmlns:ma14="http://schemas.microsoft.com/office/mac/drawingml/2011/main" xmlns="" val="1"/>
             </a:ext>
           </a:extLst>
         </p:spPr>

--- a/Dev/7_PhysicsDomainModel/OpenModelica_Tutorials_7_PlantModel_Additional.pptx
+++ b/Dev/7_PhysicsDomainModel/OpenModelica_Tutorials_7_PlantModel_Additional.pptx
@@ -253,7 +253,7 @@
           <a:p>
             <a:fld id="{C4670700-DA66-4BAD-8F9F-A4A758D36ABA}" type="datetimeFigureOut">
               <a:rPr kumimoji="1" lang="ja-JP" altLang="en-US" smtClean="0"/>
-              <a:t>2020/9/1</a:t>
+              <a:t>2021/6/23</a:t>
             </a:fld>
             <a:endParaRPr kumimoji="1" lang="ja-JP" altLang="en-US"/>
           </a:p>
@@ -699,7 +699,7 @@
           <a:p>
             <a:fld id="{CA2F2FF0-B0E3-4081-A194-5315B26D72C4}" type="datetime1">
               <a:rPr kumimoji="1" lang="ja-JP" altLang="en-US" smtClean="0"/>
-              <a:t>2020/9/1</a:t>
+              <a:t>2021/6/23</a:t>
             </a:fld>
             <a:endParaRPr kumimoji="1" lang="ja-JP" altLang="en-US"/>
           </a:p>
@@ -929,7 +929,7 @@
           <a:p>
             <a:fld id="{AA0CF445-3D47-45EB-B7B9-640298F78945}" type="datetime1">
               <a:rPr kumimoji="1" lang="ja-JP" altLang="en-US" smtClean="0"/>
-              <a:t>2020/9/1</a:t>
+              <a:t>2021/6/23</a:t>
             </a:fld>
             <a:endParaRPr kumimoji="1" lang="ja-JP" altLang="en-US"/>
           </a:p>
@@ -1169,7 +1169,7 @@
           <a:p>
             <a:fld id="{33274D65-32BF-448B-ADBF-66DCA4E8B106}" type="datetime1">
               <a:rPr kumimoji="1" lang="ja-JP" altLang="en-US" smtClean="0"/>
-              <a:t>2020/9/1</a:t>
+              <a:t>2021/6/23</a:t>
             </a:fld>
             <a:endParaRPr kumimoji="1" lang="ja-JP" altLang="en-US"/>
           </a:p>
@@ -1399,7 +1399,7 @@
           <a:p>
             <a:fld id="{852A9B57-A7E8-419F-90A8-90F2DA777A28}" type="datetime1">
               <a:rPr kumimoji="1" lang="ja-JP" altLang="en-US" smtClean="0"/>
-              <a:t>2020/9/1</a:t>
+              <a:t>2021/6/23</a:t>
             </a:fld>
             <a:endParaRPr kumimoji="1" lang="ja-JP" altLang="en-US"/>
           </a:p>
@@ -1674,7 +1674,7 @@
           <a:p>
             <a:fld id="{C90A889C-334E-44BD-8F41-5AC3386FFD37}" type="datetime1">
               <a:rPr kumimoji="1" lang="ja-JP" altLang="en-US" smtClean="0"/>
-              <a:t>2020/9/1</a:t>
+              <a:t>2021/6/23</a:t>
             </a:fld>
             <a:endParaRPr kumimoji="1" lang="ja-JP" altLang="en-US"/>
           </a:p>
@@ -2003,7 +2003,7 @@
           <a:p>
             <a:fld id="{58879D4E-6DF1-4713-B068-9512627C39B0}" type="datetime1">
               <a:rPr kumimoji="1" lang="ja-JP" altLang="en-US" smtClean="0"/>
-              <a:t>2020/9/1</a:t>
+              <a:t>2021/6/23</a:t>
             </a:fld>
             <a:endParaRPr kumimoji="1" lang="ja-JP" altLang="en-US"/>
           </a:p>
@@ -2479,7 +2479,7 @@
           <a:p>
             <a:fld id="{5DD38707-5E34-46C7-88C2-928145620E78}" type="datetime1">
               <a:rPr kumimoji="1" lang="ja-JP" altLang="en-US" smtClean="0"/>
-              <a:t>2020/9/1</a:t>
+              <a:t>2021/6/23</a:t>
             </a:fld>
             <a:endParaRPr kumimoji="1" lang="ja-JP" altLang="en-US"/>
           </a:p>
@@ -2620,7 +2620,7 @@
           <a:p>
             <a:fld id="{C7D5EE7D-C0B7-4B25-8104-5FCD7D2EAEA8}" type="datetime1">
               <a:rPr kumimoji="1" lang="ja-JP" altLang="en-US" smtClean="0"/>
-              <a:t>2020/9/1</a:t>
+              <a:t>2021/6/23</a:t>
             </a:fld>
             <a:endParaRPr kumimoji="1" lang="ja-JP" altLang="en-US"/>
           </a:p>
@@ -2733,7 +2733,7 @@
           <a:p>
             <a:fld id="{AA028A9A-8812-42D8-A8AC-F30CD1F57465}" type="datetime1">
               <a:rPr kumimoji="1" lang="ja-JP" altLang="en-US" smtClean="0"/>
-              <a:t>2020/9/1</a:t>
+              <a:t>2021/6/23</a:t>
             </a:fld>
             <a:endParaRPr kumimoji="1" lang="ja-JP" altLang="en-US"/>
           </a:p>
@@ -3076,7 +3076,7 @@
           <a:p>
             <a:fld id="{3638306A-7D11-4239-9371-3BFB25B5C686}" type="datetime1">
               <a:rPr kumimoji="1" lang="ja-JP" altLang="en-US" smtClean="0"/>
-              <a:t>2020/9/1</a:t>
+              <a:t>2021/6/23</a:t>
             </a:fld>
             <a:endParaRPr kumimoji="1" lang="ja-JP" altLang="en-US"/>
           </a:p>
@@ -3364,7 +3364,7 @@
           <a:p>
             <a:fld id="{25F8348D-66EA-4186-BB0B-99FB286568FF}" type="datetime1">
               <a:rPr kumimoji="1" lang="ja-JP" altLang="en-US" smtClean="0"/>
-              <a:t>2020/9/1</a:t>
+              <a:t>2021/6/23</a:t>
             </a:fld>
             <a:endParaRPr kumimoji="1" lang="ja-JP" altLang="en-US"/>
           </a:p>
@@ -3637,7 +3637,7 @@
           <a:p>
             <a:fld id="{AC9BD3EC-C0C8-40A6-81F1-9BBFA037EF8B}" type="datetime1">
               <a:rPr kumimoji="1" lang="ja-JP" altLang="en-US" smtClean="0"/>
-              <a:t>2020/9/1</a:t>
+              <a:t>2021/6/23</a:t>
             </a:fld>
             <a:endParaRPr kumimoji="1" lang="ja-JP" altLang="en-US"/>
           </a:p>
@@ -5040,7 +5040,7 @@
           </a:ln>
           <a:extLst>
             <a:ext uri="{C572A759-6A51-4108-AA02-DFA0A04FC94B}">
-              <ma14:wrappingTextBoxFlag xmlns:ma14="http://schemas.microsoft.com/office/mac/drawingml/2011/main" xmlns="" val="1"/>
+              <ma14:wrappingTextBoxFlag xmlns="" xmlns:ma14="http://schemas.microsoft.com/office/mac/drawingml/2011/main" val="1"/>
             </a:ext>
           </a:extLst>
         </p:spPr>
@@ -5221,7 +5221,7 @@
           </a:ln>
           <a:extLst>
             <a:ext uri="{C572A759-6A51-4108-AA02-DFA0A04FC94B}">
-              <ma14:wrappingTextBoxFlag xmlns:ma14="http://schemas.microsoft.com/office/mac/drawingml/2011/main" xmlns="" val="1"/>
+              <ma14:wrappingTextBoxFlag xmlns="" xmlns:ma14="http://schemas.microsoft.com/office/mac/drawingml/2011/main" val="1"/>
             </a:ext>
           </a:extLst>
         </p:spPr>
@@ -5331,7 +5331,7 @@
                 </a:r>
                 <a:r>
                   <a:rPr lang="ja-JP" altLang="en-US" sz="2400" dirty="0"/>
-                  <a:t>は避けるため、</a:t>
+                  <a:t>を避けるため、</a:t>
                 </a:r>
                 <a:r>
                   <a:rPr lang="en-US" altLang="ja-JP" sz="2400" dirty="0"/>
@@ -5712,8 +5712,8 @@
         </p:nvSpPr>
         <p:spPr>
           <a:xfrm flipV="1">
-            <a:off x="3137256" y="3612367"/>
-            <a:ext cx="4340506" cy="92599"/>
+            <a:off x="3137256" y="3612366"/>
+            <a:ext cx="4116984" cy="101113"/>
           </a:xfrm>
           <a:custGeom>
             <a:avLst/>
@@ -6506,7 +6506,7 @@
           </a:ln>
           <a:extLst>
             <a:ext uri="{C572A759-6A51-4108-AA02-DFA0A04FC94B}">
-              <ma14:wrappingTextBoxFlag xmlns:ma14="http://schemas.microsoft.com/office/mac/drawingml/2011/main" xmlns="" val="1"/>
+              <ma14:wrappingTextBoxFlag xmlns="" xmlns:ma14="http://schemas.microsoft.com/office/mac/drawingml/2011/main" val="1"/>
             </a:ext>
           </a:extLst>
         </p:spPr>
@@ -8495,7 +8495,7 @@
           </a:ln>
           <a:extLst>
             <a:ext uri="{C572A759-6A51-4108-AA02-DFA0A04FC94B}">
-              <ma14:wrappingTextBoxFlag xmlns:ma14="http://schemas.microsoft.com/office/mac/drawingml/2011/main" xmlns="" val="1"/>
+              <ma14:wrappingTextBoxFlag xmlns="" xmlns:ma14="http://schemas.microsoft.com/office/mac/drawingml/2011/main" val="1"/>
             </a:ext>
           </a:extLst>
         </p:spPr>
@@ -10891,7 +10891,7 @@
           </a:ln>
           <a:extLst>
             <a:ext uri="{C572A759-6A51-4108-AA02-DFA0A04FC94B}">
-              <ma14:wrappingTextBoxFlag xmlns:ma14="http://schemas.microsoft.com/office/mac/drawingml/2011/main" xmlns="" val="1"/>
+              <ma14:wrappingTextBoxFlag xmlns="" xmlns:ma14="http://schemas.microsoft.com/office/mac/drawingml/2011/main" val="1"/>
             </a:ext>
           </a:extLst>
         </p:spPr>
@@ -12841,7 +12841,7 @@
             <p:spPr>
               <a:xfrm>
                 <a:off x="7206391" y="2639267"/>
-                <a:ext cx="2976712" cy="1436675"/>
+                <a:ext cx="3019994" cy="1436675"/>
               </a:xfrm>
               <a:prstGeom prst="rect">
                 <a:avLst/>
@@ -12984,7 +12984,7 @@
             <p:spPr>
               <a:xfrm>
                 <a:off x="7206391" y="2639267"/>
-                <a:ext cx="2976712" cy="1436675"/>
+                <a:ext cx="3019994" cy="1436675"/>
               </a:xfrm>
               <a:prstGeom prst="rect">
                 <a:avLst/>
@@ -13028,7 +13028,7 @@
             <p:spPr>
               <a:xfrm>
                 <a:off x="7268936" y="4714362"/>
-                <a:ext cx="4580164" cy="1436675"/>
+                <a:ext cx="4658711" cy="1436675"/>
               </a:xfrm>
               <a:prstGeom prst="rect">
                 <a:avLst/>
@@ -13213,7 +13213,7 @@
             <p:spPr>
               <a:xfrm>
                 <a:off x="7268936" y="4714362"/>
-                <a:ext cx="4580164" cy="1436675"/>
+                <a:ext cx="4658711" cy="1436675"/>
               </a:xfrm>
               <a:prstGeom prst="rect">
                 <a:avLst/>
@@ -13383,7 +13383,7 @@
           </a:ln>
           <a:extLst>
             <a:ext uri="{C572A759-6A51-4108-AA02-DFA0A04FC94B}">
-              <ma14:wrappingTextBoxFlag xmlns:ma14="http://schemas.microsoft.com/office/mac/drawingml/2011/main" xmlns="" val="1"/>
+              <ma14:wrappingTextBoxFlag xmlns="" xmlns:ma14="http://schemas.microsoft.com/office/mac/drawingml/2011/main" val="1"/>
             </a:ext>
           </a:extLst>
         </p:spPr>
@@ -13870,7 +13870,7 @@
           </a:ln>
           <a:extLst>
             <a:ext uri="{C572A759-6A51-4108-AA02-DFA0A04FC94B}">
-              <ma14:wrappingTextBoxFlag xmlns:ma14="http://schemas.microsoft.com/office/mac/drawingml/2011/main" xmlns="" val="1"/>
+              <ma14:wrappingTextBoxFlag xmlns="" xmlns:ma14="http://schemas.microsoft.com/office/mac/drawingml/2011/main" val="1"/>
             </a:ext>
           </a:extLst>
         </p:spPr>
@@ -14046,7 +14046,7 @@
           </a:ln>
           <a:extLst>
             <a:ext uri="{C572A759-6A51-4108-AA02-DFA0A04FC94B}">
-              <ma14:wrappingTextBoxFlag xmlns:ma14="http://schemas.microsoft.com/office/mac/drawingml/2011/main" xmlns="" val="1"/>
+              <ma14:wrappingTextBoxFlag xmlns="" xmlns:ma14="http://schemas.microsoft.com/office/mac/drawingml/2011/main" val="1"/>
             </a:ext>
           </a:extLst>
         </p:spPr>
@@ -14098,7 +14098,7 @@
         </p:nvSpPr>
         <p:spPr>
           <a:xfrm>
-            <a:off x="373174" y="1239725"/>
+            <a:off x="373174" y="1244805"/>
             <a:ext cx="11605466" cy="1200329"/>
           </a:xfrm>
           <a:prstGeom prst="rect">
@@ -14127,7 +14127,7 @@
             <a:pPr algn="l"/>
             <a:r>
               <a:rPr kumimoji="1" lang="ja-JP" altLang="en-US" sz="2400" dirty="0"/>
-              <a:t>　コンポーネント内に流動量が流入する場合に適切な結果を返します</a:t>
+              <a:t>　ポートに流動量が流出する場合に適切な結果を返します</a:t>
             </a:r>
             <a:endParaRPr kumimoji="1" lang="en-US" altLang="ja-JP" sz="2400" dirty="0"/>
           </a:p>
@@ -14135,7 +14135,7 @@
             <a:pPr algn="l"/>
             <a:r>
               <a:rPr kumimoji="1" lang="ja-JP" altLang="en-US" sz="2400" dirty="0"/>
-              <a:t>　流出する場合は、流出先の値を参照して結果を返します</a:t>
+              <a:t>　流入する場合は、流出先の値を参照して結果を返します</a:t>
             </a:r>
             <a:endParaRPr kumimoji="1" lang="en-US" altLang="ja-JP" sz="2400" dirty="0"/>
           </a:p>
@@ -14479,7 +14479,7 @@
           </a:ln>
           <a:extLst>
             <a:ext uri="{C572A759-6A51-4108-AA02-DFA0A04FC94B}">
-              <ma14:wrappingTextBoxFlag xmlns:ma14="http://schemas.microsoft.com/office/mac/drawingml/2011/main" xmlns="" val="1"/>
+              <ma14:wrappingTextBoxFlag xmlns="" xmlns:ma14="http://schemas.microsoft.com/office/mac/drawingml/2011/main" val="1"/>
             </a:ext>
           </a:extLst>
         </p:spPr>
@@ -14830,7 +14830,7 @@
           </a:ln>
           <a:extLst>
             <a:ext uri="{C572A759-6A51-4108-AA02-DFA0A04FC94B}">
-              <ma14:wrappingTextBoxFlag xmlns:ma14="http://schemas.microsoft.com/office/mac/drawingml/2011/main" xmlns="" val="1"/>
+              <ma14:wrappingTextBoxFlag xmlns="" xmlns:ma14="http://schemas.microsoft.com/office/mac/drawingml/2011/main" val="1"/>
             </a:ext>
           </a:extLst>
         </p:spPr>
@@ -14970,7 +14970,7 @@
           </a:ln>
           <a:extLst>
             <a:ext uri="{C572A759-6A51-4108-AA02-DFA0A04FC94B}">
-              <ma14:wrappingTextBoxFlag xmlns:ma14="http://schemas.microsoft.com/office/mac/drawingml/2011/main" xmlns="" val="1"/>
+              <ma14:wrappingTextBoxFlag xmlns="" xmlns:ma14="http://schemas.microsoft.com/office/mac/drawingml/2011/main" val="1"/>
             </a:ext>
           </a:extLst>
         </p:spPr>
@@ -15586,7 +15586,7 @@
           </a:ln>
           <a:extLst>
             <a:ext uri="{C572A759-6A51-4108-AA02-DFA0A04FC94B}">
-              <ma14:wrappingTextBoxFlag xmlns:ma14="http://schemas.microsoft.com/office/mac/drawingml/2011/main" xmlns="" val="1"/>
+              <ma14:wrappingTextBoxFlag xmlns="" xmlns:ma14="http://schemas.microsoft.com/office/mac/drawingml/2011/main" val="1"/>
             </a:ext>
           </a:extLst>
         </p:spPr>
@@ -15874,7 +15874,7 @@
           </a:ln>
           <a:extLst>
             <a:ext uri="{C572A759-6A51-4108-AA02-DFA0A04FC94B}">
-              <ma14:wrappingTextBoxFlag xmlns:ma14="http://schemas.microsoft.com/office/mac/drawingml/2011/main" xmlns="" val="1"/>
+              <ma14:wrappingTextBoxFlag xmlns="" xmlns:ma14="http://schemas.microsoft.com/office/mac/drawingml/2011/main" val="1"/>
             </a:ext>
           </a:extLst>
         </p:spPr>
@@ -16064,8 +16064,8 @@
         </p:nvSpPr>
         <p:spPr>
           <a:xfrm>
-            <a:off x="1237016" y="4921224"/>
-            <a:ext cx="3726133" cy="1200329"/>
+            <a:off x="655320" y="5022824"/>
+            <a:ext cx="3931909" cy="830997"/>
           </a:xfrm>
           <a:prstGeom prst="rect">
             <a:avLst/>
@@ -16089,16 +16089,12 @@
             </a:r>
             <a:r>
               <a:rPr kumimoji="1" lang="ja-JP" altLang="en-US" sz="2400" dirty="0"/>
-              <a:t>毎に整理し</a:t>
+              <a:t>に対して</a:t>
             </a:r>
             <a:endParaRPr kumimoji="1" lang="en-US" altLang="ja-JP" sz="2400" dirty="0"/>
           </a:p>
           <a:p>
             <a:pPr algn="l"/>
-            <a:r>
-              <a:rPr kumimoji="1" lang="ja-JP" altLang="en-US" sz="2400" dirty="0"/>
-              <a:t>それらを</a:t>
-            </a:r>
             <a:r>
               <a:rPr kumimoji="1" lang="en-US" altLang="ja-JP" sz="2400" dirty="0" err="1"/>
               <a:t>inStream</a:t>
@@ -16195,7 +16191,7 @@
           </a:ln>
           <a:extLst>
             <a:ext uri="{C572A759-6A51-4108-AA02-DFA0A04FC94B}">
-              <ma14:wrappingTextBoxFlag xmlns:ma14="http://schemas.microsoft.com/office/mac/drawingml/2011/main" xmlns="" val="1"/>
+              <ma14:wrappingTextBoxFlag xmlns="" xmlns:ma14="http://schemas.microsoft.com/office/mac/drawingml/2011/main" val="1"/>
             </a:ext>
           </a:extLst>
         </p:spPr>
@@ -16581,7 +16577,7 @@
           </a:ln>
           <a:extLst>
             <a:ext uri="{C572A759-6A51-4108-AA02-DFA0A04FC94B}">
-              <ma14:wrappingTextBoxFlag xmlns:ma14="http://schemas.microsoft.com/office/mac/drawingml/2011/main" xmlns="" val="1"/>
+              <ma14:wrappingTextBoxFlag xmlns="" xmlns:ma14="http://schemas.microsoft.com/office/mac/drawingml/2011/main" val="1"/>
             </a:ext>
           </a:extLst>
         </p:spPr>
@@ -16984,7 +16980,7 @@
           </a:ln>
           <a:extLst>
             <a:ext uri="{C572A759-6A51-4108-AA02-DFA0A04FC94B}">
-              <ma14:wrappingTextBoxFlag xmlns:ma14="http://schemas.microsoft.com/office/mac/drawingml/2011/main" xmlns="" val="1"/>
+              <ma14:wrappingTextBoxFlag xmlns="" xmlns:ma14="http://schemas.microsoft.com/office/mac/drawingml/2011/main" val="1"/>
             </a:ext>
           </a:extLst>
         </p:spPr>
@@ -17387,7 +17383,7 @@
           </a:ln>
           <a:extLst>
             <a:ext uri="{C572A759-6A51-4108-AA02-DFA0A04FC94B}">
-              <ma14:wrappingTextBoxFlag xmlns:ma14="http://schemas.microsoft.com/office/mac/drawingml/2011/main" xmlns="" val="1"/>
+              <ma14:wrappingTextBoxFlag xmlns="" xmlns:ma14="http://schemas.microsoft.com/office/mac/drawingml/2011/main" val="1"/>
             </a:ext>
           </a:extLst>
         </p:spPr>
@@ -17736,7 +17732,7 @@
           </a:ln>
           <a:extLst>
             <a:ext uri="{C572A759-6A51-4108-AA02-DFA0A04FC94B}">
-              <ma14:wrappingTextBoxFlag xmlns:ma14="http://schemas.microsoft.com/office/mac/drawingml/2011/main" xmlns="" val="1"/>
+              <ma14:wrappingTextBoxFlag xmlns="" xmlns:ma14="http://schemas.microsoft.com/office/mac/drawingml/2011/main" val="1"/>
             </a:ext>
           </a:extLst>
         </p:spPr>
@@ -18019,7 +18015,7 @@
           </a:ln>
           <a:extLst>
             <a:ext uri="{C572A759-6A51-4108-AA02-DFA0A04FC94B}">
-              <ma14:wrappingTextBoxFlag xmlns:ma14="http://schemas.microsoft.com/office/mac/drawingml/2011/main" xmlns="" val="1"/>
+              <ma14:wrappingTextBoxFlag xmlns="" xmlns:ma14="http://schemas.microsoft.com/office/mac/drawingml/2011/main" val="1"/>
             </a:ext>
           </a:extLst>
         </p:spPr>
@@ -18527,7 +18523,7 @@
           </a:ln>
           <a:extLst>
             <a:ext uri="{C572A759-6A51-4108-AA02-DFA0A04FC94B}">
-              <ma14:wrappingTextBoxFlag xmlns:ma14="http://schemas.microsoft.com/office/mac/drawingml/2011/main" xmlns="" val="1"/>
+              <ma14:wrappingTextBoxFlag xmlns="" xmlns:ma14="http://schemas.microsoft.com/office/mac/drawingml/2011/main" val="1"/>
             </a:ext>
           </a:extLst>
         </p:spPr>
@@ -18932,7 +18928,7 @@
           </a:ln>
           <a:extLst>
             <a:ext uri="{C572A759-6A51-4108-AA02-DFA0A04FC94B}">
-              <ma14:wrappingTextBoxFlag xmlns:ma14="http://schemas.microsoft.com/office/mac/drawingml/2011/main" xmlns="" val="1"/>
+              <ma14:wrappingTextBoxFlag xmlns="" xmlns:ma14="http://schemas.microsoft.com/office/mac/drawingml/2011/main" val="1"/>
             </a:ext>
           </a:extLst>
         </p:spPr>
@@ -19051,7 +19047,7 @@
           </a:ln>
           <a:extLst>
             <a:ext uri="{C572A759-6A51-4108-AA02-DFA0A04FC94B}">
-              <ma14:wrappingTextBoxFlag xmlns:ma14="http://schemas.microsoft.com/office/mac/drawingml/2011/main" xmlns="" val="1"/>
+              <ma14:wrappingTextBoxFlag xmlns="" xmlns:ma14="http://schemas.microsoft.com/office/mac/drawingml/2011/main" val="1"/>
             </a:ext>
           </a:extLst>
         </p:spPr>
@@ -19585,7 +19581,7 @@
         <p:spPr>
           <a:xfrm>
             <a:off x="6459527" y="398143"/>
-            <a:ext cx="2031325" cy="461665"/>
+            <a:ext cx="2297424" cy="461665"/>
           </a:xfrm>
           <a:prstGeom prst="rect">
             <a:avLst/>
@@ -19601,8 +19597,13 @@
             <a:pPr algn="l"/>
             <a:r>
               <a:rPr kumimoji="1" lang="ja-JP" altLang="en-US" sz="2400" dirty="0"/>
-              <a:t>アクロス変数</a:t>
-            </a:r>
+              <a:t>アクロス変数 </a:t>
+            </a:r>
+            <a:r>
+              <a:rPr kumimoji="1" lang="en-US" altLang="ja-JP" sz="2400" dirty="0"/>
+              <a:t>p</a:t>
+            </a:r>
+            <a:endParaRPr kumimoji="1" lang="ja-JP" altLang="en-US" sz="2400" dirty="0"/>
           </a:p>
         </p:txBody>
       </p:sp>
@@ -19621,7 +19622,7 @@
         <p:spPr>
           <a:xfrm>
             <a:off x="6459527" y="1802542"/>
-            <a:ext cx="1723549" cy="461665"/>
+            <a:ext cx="2076209" cy="461665"/>
           </a:xfrm>
           <a:prstGeom prst="rect">
             <a:avLst/>
@@ -19637,8 +19638,13 @@
             <a:pPr algn="l"/>
             <a:r>
               <a:rPr kumimoji="1" lang="ja-JP" altLang="en-US" sz="2400" dirty="0"/>
-              <a:t>フロー変数</a:t>
-            </a:r>
+              <a:t>フロー変数 </a:t>
+            </a:r>
+            <a:r>
+              <a:rPr kumimoji="1" lang="en-US" altLang="ja-JP" sz="2400" dirty="0"/>
+              <a:t>m</a:t>
+            </a:r>
+            <a:endParaRPr kumimoji="1" lang="ja-JP" altLang="en-US" sz="2400" dirty="0"/>
           </a:p>
         </p:txBody>
       </p:sp>
@@ -19874,7 +19880,7 @@
             <p:spPr>
               <a:xfrm>
                 <a:off x="4417367" y="4270491"/>
-                <a:ext cx="5886099" cy="461665"/>
+                <a:ext cx="7176836" cy="461665"/>
               </a:xfrm>
               <a:prstGeom prst="rect">
                 <a:avLst/>
@@ -19889,15 +19895,23 @@
               <a:p>
                 <a:r>
                   <a:rPr kumimoji="1" lang="ja-JP" altLang="en-US" sz="2400" dirty="0"/>
-                  <a:t>ストリーム変数</a:t>
+                  <a:t>ストリーム変数 </a:t>
                 </a:r>
                 <a:r>
                   <a:rPr kumimoji="1" lang="en-US" altLang="ja-JP" sz="2400" dirty="0"/>
-                  <a:t>(</a:t>
+                  <a:t>h(</a:t>
                 </a:r>
                 <a:r>
                   <a:rPr kumimoji="1" lang="ja-JP" altLang="en-US" sz="2400" dirty="0"/>
-                  <a:t>３のポートの場合 </a:t>
+                  <a:t>ブロック</a:t>
+                </a:r>
+                <a:r>
+                  <a:rPr kumimoji="1" lang="en-US" altLang="ja-JP" sz="2400" dirty="0"/>
+                  <a:t>3</a:t>
+                </a:r>
+                <a:r>
+                  <a:rPr kumimoji="1" lang="ja-JP" altLang="en-US" sz="2400" dirty="0"/>
+                  <a:t>のポートの場合 </a:t>
                 </a:r>
                 <a14:m>
                   <m:oMath xmlns:m="http://schemas.openxmlformats.org/officeDocument/2006/math">
@@ -19957,7 +19971,7 @@
             <p:spPr>
               <a:xfrm>
                 <a:off x="4417367" y="4270491"/>
-                <a:ext cx="5886099" cy="461665"/>
+                <a:ext cx="7176836" cy="461665"/>
               </a:xfrm>
               <a:prstGeom prst="rect">
                 <a:avLst/>
@@ -19965,7 +19979,7 @@
               <a:blipFill>
                 <a:blip r:embed="rId3"/>
                 <a:stretch>
-                  <a:fillRect l="-1658" t="-10667" b="-30667"/>
+                  <a:fillRect l="-1359" t="-10667" r="-340" b="-30667"/>
                 </a:stretch>
               </a:blipFill>
             </p:spPr>
@@ -20194,12 +20208,31 @@
                                                     </a:rPr>
                                                     <m:t>−</m:t>
                                                   </m:r>
-                                                  <m:r>
-                                                    <a:rPr lang="en-US" altLang="ja-JP" sz="2400" i="1">
-                                                      <a:latin typeface="Cambria Math" panose="02040503050406030204" pitchFamily="18" charset="0"/>
-                                                    </a:rPr>
-                                                    <m:t>𝑚𝑖</m:t>
-                                                  </m:r>
+                                                  <m:sSub>
+                                                    <m:sSubPr>
+                                                      <m:ctrlPr>
+                                                        <a:rPr lang="en-US" altLang="ja-JP" sz="2400" b="0" i="1" smtClean="0">
+                                                          <a:latin typeface="Cambria Math" panose="02040503050406030204" pitchFamily="18" charset="0"/>
+                                                        </a:rPr>
+                                                      </m:ctrlPr>
+                                                    </m:sSubPr>
+                                                    <m:e>
+                                                      <m:r>
+                                                        <a:rPr lang="en-US" altLang="ja-JP" sz="2400" i="1">
+                                                          <a:latin typeface="Cambria Math" panose="02040503050406030204" pitchFamily="18" charset="0"/>
+                                                        </a:rPr>
+                                                        <m:t>𝑚</m:t>
+                                                      </m:r>
+                                                    </m:e>
+                                                    <m:sub>
+                                                      <m:r>
+                                                        <a:rPr lang="en-US" altLang="ja-JP" sz="2400" b="0" i="1" smtClean="0">
+                                                          <a:latin typeface="Cambria Math" panose="02040503050406030204" pitchFamily="18" charset="0"/>
+                                                        </a:rPr>
+                                                        <m:t>𝑖</m:t>
+                                                      </m:r>
+                                                    </m:sub>
+                                                  </m:sSub>
                                                   <m:r>
                                                     <a:rPr lang="en-US" altLang="ja-JP" sz="2400" i="1">
                                                       <a:latin typeface="Cambria Math" panose="02040503050406030204" pitchFamily="18" charset="0"/>
@@ -20261,12 +20294,31 @@
                                             </a:rPr>
                                             <m:t>⁡(−</m:t>
                                           </m:r>
-                                          <m:r>
-                                            <a:rPr lang="en-US" altLang="ja-JP" sz="2400" i="1">
-                                              <a:latin typeface="Cambria Math" panose="02040503050406030204" pitchFamily="18" charset="0"/>
-                                            </a:rPr>
-                                            <m:t>𝑚𝑖</m:t>
-                                          </m:r>
+                                          <m:sSub>
+                                            <m:sSubPr>
+                                              <m:ctrlPr>
+                                                <a:rPr lang="en-US" altLang="ja-JP" sz="2400" b="0" i="1" smtClean="0">
+                                                  <a:latin typeface="Cambria Math" panose="02040503050406030204" pitchFamily="18" charset="0"/>
+                                                </a:rPr>
+                                              </m:ctrlPr>
+                                            </m:sSubPr>
+                                            <m:e>
+                                              <m:r>
+                                                <a:rPr lang="en-US" altLang="ja-JP" sz="2400" i="1">
+                                                  <a:latin typeface="Cambria Math" panose="02040503050406030204" pitchFamily="18" charset="0"/>
+                                                </a:rPr>
+                                                <m:t>𝑚</m:t>
+                                              </m:r>
+                                            </m:e>
+                                            <m:sub>
+                                              <m:r>
+                                                <a:rPr lang="en-US" altLang="ja-JP" sz="2400" b="0" i="1" smtClean="0">
+                                                  <a:latin typeface="Cambria Math" panose="02040503050406030204" pitchFamily="18" charset="0"/>
+                                                </a:rPr>
+                                                <m:t>𝑖</m:t>
+                                              </m:r>
+                                            </m:sub>
+                                          </m:sSub>
                                           <m:r>
                                             <a:rPr lang="en-US" altLang="ja-JP" sz="2400" i="1">
                                               <a:latin typeface="Cambria Math" panose="02040503050406030204" pitchFamily="18" charset="0"/>
@@ -20757,17 +20809,36 @@
                 <a14:m>
                   <m:oMath xmlns:m="http://schemas.openxmlformats.org/officeDocument/2006/math">
                     <m:r>
-                      <a:rPr lang="en-US" altLang="ja-JP" sz="2400" i="1">
+                      <a:rPr lang="en-US" altLang="ja-JP" sz="2400" i="1" smtClean="0">
                         <a:latin typeface="Cambria Math" panose="02040503050406030204" pitchFamily="18" charset="0"/>
                       </a:rPr>
                       <m:t>(</m:t>
                     </m:r>
-                    <m:r>
-                      <a:rPr lang="en-US" altLang="ja-JP" sz="2400" i="1">
-                        <a:latin typeface="Cambria Math" panose="02040503050406030204" pitchFamily="18" charset="0"/>
-                      </a:rPr>
-                      <m:t>𝑚𝑖</m:t>
-                    </m:r>
+                    <m:sSub>
+                      <m:sSubPr>
+                        <m:ctrlPr>
+                          <a:rPr lang="en-US" altLang="ja-JP" sz="2400" b="0" i="1" smtClean="0">
+                            <a:latin typeface="Cambria Math" panose="02040503050406030204" pitchFamily="18" charset="0"/>
+                          </a:rPr>
+                        </m:ctrlPr>
+                      </m:sSubPr>
+                      <m:e>
+                        <m:r>
+                          <a:rPr lang="en-US" altLang="ja-JP" sz="2400" i="1" smtClean="0">
+                            <a:latin typeface="Cambria Math" panose="02040503050406030204" pitchFamily="18" charset="0"/>
+                          </a:rPr>
+                          <m:t>𝑚</m:t>
+                        </m:r>
+                      </m:e>
+                      <m:sub>
+                        <m:r>
+                          <a:rPr lang="en-US" altLang="ja-JP" sz="2400" b="0" i="1" smtClean="0">
+                            <a:latin typeface="Cambria Math" panose="02040503050406030204" pitchFamily="18" charset="0"/>
+                          </a:rPr>
+                          <m:t>𝑖</m:t>
+                        </m:r>
+                      </m:sub>
+                    </m:sSub>
                     <m:r>
                       <a:rPr lang="en-US" altLang="ja-JP" sz="2400" i="1">
                         <a:latin typeface="Cambria Math" panose="02040503050406030204" pitchFamily="18" charset="0"/>
@@ -20872,12 +20943,31 @@
                       </a:rPr>
                       <m:t>(</m:t>
                     </m:r>
-                    <m:r>
-                      <a:rPr lang="en-US" altLang="ja-JP" sz="2400" i="1" smtClean="0">
-                        <a:latin typeface="Cambria Math" panose="02040503050406030204" pitchFamily="18" charset="0"/>
-                      </a:rPr>
-                      <m:t>𝑚𝑖</m:t>
-                    </m:r>
+                    <m:sSub>
+                      <m:sSubPr>
+                        <m:ctrlPr>
+                          <a:rPr lang="en-US" altLang="ja-JP" sz="2400" b="0" i="1" smtClean="0">
+                            <a:latin typeface="Cambria Math" panose="02040503050406030204" pitchFamily="18" charset="0"/>
+                          </a:rPr>
+                        </m:ctrlPr>
+                      </m:sSubPr>
+                      <m:e>
+                        <m:r>
+                          <a:rPr lang="en-US" altLang="ja-JP" sz="2400" i="1" smtClean="0">
+                            <a:latin typeface="Cambria Math" panose="02040503050406030204" pitchFamily="18" charset="0"/>
+                          </a:rPr>
+                          <m:t>𝑚</m:t>
+                        </m:r>
+                      </m:e>
+                      <m:sub>
+                        <m:r>
+                          <a:rPr lang="en-US" altLang="ja-JP" sz="2400" b="0" i="1" smtClean="0">
+                            <a:latin typeface="Cambria Math" panose="02040503050406030204" pitchFamily="18" charset="0"/>
+                          </a:rPr>
+                          <m:t>𝑖</m:t>
+                        </m:r>
+                      </m:sub>
+                    </m:sSub>
                     <m:r>
                       <a:rPr lang="en-US" altLang="ja-JP" sz="2400" b="0" i="1" smtClean="0">
                         <a:latin typeface="Cambria Math" panose="02040503050406030204" pitchFamily="18" charset="0"/>
@@ -27239,7 +27329,7 @@
           </a:ln>
           <a:extLst>
             <a:ext uri="{C572A759-6A51-4108-AA02-DFA0A04FC94B}">
-              <ma14:wrappingTextBoxFlag xmlns:ma14="http://schemas.microsoft.com/office/mac/drawingml/2011/main" xmlns="" val="1"/>
+              <ma14:wrappingTextBoxFlag xmlns="" xmlns:ma14="http://schemas.microsoft.com/office/mac/drawingml/2011/main" val="1"/>
             </a:ext>
           </a:extLst>
         </p:spPr>
@@ -27280,7 +27370,7 @@
         <p:spPr>
           <a:xfrm>
             <a:off x="308830" y="676311"/>
-            <a:ext cx="10886313" cy="1200329"/>
+            <a:ext cx="11194090" cy="1200329"/>
           </a:xfrm>
           <a:prstGeom prst="rect">
             <a:avLst/>
@@ -27326,7 +27416,7 @@
             </a:r>
             <a:r>
               <a:rPr kumimoji="1" lang="ja-JP" altLang="en-US" sz="2400" dirty="0"/>
-              <a:t>花粉など</a:t>
+              <a:t>花粉や成分濃度など</a:t>
             </a:r>
             <a:r>
               <a:rPr kumimoji="1" lang="en-US" altLang="ja-JP" sz="2400" dirty="0"/>
@@ -27365,7 +27455,7 @@
         </p:nvSpPr>
         <p:spPr>
           <a:xfrm>
-            <a:off x="7121199" y="3136190"/>
+            <a:off x="7111039" y="2768840"/>
             <a:ext cx="4534927" cy="1200329"/>
           </a:xfrm>
           <a:prstGeom prst="rect">
@@ -27410,7 +27500,7 @@
         </p:nvGrpSpPr>
         <p:grpSpPr>
           <a:xfrm>
-            <a:off x="1222258" y="2729030"/>
+            <a:off x="1212098" y="2361680"/>
             <a:ext cx="5380223" cy="1543145"/>
             <a:chOff x="60869" y="2214828"/>
             <a:chExt cx="6990496" cy="2005001"/>
@@ -27767,7 +27857,7 @@
         </p:nvSpPr>
         <p:spPr>
           <a:xfrm>
-            <a:off x="655320" y="5109816"/>
+            <a:off x="1622367" y="5178748"/>
             <a:ext cx="9943089" cy="1000835"/>
           </a:xfrm>
           <a:prstGeom prst="roundRect">
@@ -27831,7 +27921,7 @@
         </p:nvGrpSpPr>
         <p:grpSpPr>
           <a:xfrm>
-            <a:off x="2158577" y="3377632"/>
+            <a:off x="2148417" y="3010282"/>
             <a:ext cx="3627696" cy="772624"/>
             <a:chOff x="1723699" y="3040787"/>
             <a:chExt cx="5707204" cy="1215516"/>
@@ -28234,7 +28324,7 @@
         </p:nvCxnSpPr>
         <p:spPr>
           <a:xfrm flipH="1" flipV="1">
-            <a:off x="2354229" y="4107540"/>
+            <a:off x="2344069" y="3740190"/>
             <a:ext cx="967820" cy="435847"/>
           </a:xfrm>
           <a:prstGeom prst="straightConnector1">
@@ -28277,7 +28367,7 @@
         </p:nvSpPr>
         <p:spPr>
           <a:xfrm>
-            <a:off x="2614163" y="4543387"/>
+            <a:off x="2604003" y="4176037"/>
             <a:ext cx="1415772" cy="461665"/>
           </a:xfrm>
           <a:prstGeom prst="rect">
@@ -28316,7 +28406,7 @@
         </p:nvCxnSpPr>
         <p:spPr>
           <a:xfrm flipH="1" flipV="1">
-            <a:off x="3213111" y="4005711"/>
+            <a:off x="3202951" y="3638361"/>
             <a:ext cx="108938" cy="537676"/>
           </a:xfrm>
           <a:prstGeom prst="straightConnector1">
@@ -28363,7 +28453,7 @@
         </p:nvCxnSpPr>
         <p:spPr>
           <a:xfrm flipV="1">
-            <a:off x="3322049" y="3945584"/>
+            <a:off x="3311889" y="3578234"/>
             <a:ext cx="1600342" cy="597803"/>
           </a:xfrm>
           <a:prstGeom prst="straightConnector1">
@@ -29085,7 +29175,7 @@
           </a:ln>
           <a:extLst>
             <a:ext uri="{C572A759-6A51-4108-AA02-DFA0A04FC94B}">
-              <ma14:wrappingTextBoxFlag xmlns:ma14="http://schemas.microsoft.com/office/mac/drawingml/2011/main" xmlns="" val="1"/>
+              <ma14:wrappingTextBoxFlag xmlns="" xmlns:ma14="http://schemas.microsoft.com/office/mac/drawingml/2011/main" val="1"/>
             </a:ext>
           </a:extLst>
         </p:spPr>
@@ -30403,7 +30493,7 @@
           </a:ln>
           <a:extLst>
             <a:ext uri="{C572A759-6A51-4108-AA02-DFA0A04FC94B}">
-              <ma14:wrappingTextBoxFlag xmlns:ma14="http://schemas.microsoft.com/office/mac/drawingml/2011/main" xmlns="" val="1"/>
+              <ma14:wrappingTextBoxFlag xmlns="" xmlns:ma14="http://schemas.microsoft.com/office/mac/drawingml/2011/main" val="1"/>
             </a:ext>
           </a:extLst>
         </p:spPr>
@@ -31500,7 +31590,7 @@
           </a:ln>
           <a:extLst>
             <a:ext uri="{C572A759-6A51-4108-AA02-DFA0A04FC94B}">
-              <ma14:wrappingTextBoxFlag xmlns:ma14="http://schemas.microsoft.com/office/mac/drawingml/2011/main" xmlns="" val="1"/>
+              <ma14:wrappingTextBoxFlag xmlns="" xmlns:ma14="http://schemas.microsoft.com/office/mac/drawingml/2011/main" val="1"/>
             </a:ext>
           </a:extLst>
         </p:spPr>
@@ -32209,7 +32299,7 @@
           </a:ln>
           <a:extLst>
             <a:ext uri="{C572A759-6A51-4108-AA02-DFA0A04FC94B}">
-              <ma14:wrappingTextBoxFlag xmlns:ma14="http://schemas.microsoft.com/office/mac/drawingml/2011/main" xmlns="" val="1"/>
+              <ma14:wrappingTextBoxFlag xmlns="" xmlns:ma14="http://schemas.microsoft.com/office/mac/drawingml/2011/main" val="1"/>
             </a:ext>
           </a:extLst>
         </p:spPr>
@@ -32250,7 +32340,7 @@
         <p:spPr>
           <a:xfrm>
             <a:off x="179666" y="708206"/>
-            <a:ext cx="10479151" cy="1569660"/>
+            <a:ext cx="11331948" cy="1569660"/>
           </a:xfrm>
           <a:prstGeom prst="rect">
             <a:avLst/>
@@ -32306,15 +32396,23 @@
           <a:p>
             <a:r>
               <a:rPr lang="ja-JP" altLang="en-US" sz="2400" dirty="0"/>
-              <a:t>答えは</a:t>
+              <a:t>答えは上流</a:t>
             </a:r>
             <a:r>
               <a:rPr lang="en-US" altLang="ja-JP" sz="2400" dirty="0"/>
-              <a:t>B</a:t>
+              <a:t>(B</a:t>
             </a:r>
             <a:r>
               <a:rPr lang="ja-JP" altLang="en-US" sz="2400" dirty="0"/>
-              <a:t>点から流れてくる桃の数</a:t>
+              <a:t>点</a:t>
+            </a:r>
+            <a:r>
+              <a:rPr lang="en-US" altLang="ja-JP" sz="2400" dirty="0"/>
+              <a:t>)</a:t>
+            </a:r>
+            <a:r>
+              <a:rPr lang="ja-JP" altLang="en-US" sz="2400" dirty="0"/>
+              <a:t>から流れてくる桃の数</a:t>
             </a:r>
             <a:r>
               <a:rPr lang="en-US" altLang="ja-JP" sz="2400" dirty="0"/>
@@ -33328,7 +33426,7 @@
           </a:ln>
           <a:extLst>
             <a:ext uri="{C572A759-6A51-4108-AA02-DFA0A04FC94B}">
-              <ma14:wrappingTextBoxFlag xmlns:ma14="http://schemas.microsoft.com/office/mac/drawingml/2011/main" xmlns="" val="1"/>
+              <ma14:wrappingTextBoxFlag xmlns="" xmlns:ma14="http://schemas.microsoft.com/office/mac/drawingml/2011/main" val="1"/>
             </a:ext>
           </a:extLst>
         </p:spPr>
@@ -35567,7 +35665,7 @@
           </a:ln>
           <a:extLst>
             <a:ext uri="{C572A759-6A51-4108-AA02-DFA0A04FC94B}">
-              <ma14:wrappingTextBoxFlag xmlns:ma14="http://schemas.microsoft.com/office/mac/drawingml/2011/main" xmlns="" val="1"/>
+              <ma14:wrappingTextBoxFlag xmlns="" xmlns:ma14="http://schemas.microsoft.com/office/mac/drawingml/2011/main" val="1"/>
             </a:ext>
           </a:extLst>
         </p:spPr>
